--- a/期末作业/面向对象.pptx
+++ b/期末作业/面向对象.pptx
@@ -6,22 +6,23 @@
     <p:sldMasterId id="2147483661" r:id="rId2"/>
   </p:sldMasterIdLst>
   <p:notesMasterIdLst>
-    <p:notesMasterId r:id="rId16"/>
+    <p:notesMasterId r:id="rId17"/>
   </p:notesMasterIdLst>
   <p:sldIdLst>
     <p:sldId id="256" r:id="rId3"/>
-    <p:sldId id="291" r:id="rId4"/>
-    <p:sldId id="293" r:id="rId5"/>
+    <p:sldId id="293" r:id="rId4"/>
+    <p:sldId id="291" r:id="rId5"/>
     <p:sldId id="297" r:id="rId6"/>
     <p:sldId id="298" r:id="rId7"/>
     <p:sldId id="299" r:id="rId8"/>
-    <p:sldId id="302" r:id="rId9"/>
-    <p:sldId id="301" r:id="rId10"/>
-    <p:sldId id="303" r:id="rId11"/>
-    <p:sldId id="304" r:id="rId12"/>
-    <p:sldId id="305" r:id="rId13"/>
-    <p:sldId id="306" r:id="rId14"/>
-    <p:sldId id="307" r:id="rId15"/>
+    <p:sldId id="308" r:id="rId9"/>
+    <p:sldId id="309" r:id="rId10"/>
+    <p:sldId id="302" r:id="rId11"/>
+    <p:sldId id="301" r:id="rId12"/>
+    <p:sldId id="303" r:id="rId13"/>
+    <p:sldId id="304" r:id="rId14"/>
+    <p:sldId id="306" r:id="rId15"/>
+    <p:sldId id="310" r:id="rId16"/>
   </p:sldIdLst>
   <p:sldSz cx="12192000" cy="6858000"/>
   <p:notesSz cx="6858000" cy="9144000"/>
@@ -210,7 +211,7 @@
           <a:p>
             <a:fld id="{DC8BA52A-8EEC-40B4-9254-C5BE791DCB51}" type="datetimeFigureOut">
               <a:rPr lang="zh-CN" altLang="en-US" smtClean="0"/>
-              <a:t>2021/12/6</a:t>
+              <a:t>2021/12/7</a:t>
             </a:fld>
             <a:endParaRPr lang="zh-CN" altLang="en-US"/>
           </a:p>
@@ -521,7 +522,61 @@
           <a:bodyPr/>
           <a:lstStyle/>
           <a:p>
-            <a:endParaRPr lang="zh-CN" altLang="en-US" dirty="0"/>
+            <a:r>
+              <a:rPr lang="en-US" altLang="zh-CN" dirty="0"/>
+              <a:t>R2</a:t>
+            </a:r>
+            <a:r>
+              <a:rPr lang="zh-CN" altLang="en-US" dirty="0"/>
+              <a:t>是一个</a:t>
+            </a:r>
+            <a:r>
+              <a:rPr lang="en-US" altLang="zh-CN" dirty="0"/>
+              <a:t>java</a:t>
+            </a:r>
+            <a:r>
+              <a:rPr lang="zh-CN" altLang="en-US" dirty="0"/>
+              <a:t>包，</a:t>
+            </a:r>
+            <a:r>
+              <a:rPr lang="en-US" altLang="zh-CN" dirty="0"/>
+              <a:t>R2</a:t>
+            </a:r>
+            <a:r>
+              <a:rPr lang="zh-CN" altLang="en-US" dirty="0"/>
+              <a:t>对象的方法是</a:t>
+            </a:r>
+            <a:r>
+              <a:rPr lang="en-US" altLang="zh-CN" dirty="0"/>
+              <a:t>JDT</a:t>
+            </a:r>
+            <a:r>
+              <a:rPr lang="zh-CN" altLang="en-US" dirty="0"/>
+              <a:t>（</a:t>
+            </a:r>
+            <a:r>
+              <a:rPr lang="en-US" altLang="zh-CN" dirty="0"/>
+              <a:t>java</a:t>
+            </a:r>
+            <a:r>
+              <a:rPr lang="zh-CN" altLang="en-US" dirty="0"/>
+              <a:t>工具包）的重构，或者是对象搜索</a:t>
+            </a:r>
+            <a:endParaRPr lang="en-US" altLang="zh-CN" dirty="0"/>
+          </a:p>
+          <a:p>
+            <a:r>
+              <a:rPr lang="zh-CN" altLang="en-US" dirty="0"/>
+              <a:t>这是</a:t>
+            </a:r>
+            <a:r>
+              <a:rPr lang="en-US" altLang="zh-CN" dirty="0"/>
+              <a:t>R2</a:t>
+            </a:r>
+            <a:r>
+              <a:rPr lang="zh-CN" altLang="en-US" dirty="0"/>
+              <a:t>类和方法的例子</a:t>
+            </a:r>
           </a:p>
         </p:txBody>
       </p:sp>
@@ -551,7 +606,1210 @@
     </p:spTree>
     <p:extLst>
       <p:ext uri="{BB962C8B-B14F-4D97-AF65-F5344CB8AC3E}">
+        <p14:creationId xmlns:p14="http://schemas.microsoft.com/office/powerpoint/2010/main" val="1874935879"/>
+      </p:ext>
+    </p:extLst>
+  </p:cSld>
+  <p:clrMapOvr>
+    <a:masterClrMapping/>
+  </p:clrMapOvr>
+</p:notes>
+</file>
+
+<file path=ppt/notesSlides/notesSlide2.xml><?xml version="1.0" encoding="utf-8"?>
+<p:notes xmlns:a="http://schemas.openxmlformats.org/drawingml/2006/main" xmlns:r="http://schemas.openxmlformats.org/officeDocument/2006/relationships" xmlns:p="http://schemas.openxmlformats.org/presentationml/2006/main">
+  <p:cSld>
+    <p:spTree>
+      <p:nvGrpSpPr>
+        <p:cNvPr id="1" name=""/>
+        <p:cNvGrpSpPr/>
+        <p:nvPr/>
+      </p:nvGrpSpPr>
+      <p:grpSpPr>
+        <a:xfrm>
+          <a:off x="0" y="0"/>
+          <a:ext cx="0" cy="0"/>
+          <a:chOff x="0" y="0"/>
+          <a:chExt cx="0" cy="0"/>
+        </a:xfrm>
+      </p:grpSpPr>
+      <p:sp>
+        <p:nvSpPr>
+          <p:cNvPr id="2" name="幻灯片图像占位符 1"/>
+          <p:cNvSpPr>
+            <a:spLocks noGrp="1" noRot="1" noChangeAspect="1"/>
+          </p:cNvSpPr>
+          <p:nvPr>
+            <p:ph type="sldImg"/>
+          </p:nvPr>
+        </p:nvSpPr>
+        <p:spPr/>
+      </p:sp>
+      <p:sp>
+        <p:nvSpPr>
+          <p:cNvPr id="3" name="备注占位符 2"/>
+          <p:cNvSpPr>
+            <a:spLocks noGrp="1"/>
+          </p:cNvSpPr>
+          <p:nvPr>
+            <p:ph type="body" idx="1"/>
+          </p:nvPr>
+        </p:nvSpPr>
+        <p:spPr/>
+        <p:txBody>
+          <a:bodyPr/>
+          <a:lstStyle/>
+          <a:p>
+            <a:r>
+              <a:rPr lang="en-US" altLang="zh-CN" dirty="0"/>
+              <a:t>JDTRE</a:t>
+            </a:r>
+            <a:r>
+              <a:rPr lang="zh-CN" altLang="en-US" dirty="0"/>
+              <a:t>有很多的</a:t>
+            </a:r>
+            <a:r>
+              <a:rPr lang="en-US" altLang="zh-CN" dirty="0"/>
+              <a:t>bug</a:t>
+            </a:r>
+            <a:r>
+              <a:rPr lang="zh-CN" altLang="en-US" dirty="0"/>
+              <a:t>，影响</a:t>
+            </a:r>
+            <a:r>
+              <a:rPr lang="en-US" altLang="zh-CN" dirty="0"/>
+              <a:t>R2</a:t>
+            </a:r>
+            <a:r>
+              <a:rPr lang="zh-CN" altLang="en-US" dirty="0"/>
+              <a:t>运行</a:t>
+            </a:r>
+            <a:endParaRPr lang="en-US" altLang="zh-CN" dirty="0"/>
+          </a:p>
+          <a:p>
+            <a:pPr marL="0" marR="0" lvl="0" indent="0" algn="l" defTabSz="914400" rtl="0" eaLnBrk="1" fontAlgn="auto" latinLnBrk="0" hangingPunct="1">
+              <a:lnSpc>
+                <a:spcPct val="100000"/>
+              </a:lnSpc>
+              <a:spcBef>
+                <a:spcPts val="0"/>
+              </a:spcBef>
+              <a:spcAft>
+                <a:spcPts val="0"/>
+              </a:spcAft>
+              <a:buClrTx/>
+              <a:buSzTx/>
+              <a:buFontTx/>
+              <a:buNone/>
+              <a:tabLst/>
+              <a:defRPr/>
+            </a:pPr>
+            <a:r>
+              <a:rPr lang="zh-CN" altLang="en-US" dirty="0"/>
+              <a:t>并且如果要在</a:t>
+            </a:r>
+            <a:r>
+              <a:rPr lang="en-US" altLang="zh-CN" dirty="0"/>
+              <a:t>JDTRE</a:t>
+            </a:r>
+            <a:r>
+              <a:rPr lang="zh-CN" altLang="en-US" dirty="0"/>
+              <a:t>上运行</a:t>
+            </a:r>
+            <a:r>
+              <a:rPr lang="en-US" altLang="zh-CN" dirty="0"/>
+              <a:t>R2</a:t>
+            </a:r>
+            <a:r>
+              <a:rPr lang="zh-CN" altLang="en-US" dirty="0"/>
+              <a:t>的话，需要</a:t>
+            </a:r>
+            <a:r>
+              <a:rPr lang="zh-CN" altLang="en-US" dirty="0">
+                <a:effectLst/>
+                <a:latin typeface="Arial" panose="020B0604020202020204" pitchFamily="34" charset="0"/>
+              </a:rPr>
+              <a:t>附加的原语重构和修复现有重构，因为</a:t>
+            </a:r>
+            <a:r>
+              <a:rPr lang="en-US" altLang="zh-CN" dirty="0">
+                <a:effectLst/>
+                <a:latin typeface="Arial" panose="020B0604020202020204" pitchFamily="34" charset="0"/>
+              </a:rPr>
+              <a:t>JDTRE</a:t>
+            </a:r>
+            <a:r>
+              <a:rPr lang="zh-CN" altLang="en-US" dirty="0">
+                <a:effectLst/>
+                <a:latin typeface="Arial" panose="020B0604020202020204" pitchFamily="34" charset="0"/>
+              </a:rPr>
+              <a:t>的话会阻止某些操作</a:t>
+            </a:r>
+            <a:endParaRPr lang="en-US" altLang="zh-CN" dirty="0">
+              <a:effectLst/>
+              <a:latin typeface="Arial" panose="020B0604020202020204" pitchFamily="34" charset="0"/>
+            </a:endParaRPr>
+          </a:p>
+          <a:p>
+            <a:pPr marL="0" marR="0" lvl="0" indent="0" algn="l" defTabSz="914400" rtl="0" eaLnBrk="1" fontAlgn="auto" latinLnBrk="0" hangingPunct="1">
+              <a:lnSpc>
+                <a:spcPct val="100000"/>
+              </a:lnSpc>
+              <a:spcBef>
+                <a:spcPts val="0"/>
+              </a:spcBef>
+              <a:spcAft>
+                <a:spcPts val="0"/>
+              </a:spcAft>
+              <a:buClrTx/>
+              <a:buSzTx/>
+              <a:buFontTx/>
+              <a:buNone/>
+              <a:tabLst/>
+              <a:defRPr/>
+            </a:pPr>
+            <a:r>
+              <a:rPr lang="zh-CN" altLang="en-US" dirty="0">
+                <a:effectLst/>
+                <a:latin typeface="Arial" panose="020B0604020202020204" pitchFamily="34" charset="0"/>
+              </a:rPr>
+              <a:t>同时</a:t>
+            </a:r>
+            <a:r>
+              <a:rPr lang="en-US" altLang="zh-CN" dirty="0">
+                <a:effectLst/>
+                <a:latin typeface="Arial" panose="020B0604020202020204" pitchFamily="34" charset="0"/>
+              </a:rPr>
+              <a:t>JDTRE</a:t>
+            </a:r>
+            <a:r>
+              <a:rPr lang="zh-CN" altLang="en-US" dirty="0">
+                <a:effectLst/>
+                <a:latin typeface="Arial" panose="020B0604020202020204" pitchFamily="34" charset="0"/>
+              </a:rPr>
+              <a:t>速度很慢，执行</a:t>
+            </a:r>
+            <a:r>
+              <a:rPr lang="en-US" altLang="zh-CN" dirty="0">
+                <a:effectLst/>
+                <a:latin typeface="Arial" panose="020B0604020202020204" pitchFamily="34" charset="0"/>
+              </a:rPr>
+              <a:t>20</a:t>
+            </a:r>
+            <a:r>
+              <a:rPr lang="zh-CN" altLang="en-US" dirty="0">
+                <a:effectLst/>
+                <a:latin typeface="Arial" panose="020B0604020202020204" pitchFamily="34" charset="0"/>
+              </a:rPr>
+              <a:t>次重构需要</a:t>
+            </a:r>
+            <a:r>
+              <a:rPr lang="en-US" altLang="zh-CN" dirty="0">
+                <a:effectLst/>
+                <a:latin typeface="Arial" panose="020B0604020202020204" pitchFamily="34" charset="0"/>
+              </a:rPr>
+              <a:t>10</a:t>
+            </a:r>
+            <a:r>
+              <a:rPr lang="zh-CN" altLang="en-US" dirty="0">
+                <a:effectLst/>
+                <a:latin typeface="Arial" panose="020B0604020202020204" pitchFamily="34" charset="0"/>
+              </a:rPr>
+              <a:t>秒多，一般我们希望这种重构是即时的，所以</a:t>
+            </a:r>
+            <a:r>
+              <a:rPr lang="en-US" altLang="zh-CN" dirty="0">
+                <a:effectLst/>
+                <a:latin typeface="Arial" panose="020B0604020202020204" pitchFamily="34" charset="0"/>
+              </a:rPr>
+              <a:t>R2</a:t>
+            </a:r>
+            <a:r>
+              <a:rPr lang="zh-CN" altLang="en-US" dirty="0">
+                <a:effectLst/>
+                <a:latin typeface="Arial" panose="020B0604020202020204" pitchFamily="34" charset="0"/>
+              </a:rPr>
+              <a:t>是不太好的</a:t>
+            </a:r>
+            <a:endParaRPr lang="en-US" altLang="zh-CN" dirty="0">
+              <a:effectLst/>
+              <a:latin typeface="Arial" panose="020B0604020202020204" pitchFamily="34" charset="0"/>
+            </a:endParaRPr>
+          </a:p>
+          <a:p>
+            <a:pPr marL="0" marR="0" lvl="0" indent="0" algn="l" defTabSz="914400" rtl="0" eaLnBrk="1" fontAlgn="auto" latinLnBrk="0" hangingPunct="1">
+              <a:lnSpc>
+                <a:spcPct val="100000"/>
+              </a:lnSpc>
+              <a:spcBef>
+                <a:spcPts val="0"/>
+              </a:spcBef>
+              <a:spcAft>
+                <a:spcPts val="0"/>
+              </a:spcAft>
+              <a:buClrTx/>
+              <a:buSzTx/>
+              <a:buFontTx/>
+              <a:buNone/>
+              <a:tabLst/>
+              <a:defRPr/>
+            </a:pPr>
+            <a:endParaRPr lang="zh-CN" altLang="en-US" dirty="0">
+              <a:effectLst/>
+              <a:latin typeface="Arial" panose="020B0604020202020204" pitchFamily="34" charset="0"/>
+            </a:endParaRPr>
+          </a:p>
+          <a:p>
+            <a:endParaRPr lang="zh-CN" altLang="en-US" dirty="0"/>
+          </a:p>
+        </p:txBody>
+      </p:sp>
+      <p:sp>
+        <p:nvSpPr>
+          <p:cNvPr id="4" name="灯片编号占位符 3"/>
+          <p:cNvSpPr>
+            <a:spLocks noGrp="1"/>
+          </p:cNvSpPr>
+          <p:nvPr>
+            <p:ph type="sldNum" sz="quarter" idx="5"/>
+          </p:nvPr>
+        </p:nvSpPr>
+        <p:spPr/>
+        <p:txBody>
+          <a:bodyPr/>
+          <a:lstStyle/>
+          <a:p>
+            <a:fld id="{01E24E46-1166-4BD3-A1D5-382F26E06F8E}" type="slidenum">
+              <a:rPr lang="zh-CN" altLang="en-US" smtClean="0"/>
+              <a:t>3</a:t>
+            </a:fld>
+            <a:endParaRPr lang="zh-CN" altLang="en-US"/>
+          </a:p>
+        </p:txBody>
+      </p:sp>
+    </p:spTree>
+    <p:extLst>
+      <p:ext uri="{BB962C8B-B14F-4D97-AF65-F5344CB8AC3E}">
         <p14:creationId xmlns:p14="http://schemas.microsoft.com/office/powerpoint/2010/main" val="1714074586"/>
+      </p:ext>
+    </p:extLst>
+  </p:cSld>
+  <p:clrMapOvr>
+    <a:masterClrMapping/>
+  </p:clrMapOvr>
+</p:notes>
+</file>
+
+<file path=ppt/notesSlides/notesSlide3.xml><?xml version="1.0" encoding="utf-8"?>
+<p:notes xmlns:a="http://schemas.openxmlformats.org/drawingml/2006/main" xmlns:r="http://schemas.openxmlformats.org/officeDocument/2006/relationships" xmlns:p="http://schemas.openxmlformats.org/presentationml/2006/main">
+  <p:cSld>
+    <p:spTree>
+      <p:nvGrpSpPr>
+        <p:cNvPr id="1" name=""/>
+        <p:cNvGrpSpPr/>
+        <p:nvPr/>
+      </p:nvGrpSpPr>
+      <p:grpSpPr>
+        <a:xfrm>
+          <a:off x="0" y="0"/>
+          <a:ext cx="0" cy="0"/>
+          <a:chOff x="0" y="0"/>
+          <a:chExt cx="0" cy="0"/>
+        </a:xfrm>
+      </p:grpSpPr>
+      <p:sp>
+        <p:nvSpPr>
+          <p:cNvPr id="2" name="幻灯片图像占位符 1"/>
+          <p:cNvSpPr>
+            <a:spLocks noGrp="1" noRot="1" noChangeAspect="1"/>
+          </p:cNvSpPr>
+          <p:nvPr>
+            <p:ph type="sldImg"/>
+          </p:nvPr>
+        </p:nvSpPr>
+        <p:spPr/>
+      </p:sp>
+      <p:sp>
+        <p:nvSpPr>
+          <p:cNvPr id="3" name="备注占位符 2"/>
+          <p:cNvSpPr>
+            <a:spLocks noGrp="1"/>
+          </p:cNvSpPr>
+          <p:nvPr>
+            <p:ph type="body" idx="1"/>
+          </p:nvPr>
+        </p:nvSpPr>
+        <p:spPr/>
+        <p:txBody>
+          <a:bodyPr/>
+          <a:lstStyle/>
+          <a:p>
+            <a:r>
+              <a:rPr lang="zh-CN" altLang="en-US" dirty="0"/>
+              <a:t>作者提出的方法叫做</a:t>
+            </a:r>
+            <a:r>
+              <a:rPr lang="en-US" altLang="zh-CN" dirty="0"/>
+              <a:t>R3</a:t>
+            </a:r>
+            <a:r>
+              <a:rPr lang="zh-CN" altLang="en-US" dirty="0"/>
+              <a:t>，使用</a:t>
+            </a:r>
+            <a:r>
+              <a:rPr lang="en-US" altLang="zh-CN" dirty="0" err="1"/>
+              <a:t>database+pretty</a:t>
+            </a:r>
+            <a:r>
+              <a:rPr lang="en-US" altLang="zh-CN" dirty="0"/>
+              <a:t> printing  </a:t>
+            </a:r>
+            <a:r>
+              <a:rPr lang="zh-CN" altLang="en-US" dirty="0"/>
+              <a:t>并且支持脚本的重构引擎</a:t>
+            </a:r>
+            <a:endParaRPr lang="en-US" altLang="zh-CN" dirty="0"/>
+          </a:p>
+          <a:p>
+            <a:r>
+              <a:rPr lang="zh-CN" altLang="en-US" dirty="0"/>
+              <a:t>它的速度、代码大小上都比原来的</a:t>
+            </a:r>
+            <a:r>
+              <a:rPr lang="en-US" altLang="zh-CN" dirty="0"/>
+              <a:t>R2</a:t>
+            </a:r>
+            <a:r>
+              <a:rPr lang="zh-CN" altLang="en-US" dirty="0"/>
+              <a:t>更优</a:t>
+            </a:r>
+            <a:endParaRPr lang="en-US" altLang="zh-CN" dirty="0"/>
+          </a:p>
+          <a:p>
+            <a:r>
+              <a:rPr lang="zh-CN" altLang="en-US" dirty="0"/>
+              <a:t>并且作者提出了一个高效的评估重构先决条件的方法</a:t>
+            </a:r>
+          </a:p>
+        </p:txBody>
+      </p:sp>
+      <p:sp>
+        <p:nvSpPr>
+          <p:cNvPr id="4" name="灯片编号占位符 3"/>
+          <p:cNvSpPr>
+            <a:spLocks noGrp="1"/>
+          </p:cNvSpPr>
+          <p:nvPr>
+            <p:ph type="sldNum" sz="quarter" idx="5"/>
+          </p:nvPr>
+        </p:nvSpPr>
+        <p:spPr/>
+        <p:txBody>
+          <a:bodyPr/>
+          <a:lstStyle/>
+          <a:p>
+            <a:fld id="{01E24E46-1166-4BD3-A1D5-382F26E06F8E}" type="slidenum">
+              <a:rPr lang="zh-CN" altLang="en-US" smtClean="0"/>
+              <a:t>4</a:t>
+            </a:fld>
+            <a:endParaRPr lang="zh-CN" altLang="en-US"/>
+          </a:p>
+        </p:txBody>
+      </p:sp>
+    </p:spTree>
+    <p:extLst>
+      <p:ext uri="{BB962C8B-B14F-4D97-AF65-F5344CB8AC3E}">
+        <p14:creationId xmlns:p14="http://schemas.microsoft.com/office/powerpoint/2010/main" val="3854404526"/>
+      </p:ext>
+    </p:extLst>
+  </p:cSld>
+  <p:clrMapOvr>
+    <a:masterClrMapping/>
+  </p:clrMapOvr>
+</p:notes>
+</file>
+
+<file path=ppt/notesSlides/notesSlide4.xml><?xml version="1.0" encoding="utf-8"?>
+<p:notes xmlns:a="http://schemas.openxmlformats.org/drawingml/2006/main" xmlns:r="http://schemas.openxmlformats.org/officeDocument/2006/relationships" xmlns:p="http://schemas.openxmlformats.org/presentationml/2006/main">
+  <p:cSld>
+    <p:spTree>
+      <p:nvGrpSpPr>
+        <p:cNvPr id="1" name=""/>
+        <p:cNvGrpSpPr/>
+        <p:nvPr/>
+      </p:nvGrpSpPr>
+      <p:grpSpPr>
+        <a:xfrm>
+          <a:off x="0" y="0"/>
+          <a:ext cx="0" cy="0"/>
+          <a:chOff x="0" y="0"/>
+          <a:chExt cx="0" cy="0"/>
+        </a:xfrm>
+      </p:grpSpPr>
+      <p:sp>
+        <p:nvSpPr>
+          <p:cNvPr id="2" name="幻灯片图像占位符 1"/>
+          <p:cNvSpPr>
+            <a:spLocks noGrp="1" noRot="1" noChangeAspect="1"/>
+          </p:cNvSpPr>
+          <p:nvPr>
+            <p:ph type="sldImg"/>
+          </p:nvPr>
+        </p:nvSpPr>
+        <p:spPr/>
+      </p:sp>
+      <p:sp>
+        <p:nvSpPr>
+          <p:cNvPr id="3" name="备注占位符 2"/>
+          <p:cNvSpPr>
+            <a:spLocks noGrp="1"/>
+          </p:cNvSpPr>
+          <p:nvPr>
+            <p:ph type="body" idx="1"/>
+          </p:nvPr>
+        </p:nvSpPr>
+        <p:spPr/>
+        <p:txBody>
+          <a:bodyPr/>
+          <a:lstStyle/>
+          <a:p>
+            <a:r>
+              <a:rPr lang="en-US" altLang="zh-CN" dirty="0">
+                <a:effectLst/>
+                <a:latin typeface="Arial" panose="020B0604020202020204" pitchFamily="34" charset="0"/>
+              </a:rPr>
+              <a:t>R3</a:t>
+            </a:r>
+            <a:r>
+              <a:rPr lang="zh-CN" altLang="en-US" dirty="0">
+                <a:effectLst/>
+                <a:latin typeface="Arial" panose="020B0604020202020204" pitchFamily="34" charset="0"/>
+              </a:rPr>
+              <a:t>维护一个内部的、非持久性的数据库，以记住透视图中的更改</a:t>
+            </a:r>
+            <a:r>
+              <a:rPr lang="en-US" altLang="zh-CN" dirty="0">
+                <a:effectLst/>
+                <a:latin typeface="Arial" panose="020B0604020202020204" pitchFamily="34" charset="0"/>
+              </a:rPr>
+              <a:t>,</a:t>
+            </a:r>
+            <a:r>
+              <a:rPr lang="zh-CN" altLang="en-US" dirty="0">
+                <a:effectLst/>
+                <a:latin typeface="Arial" panose="020B0604020202020204" pitchFamily="34" charset="0"/>
+              </a:rPr>
+              <a:t>为所有声明类型创造数据库，</a:t>
+            </a:r>
+            <a:endParaRPr lang="en-US" altLang="zh-CN" dirty="0">
+              <a:effectLst/>
+              <a:latin typeface="Arial" panose="020B0604020202020204" pitchFamily="34" charset="0"/>
+            </a:endParaRPr>
+          </a:p>
+          <a:p>
+            <a:r>
+              <a:rPr lang="en-US" altLang="zh-CN" dirty="0" err="1">
+                <a:effectLst/>
+                <a:latin typeface="Arial" panose="020B0604020202020204" pitchFamily="34" charset="0"/>
+              </a:rPr>
+              <a:t>Rcclass</a:t>
+            </a:r>
+            <a:r>
+              <a:rPr lang="zh-CN" altLang="en-US" dirty="0">
+                <a:effectLst/>
+                <a:latin typeface="Arial" panose="020B0604020202020204" pitchFamily="34" charset="0"/>
+              </a:rPr>
+              <a:t>中保存不同类的声明，有指向该类</a:t>
+            </a:r>
+            <a:r>
+              <a:rPr lang="en-US" altLang="zh-CN" dirty="0">
+                <a:effectLst/>
+                <a:latin typeface="Arial" panose="020B0604020202020204" pitchFamily="34" charset="0"/>
+              </a:rPr>
+              <a:t>AST</a:t>
+            </a:r>
+            <a:r>
+              <a:rPr lang="zh-CN" altLang="en-US" dirty="0">
+                <a:effectLst/>
+                <a:latin typeface="Arial" panose="020B0604020202020204" pitchFamily="34" charset="0"/>
+              </a:rPr>
+              <a:t>的指针</a:t>
+            </a:r>
+            <a:endParaRPr lang="en-US" altLang="zh-CN" dirty="0">
+              <a:effectLst/>
+              <a:latin typeface="Arial" panose="020B0604020202020204" pitchFamily="34" charset="0"/>
+            </a:endParaRPr>
+          </a:p>
+          <a:p>
+            <a:r>
+              <a:rPr lang="en-US" altLang="zh-CN" dirty="0" err="1">
+                <a:effectLst/>
+                <a:latin typeface="Arial" panose="020B0604020202020204" pitchFamily="34" charset="0"/>
+              </a:rPr>
+              <a:t>Rmethod</a:t>
+            </a:r>
+            <a:r>
+              <a:rPr lang="zh-CN" altLang="en-US" dirty="0">
+                <a:effectLst/>
+                <a:latin typeface="Arial" panose="020B0604020202020204" pitchFamily="34" charset="0"/>
+              </a:rPr>
+              <a:t>中保存了程序中所有的方法 也就是绝对方法，指向</a:t>
+            </a:r>
+            <a:r>
+              <a:rPr lang="en-US" altLang="zh-CN" dirty="0">
+                <a:effectLst/>
+                <a:latin typeface="Arial" panose="020B0604020202020204" pitchFamily="34" charset="0"/>
+              </a:rPr>
+              <a:t>AST</a:t>
+            </a:r>
+            <a:r>
+              <a:rPr lang="zh-CN" altLang="en-US" dirty="0">
+                <a:effectLst/>
+                <a:latin typeface="Arial" panose="020B0604020202020204" pitchFamily="34" charset="0"/>
+              </a:rPr>
+              <a:t>和对应的类</a:t>
+            </a:r>
+            <a:endParaRPr lang="en-US" altLang="zh-CN" dirty="0">
+              <a:effectLst/>
+              <a:latin typeface="Arial" panose="020B0604020202020204" pitchFamily="34" charset="0"/>
+            </a:endParaRPr>
+          </a:p>
+          <a:p>
+            <a:r>
+              <a:rPr lang="zh-CN" altLang="en-US" dirty="0">
+                <a:effectLst/>
+                <a:latin typeface="Arial" panose="020B0604020202020204" pitchFamily="34" charset="0"/>
+              </a:rPr>
+              <a:t>每一次重构都是对这个数据库的更新</a:t>
+            </a:r>
+            <a:endParaRPr lang="en-US" altLang="zh-CN" dirty="0">
+              <a:effectLst/>
+              <a:latin typeface="Arial" panose="020B0604020202020204" pitchFamily="34" charset="0"/>
+            </a:endParaRPr>
+          </a:p>
+        </p:txBody>
+      </p:sp>
+      <p:sp>
+        <p:nvSpPr>
+          <p:cNvPr id="4" name="灯片编号占位符 3"/>
+          <p:cNvSpPr>
+            <a:spLocks noGrp="1"/>
+          </p:cNvSpPr>
+          <p:nvPr>
+            <p:ph type="sldNum" sz="quarter" idx="5"/>
+          </p:nvPr>
+        </p:nvSpPr>
+        <p:spPr/>
+        <p:txBody>
+          <a:bodyPr/>
+          <a:lstStyle/>
+          <a:p>
+            <a:fld id="{01E24E46-1166-4BD3-A1D5-382F26E06F8E}" type="slidenum">
+              <a:rPr lang="zh-CN" altLang="en-US" smtClean="0"/>
+              <a:t>6</a:t>
+            </a:fld>
+            <a:endParaRPr lang="zh-CN" altLang="en-US"/>
+          </a:p>
+        </p:txBody>
+      </p:sp>
+    </p:spTree>
+    <p:extLst>
+      <p:ext uri="{BB962C8B-B14F-4D97-AF65-F5344CB8AC3E}">
+        <p14:creationId xmlns:p14="http://schemas.microsoft.com/office/powerpoint/2010/main" val="2809023912"/>
+      </p:ext>
+    </p:extLst>
+  </p:cSld>
+  <p:clrMapOvr>
+    <a:masterClrMapping/>
+  </p:clrMapOvr>
+</p:notes>
+</file>
+
+<file path=ppt/notesSlides/notesSlide5.xml><?xml version="1.0" encoding="utf-8"?>
+<p:notes xmlns:a="http://schemas.openxmlformats.org/drawingml/2006/main" xmlns:r="http://schemas.openxmlformats.org/officeDocument/2006/relationships" xmlns:p="http://schemas.openxmlformats.org/presentationml/2006/main">
+  <p:cSld>
+    <p:spTree>
+      <p:nvGrpSpPr>
+        <p:cNvPr id="1" name=""/>
+        <p:cNvGrpSpPr/>
+        <p:nvPr/>
+      </p:nvGrpSpPr>
+      <p:grpSpPr>
+        <a:xfrm>
+          <a:off x="0" y="0"/>
+          <a:ext cx="0" cy="0"/>
+          <a:chOff x="0" y="0"/>
+          <a:chExt cx="0" cy="0"/>
+        </a:xfrm>
+      </p:grpSpPr>
+      <p:sp>
+        <p:nvSpPr>
+          <p:cNvPr id="2" name="幻灯片图像占位符 1"/>
+          <p:cNvSpPr>
+            <a:spLocks noGrp="1" noRot="1" noChangeAspect="1"/>
+          </p:cNvSpPr>
+          <p:nvPr>
+            <p:ph type="sldImg"/>
+          </p:nvPr>
+        </p:nvSpPr>
+        <p:spPr/>
+      </p:sp>
+      <p:sp>
+        <p:nvSpPr>
+          <p:cNvPr id="3" name="备注占位符 2"/>
+          <p:cNvSpPr>
+            <a:spLocks noGrp="1"/>
+          </p:cNvSpPr>
+          <p:nvPr>
+            <p:ph type="body" idx="1"/>
+          </p:nvPr>
+        </p:nvSpPr>
+        <p:spPr/>
+        <p:txBody>
+          <a:bodyPr/>
+          <a:lstStyle/>
+          <a:p>
+            <a:r>
+              <a:rPr lang="zh-CN" altLang="en-US" dirty="0"/>
+              <a:t>很多先决条件的检查可以在数据库创建的时候进去</a:t>
+            </a:r>
+            <a:r>
+              <a:rPr lang="en-US" altLang="zh-CN" dirty="0"/>
+              <a:t>,</a:t>
+            </a:r>
+            <a:r>
+              <a:rPr lang="zh-CN" altLang="en-US" dirty="0"/>
+              <a:t>这样可以加快速度，所以</a:t>
+            </a:r>
+            <a:r>
+              <a:rPr lang="en-US" altLang="zh-CN" dirty="0"/>
+              <a:t>R3</a:t>
+            </a:r>
+            <a:r>
+              <a:rPr lang="zh-CN" altLang="en-US" dirty="0"/>
+              <a:t>加入了一些供检查所用的布尔值</a:t>
+            </a:r>
+            <a:r>
+              <a:rPr lang="en-US" altLang="zh-CN" dirty="0"/>
+              <a:t>.</a:t>
+            </a:r>
+          </a:p>
+          <a:p>
+            <a:r>
+              <a:rPr lang="zh-CN" altLang="en-US" dirty="0"/>
+              <a:t>所以</a:t>
+            </a:r>
+            <a:r>
+              <a:rPr lang="en-US" altLang="zh-CN" dirty="0"/>
+              <a:t>R3</a:t>
+            </a:r>
+            <a:r>
+              <a:rPr lang="zh-CN" altLang="en-US" dirty="0"/>
+              <a:t>数据库的遍历分为两步，先正常填充数据，再给布尔值</a:t>
+            </a:r>
+          </a:p>
+        </p:txBody>
+      </p:sp>
+      <p:sp>
+        <p:nvSpPr>
+          <p:cNvPr id="4" name="灯片编号占位符 3"/>
+          <p:cNvSpPr>
+            <a:spLocks noGrp="1"/>
+          </p:cNvSpPr>
+          <p:nvPr>
+            <p:ph type="sldNum" sz="quarter" idx="5"/>
+          </p:nvPr>
+        </p:nvSpPr>
+        <p:spPr/>
+        <p:txBody>
+          <a:bodyPr/>
+          <a:lstStyle/>
+          <a:p>
+            <a:fld id="{01E24E46-1166-4BD3-A1D5-382F26E06F8E}" type="slidenum">
+              <a:rPr lang="zh-CN" altLang="en-US" smtClean="0"/>
+              <a:t>10</a:t>
+            </a:fld>
+            <a:endParaRPr lang="zh-CN" altLang="en-US"/>
+          </a:p>
+        </p:txBody>
+      </p:sp>
+    </p:spTree>
+    <p:extLst>
+      <p:ext uri="{BB962C8B-B14F-4D97-AF65-F5344CB8AC3E}">
+        <p14:creationId xmlns:p14="http://schemas.microsoft.com/office/powerpoint/2010/main" val="2732667611"/>
+      </p:ext>
+    </p:extLst>
+  </p:cSld>
+  <p:clrMapOvr>
+    <a:masterClrMapping/>
+  </p:clrMapOvr>
+</p:notes>
+</file>
+
+<file path=ppt/notesSlides/notesSlide6.xml><?xml version="1.0" encoding="utf-8"?>
+<p:notes xmlns:a="http://schemas.openxmlformats.org/drawingml/2006/main" xmlns:r="http://schemas.openxmlformats.org/officeDocument/2006/relationships" xmlns:p="http://schemas.openxmlformats.org/presentationml/2006/main">
+  <p:cSld>
+    <p:spTree>
+      <p:nvGrpSpPr>
+        <p:cNvPr id="1" name=""/>
+        <p:cNvGrpSpPr/>
+        <p:nvPr/>
+      </p:nvGrpSpPr>
+      <p:grpSpPr>
+        <a:xfrm>
+          <a:off x="0" y="0"/>
+          <a:ext cx="0" cy="0"/>
+          <a:chOff x="0" y="0"/>
+          <a:chExt cx="0" cy="0"/>
+        </a:xfrm>
+      </p:grpSpPr>
+      <p:sp>
+        <p:nvSpPr>
+          <p:cNvPr id="2" name="幻灯片图像占位符 1"/>
+          <p:cNvSpPr>
+            <a:spLocks noGrp="1" noRot="1" noChangeAspect="1"/>
+          </p:cNvSpPr>
+          <p:nvPr>
+            <p:ph type="sldImg"/>
+          </p:nvPr>
+        </p:nvSpPr>
+        <p:spPr/>
+      </p:sp>
+      <p:sp>
+        <p:nvSpPr>
+          <p:cNvPr id="3" name="备注占位符 2"/>
+          <p:cNvSpPr>
+            <a:spLocks noGrp="1"/>
+          </p:cNvSpPr>
+          <p:nvPr>
+            <p:ph type="body" idx="1"/>
+          </p:nvPr>
+        </p:nvSpPr>
+        <p:spPr/>
+        <p:txBody>
+          <a:bodyPr/>
+          <a:lstStyle/>
+          <a:p>
+            <a:r>
+              <a:rPr lang="zh-CN" altLang="en-US" dirty="0"/>
+              <a:t>一些先决条件是可以直接得到的，，还有一些需要进行查找，这里有几个例子</a:t>
+            </a:r>
+          </a:p>
+        </p:txBody>
+      </p:sp>
+      <p:sp>
+        <p:nvSpPr>
+          <p:cNvPr id="4" name="灯片编号占位符 3"/>
+          <p:cNvSpPr>
+            <a:spLocks noGrp="1"/>
+          </p:cNvSpPr>
+          <p:nvPr>
+            <p:ph type="sldNum" sz="quarter" idx="5"/>
+          </p:nvPr>
+        </p:nvSpPr>
+        <p:spPr/>
+        <p:txBody>
+          <a:bodyPr/>
+          <a:lstStyle/>
+          <a:p>
+            <a:fld id="{01E24E46-1166-4BD3-A1D5-382F26E06F8E}" type="slidenum">
+              <a:rPr lang="zh-CN" altLang="en-US" smtClean="0"/>
+              <a:t>11</a:t>
+            </a:fld>
+            <a:endParaRPr lang="zh-CN" altLang="en-US"/>
+          </a:p>
+        </p:txBody>
+      </p:sp>
+    </p:spTree>
+    <p:extLst>
+      <p:ext uri="{BB962C8B-B14F-4D97-AF65-F5344CB8AC3E}">
+        <p14:creationId xmlns:p14="http://schemas.microsoft.com/office/powerpoint/2010/main" val="1146791232"/>
+      </p:ext>
+    </p:extLst>
+  </p:cSld>
+  <p:clrMapOvr>
+    <a:masterClrMapping/>
+  </p:clrMapOvr>
+</p:notes>
+</file>
+
+<file path=ppt/notesSlides/notesSlide7.xml><?xml version="1.0" encoding="utf-8"?>
+<p:notes xmlns:a="http://schemas.openxmlformats.org/drawingml/2006/main" xmlns:r="http://schemas.openxmlformats.org/officeDocument/2006/relationships" xmlns:p="http://schemas.openxmlformats.org/presentationml/2006/main">
+  <p:cSld>
+    <p:spTree>
+      <p:nvGrpSpPr>
+        <p:cNvPr id="1" name=""/>
+        <p:cNvGrpSpPr/>
+        <p:nvPr/>
+      </p:nvGrpSpPr>
+      <p:grpSpPr>
+        <a:xfrm>
+          <a:off x="0" y="0"/>
+          <a:ext cx="0" cy="0"/>
+          <a:chOff x="0" y="0"/>
+          <a:chExt cx="0" cy="0"/>
+        </a:xfrm>
+      </p:grpSpPr>
+      <p:sp>
+        <p:nvSpPr>
+          <p:cNvPr id="2" name="幻灯片图像占位符 1"/>
+          <p:cNvSpPr>
+            <a:spLocks noGrp="1" noRot="1" noChangeAspect="1"/>
+          </p:cNvSpPr>
+          <p:nvPr>
+            <p:ph type="sldImg"/>
+          </p:nvPr>
+        </p:nvSpPr>
+        <p:spPr/>
+      </p:sp>
+      <p:sp>
+        <p:nvSpPr>
+          <p:cNvPr id="3" name="备注占位符 2"/>
+          <p:cNvSpPr>
+            <a:spLocks noGrp="1"/>
+          </p:cNvSpPr>
+          <p:nvPr>
+            <p:ph type="body" idx="1"/>
+          </p:nvPr>
+        </p:nvSpPr>
+        <p:spPr/>
+        <p:txBody>
+          <a:bodyPr/>
+          <a:lstStyle/>
+          <a:p>
+            <a:r>
+              <a:rPr lang="en-US" altLang="zh-CN" dirty="0"/>
+              <a:t>A    Eclipse parses a Java program into AST </a:t>
+            </a:r>
+          </a:p>
+          <a:p>
+            <a:r>
+              <a:rPr lang="en-US" altLang="zh-CN" dirty="0"/>
+              <a:t>B    JDT ASTs are traversed to harvest a major part of theR3 database.</a:t>
+            </a:r>
+          </a:p>
+          <a:p>
+            <a:r>
+              <a:rPr lang="en-US" altLang="zh-CN" dirty="0"/>
+              <a:t>C    A limitation of AHEAD is that it requires a context-free parser. AHEAD</a:t>
+            </a:r>
+            <a:r>
+              <a:rPr lang="zh-CN" altLang="en-US" dirty="0">
+                <a:effectLst/>
+                <a:latin typeface="Arial" panose="020B0604020202020204" pitchFamily="34" charset="0"/>
+              </a:rPr>
+              <a:t>限制是它需要一个上下文无关的解析器。需要重新生成一个代码文件</a:t>
+            </a:r>
+            <a:endParaRPr lang="en-US" altLang="zh-CN" dirty="0">
+              <a:effectLst/>
+              <a:latin typeface="Arial" panose="020B0604020202020204" pitchFamily="34" charset="0"/>
+            </a:endParaRPr>
+          </a:p>
+          <a:p>
+            <a:r>
+              <a:rPr lang="en-US" altLang="zh-CN" dirty="0">
+                <a:effectLst/>
+                <a:latin typeface="Arial" panose="020B0604020202020204" pitchFamily="34" charset="0"/>
+              </a:rPr>
+              <a:t>D    parses the manufactured-identifier program   </a:t>
+            </a:r>
+            <a:r>
+              <a:rPr lang="zh-CN" altLang="en-US" dirty="0">
+                <a:effectLst/>
+                <a:latin typeface="Arial" panose="020B0604020202020204" pitchFamily="34" charset="0"/>
+              </a:rPr>
+              <a:t>对新的代码文件进行解析</a:t>
+            </a:r>
+            <a:endParaRPr lang="en-US" altLang="zh-CN" dirty="0">
+              <a:effectLst/>
+              <a:latin typeface="Arial" panose="020B0604020202020204" pitchFamily="34" charset="0"/>
+            </a:endParaRPr>
+          </a:p>
+          <a:p>
+            <a:r>
+              <a:rPr lang="en-US" altLang="zh-CN" dirty="0">
+                <a:effectLst/>
+                <a:latin typeface="Arial" panose="020B0604020202020204" pitchFamily="34" charset="0"/>
+              </a:rPr>
+              <a:t>E</a:t>
+            </a:r>
+            <a:r>
+              <a:rPr lang="zh-CN" altLang="en-US" dirty="0">
+                <a:effectLst/>
+                <a:latin typeface="Arial" panose="020B0604020202020204" pitchFamily="34" charset="0"/>
+              </a:rPr>
+              <a:t>    将数据库和</a:t>
+            </a:r>
+            <a:r>
+              <a:rPr lang="en-US" altLang="zh-CN" dirty="0">
+                <a:effectLst/>
+                <a:latin typeface="Arial" panose="020B0604020202020204" pitchFamily="34" charset="0"/>
+              </a:rPr>
+              <a:t>AST</a:t>
+            </a:r>
+            <a:r>
+              <a:rPr lang="zh-CN" altLang="en-US" dirty="0">
+                <a:effectLst/>
+                <a:latin typeface="Arial" panose="020B0604020202020204" pitchFamily="34" charset="0"/>
+              </a:rPr>
+              <a:t>链接起来</a:t>
+            </a:r>
+            <a:endParaRPr lang="en-US" altLang="zh-CN" dirty="0">
+              <a:effectLst/>
+              <a:latin typeface="Arial" panose="020B0604020202020204" pitchFamily="34" charset="0"/>
+            </a:endParaRPr>
+          </a:p>
+          <a:p>
+            <a:r>
+              <a:rPr lang="en-US" altLang="zh-CN" dirty="0">
+                <a:effectLst/>
+                <a:latin typeface="Arial" panose="020B0604020202020204" pitchFamily="34" charset="0"/>
+              </a:rPr>
+              <a:t>F    </a:t>
+            </a:r>
+            <a:r>
+              <a:rPr lang="zh-CN" altLang="en-US" dirty="0">
+                <a:effectLst/>
+                <a:latin typeface="Arial" panose="020B0604020202020204" pitchFamily="34" charset="0"/>
+              </a:rPr>
+              <a:t>执行重构</a:t>
+            </a:r>
+            <a:endParaRPr lang="en-US" altLang="zh-CN" dirty="0">
+              <a:effectLst/>
+              <a:latin typeface="Arial" panose="020B0604020202020204" pitchFamily="34" charset="0"/>
+            </a:endParaRPr>
+          </a:p>
+          <a:p>
+            <a:r>
+              <a:rPr lang="en-US" altLang="zh-CN" dirty="0">
+                <a:effectLst/>
+                <a:latin typeface="Arial" panose="020B0604020202020204" pitchFamily="34" charset="0"/>
+              </a:rPr>
+              <a:t>G    </a:t>
+            </a:r>
+            <a:r>
+              <a:rPr lang="zh-CN" altLang="en-US" dirty="0">
+                <a:effectLst/>
+                <a:latin typeface="Arial" panose="020B0604020202020204" pitchFamily="34" charset="0"/>
+              </a:rPr>
+              <a:t>输出重构后的文件</a:t>
+            </a:r>
+            <a:endParaRPr lang="en-US" altLang="zh-CN" dirty="0">
+              <a:effectLst/>
+              <a:latin typeface="Arial" panose="020B0604020202020204" pitchFamily="34" charset="0"/>
+            </a:endParaRPr>
+          </a:p>
+        </p:txBody>
+      </p:sp>
+      <p:sp>
+        <p:nvSpPr>
+          <p:cNvPr id="4" name="灯片编号占位符 3"/>
+          <p:cNvSpPr>
+            <a:spLocks noGrp="1"/>
+          </p:cNvSpPr>
+          <p:nvPr>
+            <p:ph type="sldNum" sz="quarter" idx="5"/>
+          </p:nvPr>
+        </p:nvSpPr>
+        <p:spPr/>
+        <p:txBody>
+          <a:bodyPr/>
+          <a:lstStyle/>
+          <a:p>
+            <a:fld id="{01E24E46-1166-4BD3-A1D5-382F26E06F8E}" type="slidenum">
+              <a:rPr lang="zh-CN" altLang="en-US" smtClean="0"/>
+              <a:t>12</a:t>
+            </a:fld>
+            <a:endParaRPr lang="zh-CN" altLang="en-US"/>
+          </a:p>
+        </p:txBody>
+      </p:sp>
+    </p:spTree>
+    <p:extLst>
+      <p:ext uri="{BB962C8B-B14F-4D97-AF65-F5344CB8AC3E}">
+        <p14:creationId xmlns:p14="http://schemas.microsoft.com/office/powerpoint/2010/main" val="273742187"/>
+      </p:ext>
+    </p:extLst>
+  </p:cSld>
+  <p:clrMapOvr>
+    <a:masterClrMapping/>
+  </p:clrMapOvr>
+</p:notes>
+</file>
+
+<file path=ppt/notesSlides/notesSlide8.xml><?xml version="1.0" encoding="utf-8"?>
+<p:notes xmlns:a="http://schemas.openxmlformats.org/drawingml/2006/main" xmlns:r="http://schemas.openxmlformats.org/officeDocument/2006/relationships" xmlns:p="http://schemas.openxmlformats.org/presentationml/2006/main">
+  <p:cSld>
+    <p:spTree>
+      <p:nvGrpSpPr>
+        <p:cNvPr id="1" name=""/>
+        <p:cNvGrpSpPr/>
+        <p:nvPr/>
+      </p:nvGrpSpPr>
+      <p:grpSpPr>
+        <a:xfrm>
+          <a:off x="0" y="0"/>
+          <a:ext cx="0" cy="0"/>
+          <a:chOff x="0" y="0"/>
+          <a:chExt cx="0" cy="0"/>
+        </a:xfrm>
+      </p:grpSpPr>
+      <p:sp>
+        <p:nvSpPr>
+          <p:cNvPr id="2" name="幻灯片图像占位符 1"/>
+          <p:cNvSpPr>
+            <a:spLocks noGrp="1" noRot="1" noChangeAspect="1"/>
+          </p:cNvSpPr>
+          <p:nvPr>
+            <p:ph type="sldImg"/>
+          </p:nvPr>
+        </p:nvSpPr>
+        <p:spPr/>
+      </p:sp>
+      <p:sp>
+        <p:nvSpPr>
+          <p:cNvPr id="3" name="备注占位符 2"/>
+          <p:cNvSpPr>
+            <a:spLocks noGrp="1"/>
+          </p:cNvSpPr>
+          <p:nvPr>
+            <p:ph type="body" idx="1"/>
+          </p:nvPr>
+        </p:nvSpPr>
+        <p:spPr/>
+        <p:txBody>
+          <a:bodyPr/>
+          <a:lstStyle/>
+          <a:p>
+            <a:r>
+              <a:rPr lang="en-US" altLang="zh-CN" dirty="0"/>
+              <a:t>The first column of Table II lists these programs</a:t>
+            </a:r>
+            <a:r>
+              <a:rPr lang="zh-CN" altLang="en-US" dirty="0"/>
+              <a:t>， </a:t>
+            </a:r>
+            <a:r>
+              <a:rPr lang="en-US" altLang="zh-CN" dirty="0"/>
+              <a:t>along with their version, size, and number of regression tests  </a:t>
+            </a:r>
+            <a:r>
+              <a:rPr lang="zh-CN" altLang="en-US" dirty="0"/>
+              <a:t>第一列是程序相关的东西</a:t>
+            </a:r>
+            <a:endParaRPr lang="en-US" altLang="zh-CN" dirty="0"/>
+          </a:p>
+          <a:p>
+            <a:r>
+              <a:rPr lang="en-US" altLang="zh-CN" dirty="0"/>
+              <a:t>Has five methods that serve as a Visitor seed  </a:t>
+            </a:r>
+            <a:r>
+              <a:rPr lang="zh-CN" altLang="en-US" dirty="0"/>
+              <a:t>每一个程序都有五个</a:t>
+            </a:r>
+            <a:r>
+              <a:rPr lang="en-US" altLang="zh-CN" dirty="0"/>
+              <a:t>Visitor seed </a:t>
+            </a:r>
+          </a:p>
+          <a:p>
+            <a:r>
+              <a:rPr lang="zh-CN" altLang="en-US" b="0" i="0" dirty="0">
+                <a:solidFill>
+                  <a:srgbClr val="4D4D4D"/>
+                </a:solidFill>
+                <a:effectLst/>
+                <a:latin typeface="宋体" panose="02010600030101010101" pitchFamily="2" charset="-122"/>
+                <a:ea typeface="宋体" panose="02010600030101010101" pitchFamily="2" charset="-122"/>
+              </a:rPr>
+              <a:t> </a:t>
+            </a:r>
+            <a:r>
+              <a:rPr lang="en-US" altLang="zh-CN" b="0" i="0" dirty="0" err="1">
+                <a:solidFill>
+                  <a:srgbClr val="4D4D4D"/>
+                </a:solidFill>
+                <a:effectLst/>
+                <a:latin typeface="宋体" panose="02010600030101010101" pitchFamily="2" charset="-122"/>
+                <a:ea typeface="宋体" panose="02010600030101010101" pitchFamily="2" charset="-122"/>
+              </a:rPr>
+              <a:t>Vistior</a:t>
+            </a:r>
+            <a:r>
+              <a:rPr lang="en-US" altLang="zh-CN" b="0" i="0" dirty="0">
+                <a:solidFill>
+                  <a:srgbClr val="4D4D4D"/>
+                </a:solidFill>
+                <a:effectLst/>
+                <a:latin typeface="宋体" panose="02010600030101010101" pitchFamily="2" charset="-122"/>
+                <a:ea typeface="宋体" panose="02010600030101010101" pitchFamily="2" charset="-122"/>
+              </a:rPr>
+              <a:t> </a:t>
+            </a:r>
+            <a:r>
+              <a:rPr lang="zh-CN" altLang="en-US" b="0" i="0" dirty="0">
+                <a:solidFill>
+                  <a:srgbClr val="4D4D4D"/>
+                </a:solidFill>
+                <a:effectLst/>
+                <a:latin typeface="宋体" panose="02010600030101010101" pitchFamily="2" charset="-122"/>
+                <a:ea typeface="宋体" panose="02010600030101010101" pitchFamily="2" charset="-122"/>
+              </a:rPr>
+              <a:t>访问者模式：表示一个作用于某对象结构的各元素的操作，它使你可以在不改变各元素的类的前提下定义作用于这些元素的新操作。</a:t>
+            </a:r>
+            <a:endParaRPr lang="en-US" altLang="zh-CN" b="0" i="0" dirty="0">
+              <a:solidFill>
+                <a:srgbClr val="4D4D4D"/>
+              </a:solidFill>
+              <a:effectLst/>
+              <a:latin typeface="宋体" panose="02010600030101010101" pitchFamily="2" charset="-122"/>
+              <a:ea typeface="宋体" panose="02010600030101010101" pitchFamily="2" charset="-122"/>
+            </a:endParaRPr>
+          </a:p>
+          <a:p>
+            <a:r>
+              <a:rPr lang="zh-CN" altLang="en-US" b="0" i="0" dirty="0">
+                <a:solidFill>
+                  <a:srgbClr val="4D4D4D"/>
+                </a:solidFill>
+                <a:effectLst/>
+                <a:latin typeface="宋体" panose="02010600030101010101" pitchFamily="2" charset="-122"/>
+                <a:ea typeface="宋体" panose="02010600030101010101" pitchFamily="2" charset="-122"/>
+              </a:rPr>
+              <a:t>时间分为先决代码检查和重构时间</a:t>
+            </a:r>
+            <a:endParaRPr lang="zh-CN" altLang="en-US" dirty="0"/>
+          </a:p>
+        </p:txBody>
+      </p:sp>
+      <p:sp>
+        <p:nvSpPr>
+          <p:cNvPr id="4" name="灯片编号占位符 3"/>
+          <p:cNvSpPr>
+            <a:spLocks noGrp="1"/>
+          </p:cNvSpPr>
+          <p:nvPr>
+            <p:ph type="sldNum" sz="quarter" idx="5"/>
+          </p:nvPr>
+        </p:nvSpPr>
+        <p:spPr/>
+        <p:txBody>
+          <a:bodyPr/>
+          <a:lstStyle/>
+          <a:p>
+            <a:fld id="{01E24E46-1166-4BD3-A1D5-382F26E06F8E}" type="slidenum">
+              <a:rPr lang="zh-CN" altLang="en-US" smtClean="0"/>
+              <a:t>13</a:t>
+            </a:fld>
+            <a:endParaRPr lang="zh-CN" altLang="en-US"/>
+          </a:p>
+        </p:txBody>
+      </p:sp>
+    </p:spTree>
+    <p:extLst>
+      <p:ext uri="{BB962C8B-B14F-4D97-AF65-F5344CB8AC3E}">
+        <p14:creationId xmlns:p14="http://schemas.microsoft.com/office/powerpoint/2010/main" val="2297688458"/>
       </p:ext>
     </p:extLst>
   </p:cSld>
@@ -708,7 +1966,7 @@
           <a:p>
             <a:fld id="{FA6D1071-7DCE-4388-952A-BF457E7F2F6B}" type="datetimeFigureOut">
               <a:rPr lang="zh-CN" altLang="en-US" smtClean="0"/>
-              <a:t>2021/12/6</a:t>
+              <a:t>2021/12/7</a:t>
             </a:fld>
             <a:endParaRPr lang="zh-CN" altLang="en-US"/>
           </a:p>
@@ -906,7 +2164,7 @@
           <a:p>
             <a:fld id="{FA6D1071-7DCE-4388-952A-BF457E7F2F6B}" type="datetimeFigureOut">
               <a:rPr lang="zh-CN" altLang="en-US" smtClean="0"/>
-              <a:t>2021/12/6</a:t>
+              <a:t>2021/12/7</a:t>
             </a:fld>
             <a:endParaRPr lang="zh-CN" altLang="en-US"/>
           </a:p>
@@ -1114,7 +2372,7 @@
           <a:p>
             <a:fld id="{FA6D1071-7DCE-4388-952A-BF457E7F2F6B}" type="datetimeFigureOut">
               <a:rPr lang="zh-CN" altLang="en-US" smtClean="0"/>
-              <a:t>2021/12/6</a:t>
+              <a:t>2021/12/7</a:t>
             </a:fld>
             <a:endParaRPr lang="zh-CN" altLang="en-US"/>
           </a:p>
@@ -3573,7 +4831,7 @@
           <a:p>
             <a:fld id="{FA6D1071-7DCE-4388-952A-BF457E7F2F6B}" type="datetimeFigureOut">
               <a:rPr lang="zh-CN" altLang="en-US" smtClean="0"/>
-              <a:t>2021/12/6</a:t>
+              <a:t>2021/12/7</a:t>
             </a:fld>
             <a:endParaRPr lang="zh-CN" altLang="en-US"/>
           </a:p>
@@ -3959,7 +5217,7 @@
             <a:fld id="{3A4F78E9-EC03-4518-A558-ED2683D81CEA}" type="datetimeFigureOut">
               <a:rPr lang="zh-CN" altLang="en-US" smtClean="0"/>
               <a:pPr/>
-              <a:t>2021/12/6</a:t>
+              <a:t>2021/12/7</a:t>
             </a:fld>
             <a:endParaRPr lang="zh-CN" altLang="en-US"/>
           </a:p>
@@ -4236,7 +5494,7 @@
           <a:p>
             <a:fld id="{FA6D1071-7DCE-4388-952A-BF457E7F2F6B}" type="datetimeFigureOut">
               <a:rPr lang="zh-CN" altLang="en-US" smtClean="0"/>
-              <a:t>2021/12/6</a:t>
+              <a:t>2021/12/7</a:t>
             </a:fld>
             <a:endParaRPr lang="zh-CN" altLang="en-US"/>
           </a:p>
@@ -4501,7 +5759,7 @@
           <a:p>
             <a:fld id="{FA6D1071-7DCE-4388-952A-BF457E7F2F6B}" type="datetimeFigureOut">
               <a:rPr lang="zh-CN" altLang="en-US" smtClean="0"/>
-              <a:t>2021/12/6</a:t>
+              <a:t>2021/12/7</a:t>
             </a:fld>
             <a:endParaRPr lang="zh-CN" altLang="en-US"/>
           </a:p>
@@ -4913,7 +6171,7 @@
           <a:p>
             <a:fld id="{FA6D1071-7DCE-4388-952A-BF457E7F2F6B}" type="datetimeFigureOut">
               <a:rPr lang="zh-CN" altLang="en-US" smtClean="0"/>
-              <a:t>2021/12/6</a:t>
+              <a:t>2021/12/7</a:t>
             </a:fld>
             <a:endParaRPr lang="zh-CN" altLang="en-US"/>
           </a:p>
@@ -5054,7 +6312,7 @@
           <a:p>
             <a:fld id="{FA6D1071-7DCE-4388-952A-BF457E7F2F6B}" type="datetimeFigureOut">
               <a:rPr lang="zh-CN" altLang="en-US" smtClean="0"/>
-              <a:t>2021/12/6</a:t>
+              <a:t>2021/12/7</a:t>
             </a:fld>
             <a:endParaRPr lang="zh-CN" altLang="en-US"/>
           </a:p>
@@ -5167,7 +6425,7 @@
           <a:p>
             <a:fld id="{FA6D1071-7DCE-4388-952A-BF457E7F2F6B}" type="datetimeFigureOut">
               <a:rPr lang="zh-CN" altLang="en-US" smtClean="0"/>
-              <a:t>2021/12/6</a:t>
+              <a:t>2021/12/7</a:t>
             </a:fld>
             <a:endParaRPr lang="zh-CN" altLang="en-US"/>
           </a:p>
@@ -5478,7 +6736,7 @@
           <a:p>
             <a:fld id="{FA6D1071-7DCE-4388-952A-BF457E7F2F6B}" type="datetimeFigureOut">
               <a:rPr lang="zh-CN" altLang="en-US" smtClean="0"/>
-              <a:t>2021/12/6</a:t>
+              <a:t>2021/12/7</a:t>
             </a:fld>
             <a:endParaRPr lang="zh-CN" altLang="en-US"/>
           </a:p>
@@ -5766,7 +7024,7 @@
           <a:p>
             <a:fld id="{FA6D1071-7DCE-4388-952A-BF457E7F2F6B}" type="datetimeFigureOut">
               <a:rPr lang="zh-CN" altLang="en-US" smtClean="0"/>
-              <a:t>2021/12/6</a:t>
+              <a:t>2021/12/7</a:t>
             </a:fld>
             <a:endParaRPr lang="zh-CN" altLang="en-US"/>
           </a:p>
@@ -6007,7 +7265,7 @@
           <a:p>
             <a:fld id="{FA6D1071-7DCE-4388-952A-BF457E7F2F6B}" type="datetimeFigureOut">
               <a:rPr lang="zh-CN" altLang="en-US" smtClean="0"/>
-              <a:t>2021/12/6</a:t>
+              <a:t>2021/12/7</a:t>
             </a:fld>
             <a:endParaRPr lang="zh-CN" altLang="en-US"/>
           </a:p>
@@ -6498,7 +7756,7 @@
           </a:ln>
           <a:extLst>
             <a:ext uri="{C572A759-6A51-4108-AA02-DFA0A04FC94B}">
-              <ma14:wrappingTextBoxFlag xmlns:ma14="http://schemas.microsoft.com/office/mac/drawingml/2011/main" xmlns="" val="1"/>
+              <ma14:wrappingTextBoxFlag xmlns="" xmlns:ma14="http://schemas.microsoft.com/office/mac/drawingml/2011/main" val="1"/>
             </a:ext>
           </a:extLst>
         </p:spPr>
@@ -6537,7 +7795,7 @@
           </a:ln>
           <a:extLst>
             <a:ext uri="{C572A759-6A51-4108-AA02-DFA0A04FC94B}">
-              <ma14:wrappingTextBoxFlag xmlns:ma14="http://schemas.microsoft.com/office/mac/drawingml/2011/main" xmlns="" val="1"/>
+              <ma14:wrappingTextBoxFlag xmlns="" xmlns:ma14="http://schemas.microsoft.com/office/mac/drawingml/2011/main" val="1"/>
             </a:ext>
           </a:extLst>
         </p:spPr>
@@ -7669,7 +8927,7 @@
                 <a:latin typeface="微软雅黑" panose="020B0503020204020204" pitchFamily="34" charset="-122"/>
                 <a:ea typeface="微软雅黑" panose="020B0503020204020204" pitchFamily="34" charset="-122"/>
               </a:rPr>
-              <a:t>16</a:t>
+              <a:t>14</a:t>
             </a:r>
             <a:r>
               <a:rPr lang="zh-CN" altLang="en-US" dirty="0">
@@ -8120,7 +9378,7 @@
                 <a:ea typeface="等线" panose="02010600030101010101" pitchFamily="2" charset="-122"/>
                 <a:sym typeface="Baskerville"/>
               </a:rPr>
-              <a:t>R3 : IMPLEMENTATION</a:t>
+              <a:t>R3 : Preconditions</a:t>
             </a:r>
           </a:p>
           <a:p>
@@ -8145,42 +9403,12 @@
           </a:p>
         </p:txBody>
       </p:sp>
-      <p:pic>
-        <p:nvPicPr>
-          <p:cNvPr id="3" name="图片 2">
+      <p:sp>
+        <p:nvSpPr>
+          <p:cNvPr id="8" name="文本框 7">
             <a:extLst>
               <a:ext uri="{FF2B5EF4-FFF2-40B4-BE49-F238E27FC236}">
-                <a16:creationId xmlns:a16="http://schemas.microsoft.com/office/drawing/2014/main" id="{14BA6E3E-681C-4D98-8553-09B1383F037F}"/>
-              </a:ext>
-            </a:extLst>
-          </p:cNvPr>
-          <p:cNvPicPr>
-            <a:picLocks noChangeAspect="1"/>
-          </p:cNvPicPr>
-          <p:nvPr/>
-        </p:nvPicPr>
-        <p:blipFill>
-          <a:blip r:embed="rId2"/>
-          <a:stretch>
-            <a:fillRect/>
-          </a:stretch>
-        </p:blipFill>
-        <p:spPr>
-          <a:xfrm>
-            <a:off x="2681287" y="1862137"/>
-            <a:ext cx="6829425" cy="3133725"/>
-          </a:xfrm>
-          <a:prstGeom prst="rect">
-            <a:avLst/>
-          </a:prstGeom>
-        </p:spPr>
-      </p:pic>
-      <p:sp>
-        <p:nvSpPr>
-          <p:cNvPr id="10" name="文本框 9">
-            <a:extLst>
-              <a:ext uri="{FF2B5EF4-FFF2-40B4-BE49-F238E27FC236}">
-                <a16:creationId xmlns:a16="http://schemas.microsoft.com/office/drawing/2014/main" id="{884A4BC3-AEC8-440A-8D07-EC9019788E6B}"/>
+                <a16:creationId xmlns:a16="http://schemas.microsoft.com/office/drawing/2014/main" id="{34585A87-B76D-4264-9D65-CBB2E7DF1CC7}"/>
               </a:ext>
             </a:extLst>
           </p:cNvPr>
@@ -8189,8 +9417,8 @@
         </p:nvSpPr>
         <p:spPr>
           <a:xfrm>
-            <a:off x="1457704" y="5227239"/>
-            <a:ext cx="9835136" cy="923330"/>
+            <a:off x="749808" y="1621828"/>
+            <a:ext cx="10111333" cy="1477328"/>
           </a:xfrm>
           <a:prstGeom prst="rect">
             <a:avLst/>
@@ -8222,16 +9450,83 @@
           <a:lstStyle/>
           <a:p>
             <a:r>
+              <a:rPr lang="en-US" altLang="zh-CN" dirty="0">
+                <a:solidFill>
+                  <a:schemeClr val="bg1"/>
+                </a:solidFill>
+                <a:latin typeface="Arial Rounded MT Bold" panose="020F0704030504030204" pitchFamily="34" charset="0"/>
+              </a:rPr>
+              <a:t>M</a:t>
+            </a:r>
+            <a:r>
               <a:rPr lang="zh-CN" altLang="en-US" dirty="0">
                 <a:solidFill>
                   <a:schemeClr val="bg1"/>
                 </a:solidFill>
                 <a:latin typeface="Arial Rounded MT Bold" panose="020F0704030504030204" pitchFamily="34" charset="0"/>
               </a:rPr>
-              <a:t>Figure 15 shows the R3 pipeline:</a:t>
-            </a:r>
-          </a:p>
-          <a:p>
+              <a:t>any (not all) checks </a:t>
+            </a:r>
+            <a:r>
+              <a:rPr lang="zh-CN" altLang="en-US" dirty="0">
+                <a:solidFill>
+                  <a:srgbClr val="00B0F0"/>
+                </a:solidFill>
+                <a:latin typeface="Arial Rounded MT Bold" panose="020F0704030504030204" pitchFamily="34" charset="0"/>
+              </a:rPr>
+              <a:t>can be determined at database build time</a:t>
+            </a:r>
+            <a:r>
+              <a:rPr lang="zh-CN" altLang="en-US" dirty="0">
+                <a:solidFill>
+                  <a:schemeClr val="bg1"/>
+                </a:solidFill>
+                <a:latin typeface="Arial Rounded MT Bold" panose="020F0704030504030204" pitchFamily="34" charset="0"/>
+              </a:rPr>
+              <a:t>: </a:t>
+            </a:r>
+            <a:endParaRPr lang="en-US" altLang="zh-CN" dirty="0">
+              <a:solidFill>
+                <a:schemeClr val="bg1"/>
+              </a:solidFill>
+              <a:latin typeface="Arial Rounded MT Bold" panose="020F0704030504030204" pitchFamily="34" charset="0"/>
+            </a:endParaRPr>
+          </a:p>
+          <a:p>
+            <a:r>
+              <a:rPr lang="zh-CN" altLang="en-US" dirty="0">
+                <a:solidFill>
+                  <a:schemeClr val="bg1"/>
+                </a:solidFill>
+                <a:latin typeface="Arial Rounded MT Bold" panose="020F0704030504030204" pitchFamily="34" charset="0"/>
+              </a:rPr>
+              <a:t>they are simple properties of an AST.</a:t>
+            </a:r>
+            <a:endParaRPr lang="en-US" altLang="zh-CN" dirty="0">
+              <a:solidFill>
+                <a:schemeClr val="bg1"/>
+              </a:solidFill>
+              <a:latin typeface="Arial Rounded MT Bold" panose="020F0704030504030204" pitchFamily="34" charset="0"/>
+            </a:endParaRPr>
+          </a:p>
+          <a:p>
+            <a:endParaRPr lang="en-US" altLang="zh-CN" dirty="0">
+              <a:solidFill>
+                <a:schemeClr val="bg1"/>
+              </a:solidFill>
+              <a:latin typeface="Arial Rounded MT Bold" panose="020F0704030504030204" pitchFamily="34" charset="0"/>
+            </a:endParaRPr>
+          </a:p>
+          <a:p>
+            <a:r>
+              <a:rPr lang="zh-CN" altLang="en-US" dirty="0">
+                <a:solidFill>
+                  <a:schemeClr val="bg1"/>
+                </a:solidFill>
+                <a:latin typeface="Arial Rounded MT Bold" panose="020F0704030504030204" pitchFamily="34" charset="0"/>
+              </a:rPr>
+              <a:t>For them, we add a boolean attribute to R3 tables to indicate whether a tuple’s AST satisfies that check</a:t>
+            </a:r>
             <a:r>
               <a:rPr lang="en-US" altLang="zh-CN" dirty="0">
                 <a:solidFill>
@@ -8239,7 +9534,90 @@
                 </a:solidFill>
                 <a:latin typeface="Arial Rounded MT Bold" panose="020F0704030504030204" pitchFamily="34" charset="0"/>
               </a:rPr>
-              <a:t>I</a:t>
+              <a:t>.</a:t>
+            </a:r>
+            <a:endParaRPr lang="zh-CN" altLang="en-US" dirty="0">
+              <a:solidFill>
+                <a:schemeClr val="bg1"/>
+              </a:solidFill>
+              <a:latin typeface="Arial Rounded MT Bold" panose="020F0704030504030204" pitchFamily="34" charset="0"/>
+            </a:endParaRPr>
+          </a:p>
+        </p:txBody>
+      </p:sp>
+      <p:sp>
+        <p:nvSpPr>
+          <p:cNvPr id="10" name="文本框 9">
+            <a:extLst>
+              <a:ext uri="{FF2B5EF4-FFF2-40B4-BE49-F238E27FC236}">
+                <a16:creationId xmlns:a16="http://schemas.microsoft.com/office/drawing/2014/main" id="{B7B4EEF8-83FF-4777-8320-974A9E90B219}"/>
+              </a:ext>
+            </a:extLst>
+          </p:cNvPr>
+          <p:cNvSpPr txBox="1"/>
+          <p:nvPr/>
+        </p:nvSpPr>
+        <p:spPr>
+          <a:xfrm>
+            <a:off x="749808" y="4189952"/>
+            <a:ext cx="9729216" cy="1477328"/>
+          </a:xfrm>
+          <a:prstGeom prst="rect">
+            <a:avLst/>
+          </a:prstGeom>
+          <a:noFill/>
+          <a:ln w="12700" cap="flat">
+            <a:noFill/>
+            <a:miter lim="400000"/>
+          </a:ln>
+          <a:effectLst/>
+          <a:sp3d/>
+        </p:spPr>
+        <p:style>
+          <a:lnRef idx="0">
+            <a:scrgbClr r="0" g="0" b="0"/>
+          </a:lnRef>
+          <a:fillRef idx="0">
+            <a:scrgbClr r="0" g="0" b="0"/>
+          </a:fillRef>
+          <a:effectRef idx="0">
+            <a:scrgbClr r="0" g="0" b="0"/>
+          </a:effectRef>
+          <a:fontRef idx="none"/>
+        </p:style>
+        <p:txBody>
+          <a:bodyPr wrap="square">
+            <a:spAutoFit/>
+          </a:bodyPr>
+          <a:lstStyle/>
+          <a:p>
+            <a:r>
+              <a:rPr lang="en-US" altLang="zh-CN" dirty="0">
+                <a:solidFill>
+                  <a:schemeClr val="bg1"/>
+                </a:solidFill>
+                <a:latin typeface="Arial Rounded MT Bold" panose="020F0704030504030204" pitchFamily="34" charset="0"/>
+              </a:rPr>
+              <a:t>The R3 database is created by AST traversal and semantic analysis:</a:t>
+            </a:r>
+          </a:p>
+          <a:p>
+            <a:endParaRPr lang="en-US" altLang="zh-CN" dirty="0">
+              <a:solidFill>
+                <a:schemeClr val="bg1"/>
+              </a:solidFill>
+              <a:latin typeface="Arial Rounded MT Bold" panose="020F0704030504030204" pitchFamily="34" charset="0"/>
+            </a:endParaRPr>
+          </a:p>
+          <a:p>
+            <a:r>
+              <a:rPr lang="en-US" altLang="zh-CN" dirty="0">
+                <a:solidFill>
+                  <a:schemeClr val="bg1"/>
+                </a:solidFill>
+                <a:latin typeface="Arial Rounded MT Bold" panose="020F0704030504030204" pitchFamily="34" charset="0"/>
+              </a:rPr>
+              <a:t>1</a:t>
             </a:r>
             <a:r>
               <a:rPr lang="zh-CN" altLang="en-US" dirty="0">
@@ -8248,15 +9626,85 @@
                 </a:solidFill>
                 <a:latin typeface="Arial Rounded MT Bold" panose="020F0704030504030204" pitchFamily="34" charset="0"/>
               </a:rPr>
-              <a:t>t is a series of stages (A)-(G) that map a target Java program (JDT project) on the left to a refactored program on the right</a:t>
-            </a:r>
+              <a:t>、</a:t>
+            </a:r>
+            <a:r>
+              <a:rPr lang="en-US" altLang="zh-CN" dirty="0">
+                <a:solidFill>
+                  <a:schemeClr val="bg1"/>
+                </a:solidFill>
+                <a:latin typeface="Arial Rounded MT Bold" panose="020F0704030504030204" pitchFamily="34" charset="0"/>
+              </a:rPr>
+              <a:t>populates the R3 database with tuples.</a:t>
+            </a:r>
+          </a:p>
+          <a:p>
+            <a:endParaRPr lang="en-US" altLang="zh-CN" dirty="0">
+              <a:solidFill>
+                <a:schemeClr val="bg1"/>
+              </a:solidFill>
+              <a:latin typeface="Arial Rounded MT Bold" panose="020F0704030504030204" pitchFamily="34" charset="0"/>
+            </a:endParaRPr>
+          </a:p>
+          <a:p>
+            <a:r>
+              <a:rPr lang="en-US" altLang="zh-CN" dirty="0">
+                <a:solidFill>
+                  <a:schemeClr val="bg1"/>
+                </a:solidFill>
+                <a:latin typeface="Arial Rounded MT Bold" panose="020F0704030504030204" pitchFamily="34" charset="0"/>
+              </a:rPr>
+              <a:t>2</a:t>
+            </a:r>
+            <a:r>
+              <a:rPr lang="zh-CN" altLang="en-US" dirty="0">
+                <a:solidFill>
+                  <a:schemeClr val="bg1"/>
+                </a:solidFill>
+                <a:latin typeface="Arial Rounded MT Bold" panose="020F0704030504030204" pitchFamily="34" charset="0"/>
+              </a:rPr>
+              <a:t>、</a:t>
+            </a:r>
+            <a:r>
+              <a:rPr lang="en-US" altLang="zh-CN" dirty="0">
+                <a:solidFill>
+                  <a:schemeClr val="bg1"/>
+                </a:solidFill>
+                <a:latin typeface="Arial Rounded MT Bold" panose="020F0704030504030204" pitchFamily="34" charset="0"/>
+              </a:rPr>
+              <a:t>assigns </a:t>
+            </a:r>
+            <a:r>
+              <a:rPr lang="en-US" altLang="zh-CN" dirty="0" err="1">
+                <a:solidFill>
+                  <a:schemeClr val="bg1"/>
+                </a:solidFill>
+                <a:latin typeface="Arial Rounded MT Bold" panose="020F0704030504030204" pitchFamily="34" charset="0"/>
+              </a:rPr>
+              <a:t>boolean</a:t>
+            </a:r>
+            <a:r>
+              <a:rPr lang="en-US" altLang="zh-CN" dirty="0">
+                <a:solidFill>
+                  <a:schemeClr val="bg1"/>
+                </a:solidFill>
+                <a:latin typeface="Arial Rounded MT Bold" panose="020F0704030504030204" pitchFamily="34" charset="0"/>
+              </a:rPr>
+              <a:t> values to these checks. </a:t>
+            </a:r>
+            <a:endParaRPr lang="zh-CN" altLang="en-US" dirty="0">
+              <a:solidFill>
+                <a:schemeClr val="bg1"/>
+              </a:solidFill>
+              <a:latin typeface="Arial Rounded MT Bold" panose="020F0704030504030204" pitchFamily="34" charset="0"/>
+            </a:endParaRPr>
           </a:p>
         </p:txBody>
       </p:sp>
     </p:spTree>
     <p:extLst>
       <p:ext uri="{BB962C8B-B14F-4D97-AF65-F5344CB8AC3E}">
-        <p14:creationId xmlns:p14="http://schemas.microsoft.com/office/powerpoint/2010/main" val="3515548393"/>
+        <p14:creationId xmlns:p14="http://schemas.microsoft.com/office/powerpoint/2010/main" val="2257114823"/>
       </p:ext>
     </p:extLst>
   </p:cSld>
@@ -8628,29 +10076,8 @@
                 <a:ea typeface="等线" panose="02010600030101010101" pitchFamily="2" charset="-122"/>
                 <a:sym typeface="Baskerville"/>
               </a:rPr>
-              <a:t>R3 : IMPLEMENTATION</a:t>
-            </a:r>
-          </a:p>
-          <a:p>
-            <a:pPr marL="0" indent="0" defTabSz="410751">
-              <a:spcBef>
-                <a:spcPts val="1969"/>
-              </a:spcBef>
-              <a:buClr>
-                <a:srgbClr val="34A5DA">
-                  <a:satOff val="-4060"/>
-                </a:srgbClr>
-              </a:buClr>
-              <a:buNone/>
-            </a:pPr>
-            <a:endParaRPr lang="en-US" altLang="zh-CN" sz="1800" b="1" kern="0" cap="all" dirty="0">
-              <a:solidFill>
-                <a:srgbClr val="34A5DA"/>
-              </a:solidFill>
-              <a:latin typeface="等线" panose="02010600030101010101" pitchFamily="2" charset="-122"/>
-              <a:ea typeface="等线" panose="02010600030101010101" pitchFamily="2" charset="-122"/>
-              <a:sym typeface="Baskerville"/>
-            </a:endParaRPr>
+              <a:t>R3 : Preconditions</a:t>
+            </a:r>
           </a:p>
           <a:p>
             <a:pPr marL="0" indent="0" defTabSz="410751">
@@ -8674,42 +10101,12 @@
           </a:p>
         </p:txBody>
       </p:sp>
-      <p:pic>
-        <p:nvPicPr>
-          <p:cNvPr id="3" name="图片 2">
+      <p:sp>
+        <p:nvSpPr>
+          <p:cNvPr id="7" name="文本框 6">
             <a:extLst>
               <a:ext uri="{FF2B5EF4-FFF2-40B4-BE49-F238E27FC236}">
-                <a16:creationId xmlns:a16="http://schemas.microsoft.com/office/drawing/2014/main" id="{5B2D1B60-B824-4EAC-AE9B-0B423B20FD33}"/>
-              </a:ext>
-            </a:extLst>
-          </p:cNvPr>
-          <p:cNvPicPr>
-            <a:picLocks noChangeAspect="1"/>
-          </p:cNvPicPr>
-          <p:nvPr/>
-        </p:nvPicPr>
-        <p:blipFill>
-          <a:blip r:embed="rId2"/>
-          <a:stretch>
-            <a:fillRect/>
-          </a:stretch>
-        </p:blipFill>
-        <p:spPr>
-          <a:xfrm>
-            <a:off x="3219739" y="1157478"/>
-            <a:ext cx="5368192" cy="2801874"/>
-          </a:xfrm>
-          <a:prstGeom prst="rect">
-            <a:avLst/>
-          </a:prstGeom>
-        </p:spPr>
-      </p:pic>
-      <p:sp>
-        <p:nvSpPr>
-          <p:cNvPr id="10" name="文本框 9">
-            <a:extLst>
-              <a:ext uri="{FF2B5EF4-FFF2-40B4-BE49-F238E27FC236}">
-                <a16:creationId xmlns:a16="http://schemas.microsoft.com/office/drawing/2014/main" id="{B49547D6-4783-47D6-8ECD-8A7439652DF7}"/>
+                <a16:creationId xmlns:a16="http://schemas.microsoft.com/office/drawing/2014/main" id="{F7AA6C85-AB4C-4D13-8F52-833A2125C803}"/>
               </a:ext>
             </a:extLst>
           </p:cNvPr>
@@ -8718,8 +10115,8 @@
         </p:nvSpPr>
         <p:spPr>
           <a:xfrm>
-            <a:off x="950976" y="5377356"/>
-            <a:ext cx="11494008" cy="646331"/>
+            <a:off x="159690" y="1341391"/>
+            <a:ext cx="10176078" cy="646331"/>
           </a:xfrm>
           <a:prstGeom prst="rect">
             <a:avLst/>
@@ -8750,14 +10147,28 @@
           </a:bodyPr>
           <a:lstStyle/>
           <a:p>
-            <a:r>
-              <a:rPr lang="en-US" altLang="zh-CN" dirty="0">
+            <a:pPr marL="342900" indent="-342900">
+              <a:buAutoNum type="arabicParenR"/>
+            </a:pPr>
+            <a:r>
+              <a:rPr lang="zh-CN" altLang="en-US" dirty="0">
                 <a:solidFill>
                   <a:schemeClr val="bg1"/>
                 </a:solidFill>
                 <a:latin typeface="Arial Rounded MT Bold" panose="020F0704030504030204" pitchFamily="34" charset="0"/>
               </a:rPr>
-              <a:t>R3</a:t>
+              <a:t>Boolean Checks Made by a </a:t>
+            </a:r>
+            <a:r>
+              <a:rPr lang="zh-CN" altLang="en-US" b="1" kern="0" cap="all" dirty="0">
+                <a:solidFill>
+                  <a:srgbClr val="34A5DA"/>
+                </a:solidFill>
+                <a:latin typeface="等线" panose="02010600030101010101" pitchFamily="2" charset="-122"/>
+                <a:ea typeface="等线" panose="02010600030101010101" pitchFamily="2" charset="-122"/>
+                <a:sym typeface="Avenir Next Medium"/>
+              </a:rPr>
+              <a:t>Single Tuple Lookup</a:t>
             </a:r>
             <a:r>
               <a:rPr lang="zh-CN" altLang="en-US" dirty="0">
@@ -8766,25 +10177,7 @@
                 </a:solidFill>
                 <a:latin typeface="Arial Rounded MT Bold" panose="020F0704030504030204" pitchFamily="34" charset="0"/>
               </a:rPr>
-              <a:t> introduced an R</a:t>
-            </a:r>
-            <a:r>
-              <a:rPr lang="en-US" altLang="zh-CN" dirty="0">
-                <a:solidFill>
-                  <a:schemeClr val="bg1"/>
-                </a:solidFill>
-                <a:latin typeface="Arial Rounded MT Bold" panose="020F0704030504030204" pitchFamily="34" charset="0"/>
-              </a:rPr>
-              <a:t>b</a:t>
-            </a:r>
-            <a:r>
-              <a:rPr lang="zh-CN" altLang="en-US" dirty="0">
-                <a:solidFill>
-                  <a:schemeClr val="bg1"/>
-                </a:solidFill>
-                <a:latin typeface="Arial Rounded MT Bold" panose="020F0704030504030204" pitchFamily="34" charset="0"/>
-              </a:rPr>
-              <a:t>inding table where declaration bindings are represented once (Figure 16c) </a:t>
+              <a:t>:</a:t>
             </a:r>
             <a:endParaRPr lang="en-US" altLang="zh-CN" dirty="0">
               <a:solidFill>
@@ -8801,15 +10194,304 @@
                 </a:solidFill>
                 <a:latin typeface="Arial Rounded MT Bold" panose="020F0704030504030204" pitchFamily="34" charset="0"/>
               </a:rPr>
-              <a:t>and with one update, all references can be rebound (Figure 16d).</a:t>
-            </a:r>
+              <a:t>In R3,15 preconditions are AST-harvestable at database build time as boolean values.</a:t>
+            </a:r>
+          </a:p>
+        </p:txBody>
+      </p:sp>
+      <p:sp>
+        <p:nvSpPr>
+          <p:cNvPr id="9" name="文本框 8">
+            <a:extLst>
+              <a:ext uri="{FF2B5EF4-FFF2-40B4-BE49-F238E27FC236}">
+                <a16:creationId xmlns:a16="http://schemas.microsoft.com/office/drawing/2014/main" id="{CD669FA1-6CD3-4904-85BD-490F6D1F86E9}"/>
+              </a:ext>
+            </a:extLst>
+          </p:cNvPr>
+          <p:cNvSpPr txBox="1"/>
+          <p:nvPr/>
+        </p:nvSpPr>
+        <p:spPr>
+          <a:xfrm>
+            <a:off x="159690" y="3884182"/>
+            <a:ext cx="12032310" cy="646331"/>
+          </a:xfrm>
+          <a:prstGeom prst="rect">
+            <a:avLst/>
+          </a:prstGeom>
+          <a:noFill/>
+          <a:ln w="12700" cap="flat">
+            <a:noFill/>
+            <a:miter lim="400000"/>
+          </a:ln>
+          <a:effectLst/>
+          <a:sp3d/>
+        </p:spPr>
+        <p:style>
+          <a:lnRef idx="0">
+            <a:scrgbClr r="0" g="0" b="0"/>
+          </a:lnRef>
+          <a:fillRef idx="0">
+            <a:scrgbClr r="0" g="0" b="0"/>
+          </a:fillRef>
+          <a:effectRef idx="0">
+            <a:scrgbClr r="0" g="0" b="0"/>
+          </a:effectRef>
+          <a:fontRef idx="none"/>
+        </p:style>
+        <p:txBody>
+          <a:bodyPr wrap="square">
+            <a:spAutoFit/>
+          </a:bodyPr>
+          <a:lstStyle/>
+          <a:p>
+            <a:r>
+              <a:rPr lang="zh-CN" altLang="en-US" dirty="0">
+                <a:solidFill>
+                  <a:schemeClr val="bg1"/>
+                </a:solidFill>
+                <a:latin typeface="Arial Rounded MT Bold" panose="020F0704030504030204" pitchFamily="34" charset="0"/>
+              </a:rPr>
+              <a:t>2) Checks that Require </a:t>
+            </a:r>
+            <a:r>
+              <a:rPr lang="zh-CN" altLang="en-US" b="1" kern="0" cap="all" dirty="0">
+                <a:solidFill>
+                  <a:srgbClr val="34A5DA"/>
+                </a:solidFill>
+                <a:latin typeface="等线" panose="02010600030101010101" pitchFamily="2" charset="-122"/>
+                <a:ea typeface="等线" panose="02010600030101010101" pitchFamily="2" charset="-122"/>
+              </a:rPr>
+              <a:t>Database Search</a:t>
+            </a:r>
+            <a:r>
+              <a:rPr lang="zh-CN" altLang="en-US" dirty="0">
+                <a:solidFill>
+                  <a:schemeClr val="bg1"/>
+                </a:solidFill>
+                <a:latin typeface="Arial Rounded MT Bold" panose="020F0704030504030204" pitchFamily="34" charset="0"/>
+              </a:rPr>
+              <a:t>:</a:t>
+            </a:r>
+            <a:endParaRPr lang="en-US" altLang="zh-CN" dirty="0">
+              <a:solidFill>
+                <a:schemeClr val="bg1"/>
+              </a:solidFill>
+              <a:latin typeface="Arial Rounded MT Bold" panose="020F0704030504030204" pitchFamily="34" charset="0"/>
+            </a:endParaRPr>
+          </a:p>
+          <a:p>
+            <a:r>
+              <a:rPr lang="zh-CN" altLang="en-US" dirty="0">
+                <a:solidFill>
+                  <a:schemeClr val="bg1"/>
+                </a:solidFill>
+                <a:latin typeface="Arial Rounded MT Bold" panose="020F0704030504030204" pitchFamily="34" charset="0"/>
+              </a:rPr>
+              <a:t>There are several precondition checks in the JDTRE move-instance-method that require a database search</a:t>
+            </a:r>
+            <a:r>
+              <a:rPr lang="en-US" altLang="zh-CN" dirty="0">
+                <a:solidFill>
+                  <a:schemeClr val="bg1"/>
+                </a:solidFill>
+                <a:latin typeface="Arial Rounded MT Bold" panose="020F0704030504030204" pitchFamily="34" charset="0"/>
+              </a:rPr>
+              <a:t>.</a:t>
+            </a:r>
+            <a:endParaRPr lang="zh-CN" altLang="en-US" dirty="0">
+              <a:solidFill>
+                <a:schemeClr val="bg1"/>
+              </a:solidFill>
+              <a:latin typeface="Arial Rounded MT Bold" panose="020F0704030504030204" pitchFamily="34" charset="0"/>
+            </a:endParaRPr>
+          </a:p>
+        </p:txBody>
+      </p:sp>
+      <p:sp>
+        <p:nvSpPr>
+          <p:cNvPr id="11" name="文本框 10">
+            <a:extLst>
+              <a:ext uri="{FF2B5EF4-FFF2-40B4-BE49-F238E27FC236}">
+                <a16:creationId xmlns:a16="http://schemas.microsoft.com/office/drawing/2014/main" id="{20BF3A6B-617F-4D4C-923A-D5C2ABC8C32D}"/>
+              </a:ext>
+            </a:extLst>
+          </p:cNvPr>
+          <p:cNvSpPr txBox="1"/>
+          <p:nvPr/>
+        </p:nvSpPr>
+        <p:spPr>
+          <a:xfrm>
+            <a:off x="159690" y="2234558"/>
+            <a:ext cx="10447350" cy="646331"/>
+          </a:xfrm>
+          <a:prstGeom prst="rect">
+            <a:avLst/>
+          </a:prstGeom>
+          <a:noFill/>
+          <a:ln w="12700" cap="flat">
+            <a:noFill/>
+            <a:miter lim="400000"/>
+          </a:ln>
+          <a:effectLst/>
+          <a:sp3d/>
+        </p:spPr>
+        <p:style>
+          <a:lnRef idx="0">
+            <a:scrgbClr r="0" g="0" b="0"/>
+          </a:lnRef>
+          <a:fillRef idx="0">
+            <a:scrgbClr r="0" g="0" b="0"/>
+          </a:fillRef>
+          <a:effectRef idx="0">
+            <a:scrgbClr r="0" g="0" b="0"/>
+          </a:effectRef>
+          <a:fontRef idx="none"/>
+        </p:style>
+        <p:txBody>
+          <a:bodyPr wrap="square">
+            <a:spAutoFit/>
+          </a:bodyPr>
+          <a:lstStyle/>
+          <a:p>
+            <a:r>
+              <a:rPr lang="zh-CN" altLang="en-US" dirty="0">
+                <a:solidFill>
+                  <a:schemeClr val="bg1"/>
+                </a:solidFill>
+                <a:latin typeface="Arial Rounded MT Bold" panose="020F0704030504030204" pitchFamily="34" charset="0"/>
+              </a:rPr>
+              <a:t>Here is a sample:</a:t>
+            </a:r>
+            <a:endParaRPr lang="en-US" altLang="zh-CN" dirty="0">
+              <a:solidFill>
+                <a:schemeClr val="bg1"/>
+              </a:solidFill>
+              <a:latin typeface="Arial Rounded MT Bold" panose="020F0704030504030204" pitchFamily="34" charset="0"/>
+            </a:endParaRPr>
+          </a:p>
+          <a:p>
+            <a:r>
+              <a:rPr lang="en-US" altLang="zh-CN" dirty="0">
+                <a:solidFill>
+                  <a:schemeClr val="bg1"/>
+                </a:solidFill>
+                <a:latin typeface="Arial Rounded MT Bold" panose="020F0704030504030204" pitchFamily="34" charset="0"/>
+              </a:rPr>
+              <a:t>Abstract, Native, Constructor, Interface Declaring Type ,  Non-Local Type Reference …</a:t>
+            </a:r>
+            <a:endParaRPr lang="zh-CN" altLang="en-US" dirty="0">
+              <a:solidFill>
+                <a:schemeClr val="bg1"/>
+              </a:solidFill>
+              <a:latin typeface="Arial Rounded MT Bold" panose="020F0704030504030204" pitchFamily="34" charset="0"/>
+            </a:endParaRPr>
+          </a:p>
+        </p:txBody>
+      </p:sp>
+      <p:sp>
+        <p:nvSpPr>
+          <p:cNvPr id="12" name="文本框 11">
+            <a:extLst>
+              <a:ext uri="{FF2B5EF4-FFF2-40B4-BE49-F238E27FC236}">
+                <a16:creationId xmlns:a16="http://schemas.microsoft.com/office/drawing/2014/main" id="{60624DC0-78D8-4BCC-A51E-B9E00D005A17}"/>
+              </a:ext>
+            </a:extLst>
+          </p:cNvPr>
+          <p:cNvSpPr txBox="1"/>
+          <p:nvPr/>
+        </p:nvSpPr>
+        <p:spPr>
+          <a:xfrm>
+            <a:off x="159690" y="4685613"/>
+            <a:ext cx="10346766" cy="646331"/>
+          </a:xfrm>
+          <a:prstGeom prst="rect">
+            <a:avLst/>
+          </a:prstGeom>
+          <a:noFill/>
+          <a:ln w="12700" cap="flat">
+            <a:noFill/>
+            <a:miter lim="400000"/>
+          </a:ln>
+          <a:effectLst/>
+          <a:sp3d/>
+        </p:spPr>
+        <p:style>
+          <a:lnRef idx="0">
+            <a:scrgbClr r="0" g="0" b="0"/>
+          </a:lnRef>
+          <a:fillRef idx="0">
+            <a:scrgbClr r="0" g="0" b="0"/>
+          </a:fillRef>
+          <a:effectRef idx="0">
+            <a:scrgbClr r="0" g="0" b="0"/>
+          </a:effectRef>
+          <a:fontRef idx="none"/>
+        </p:style>
+        <p:txBody>
+          <a:bodyPr wrap="square">
+            <a:spAutoFit/>
+          </a:bodyPr>
+          <a:lstStyle/>
+          <a:p>
+            <a:r>
+              <a:rPr lang="zh-CN" altLang="en-US" dirty="0">
+                <a:solidFill>
+                  <a:schemeClr val="bg1"/>
+                </a:solidFill>
+                <a:latin typeface="Arial Rounded MT Bold" panose="020F0704030504030204" pitchFamily="34" charset="0"/>
+              </a:rPr>
+              <a:t>Here is a sample:</a:t>
+            </a:r>
+            <a:endParaRPr lang="en-US" altLang="zh-CN" dirty="0">
+              <a:solidFill>
+                <a:schemeClr val="bg1"/>
+              </a:solidFill>
+              <a:latin typeface="Arial Rounded MT Bold" panose="020F0704030504030204" pitchFamily="34" charset="0"/>
+            </a:endParaRPr>
+          </a:p>
+          <a:p>
+            <a:r>
+              <a:rPr lang="en-US" altLang="zh-CN" dirty="0">
+                <a:solidFill>
+                  <a:schemeClr val="bg1"/>
+                </a:solidFill>
+                <a:latin typeface="Arial Rounded MT Bold" panose="020F0704030504030204" pitchFamily="34" charset="0"/>
+              </a:rPr>
+              <a:t>Accessibility, Conflicting Method, Duplicate Type </a:t>
+            </a:r>
+            <a:r>
+              <a:rPr lang="en-US" altLang="zh-CN" dirty="0" err="1">
+                <a:solidFill>
+                  <a:schemeClr val="bg1"/>
+                </a:solidFill>
+                <a:latin typeface="Arial Rounded MT Bold" panose="020F0704030504030204" pitchFamily="34" charset="0"/>
+              </a:rPr>
+              <a:t>Paramete</a:t>
+            </a:r>
+            <a:r>
+              <a:rPr lang="en-US" altLang="zh-CN" dirty="0">
+                <a:solidFill>
+                  <a:schemeClr val="bg1"/>
+                </a:solidFill>
+                <a:latin typeface="Arial Rounded MT Bold" panose="020F0704030504030204" pitchFamily="34" charset="0"/>
+              </a:rPr>
+              <a:t>, Conflicting Target Name … </a:t>
+            </a:r>
+            <a:endParaRPr lang="zh-CN" altLang="en-US" dirty="0">
+              <a:solidFill>
+                <a:schemeClr val="bg1"/>
+              </a:solidFill>
+              <a:latin typeface="Arial Rounded MT Bold" panose="020F0704030504030204" pitchFamily="34" charset="0"/>
+            </a:endParaRPr>
           </a:p>
         </p:txBody>
       </p:sp>
     </p:spTree>
     <p:extLst>
       <p:ext uri="{BB962C8B-B14F-4D97-AF65-F5344CB8AC3E}">
-        <p14:creationId xmlns:p14="http://schemas.microsoft.com/office/powerpoint/2010/main" val="3042314119"/>
+        <p14:creationId xmlns:p14="http://schemas.microsoft.com/office/powerpoint/2010/main" val="152587100"/>
       </p:ext>
     </p:extLst>
   </p:cSld>
@@ -8820,6 +10502,514 @@
 </file>
 
 <file path=ppt/slides/slide12.xml><?xml version="1.0" encoding="utf-8"?>
+<p:sld xmlns:a="http://schemas.openxmlformats.org/drawingml/2006/main" xmlns:r="http://schemas.openxmlformats.org/officeDocument/2006/relationships" xmlns:p="http://schemas.openxmlformats.org/presentationml/2006/main">
+  <p:cSld>
+    <p:spTree>
+      <p:nvGrpSpPr>
+        <p:cNvPr id="1" name=""/>
+        <p:cNvGrpSpPr/>
+        <p:nvPr/>
+      </p:nvGrpSpPr>
+      <p:grpSpPr>
+        <a:xfrm>
+          <a:off x="0" y="0"/>
+          <a:ext cx="0" cy="0"/>
+          <a:chOff x="0" y="0"/>
+          <a:chExt cx="0" cy="0"/>
+        </a:xfrm>
+      </p:grpSpPr>
+      <p:sp>
+        <p:nvSpPr>
+          <p:cNvPr id="6" name="Shape 180">
+            <a:extLst>
+              <a:ext uri="{FF2B5EF4-FFF2-40B4-BE49-F238E27FC236}">
+                <a16:creationId xmlns:a16="http://schemas.microsoft.com/office/drawing/2014/main" id="{DC32B47D-DAF7-40BF-AA09-B2E572841990}"/>
+              </a:ext>
+            </a:extLst>
+          </p:cNvPr>
+          <p:cNvSpPr txBox="1">
+            <a:spLocks/>
+          </p:cNvSpPr>
+          <p:nvPr/>
+        </p:nvSpPr>
+        <p:spPr>
+          <a:xfrm>
+            <a:off x="357810" y="285662"/>
+            <a:ext cx="9310066" cy="421768"/>
+          </a:xfrm>
+          <a:prstGeom prst="rect">
+            <a:avLst/>
+          </a:prstGeom>
+        </p:spPr>
+        <p:txBody>
+          <a:bodyPr/>
+          <a:lstStyle>
+            <a:lvl1pPr marL="444500" marR="0" indent="-444500" algn="l" defTabSz="584200" latinLnBrk="0">
+              <a:lnSpc>
+                <a:spcPct val="100000"/>
+              </a:lnSpc>
+              <a:spcBef>
+                <a:spcPts val="2800"/>
+              </a:spcBef>
+              <a:spcAft>
+                <a:spcPts val="0"/>
+              </a:spcAft>
+              <a:buClr>
+                <a:schemeClr val="accent1">
+                  <a:satOff val="-4060"/>
+                </a:schemeClr>
+              </a:buClr>
+              <a:buSzPct val="104999"/>
+              <a:buFont typeface="Avenir Next"/>
+              <a:buChar char="‣"/>
+              <a:tabLst/>
+              <a:defRPr sz="3400" b="0" i="0" u="none" strike="noStrike" cap="none" spc="0" baseline="0">
+                <a:ln>
+                  <a:noFill/>
+                </a:ln>
+                <a:solidFill>
+                  <a:srgbClr val="838787"/>
+                </a:solidFill>
+                <a:uFillTx/>
+                <a:latin typeface="Avenir Next Medium"/>
+                <a:ea typeface="Avenir Next Medium"/>
+                <a:cs typeface="Avenir Next Medium"/>
+                <a:sym typeface="Avenir Next Medium"/>
+              </a:defRPr>
+            </a:lvl1pPr>
+            <a:lvl2pPr marL="889000" marR="0" indent="-444500" algn="l" defTabSz="584200" latinLnBrk="0">
+              <a:lnSpc>
+                <a:spcPct val="100000"/>
+              </a:lnSpc>
+              <a:spcBef>
+                <a:spcPts val="2800"/>
+              </a:spcBef>
+              <a:spcAft>
+                <a:spcPts val="0"/>
+              </a:spcAft>
+              <a:buClr>
+                <a:schemeClr val="accent1">
+                  <a:satOff val="-4060"/>
+                </a:schemeClr>
+              </a:buClr>
+              <a:buSzPct val="104999"/>
+              <a:buFont typeface="Avenir Next"/>
+              <a:buChar char="‣"/>
+              <a:tabLst/>
+              <a:defRPr sz="3400" b="0" i="0" u="none" strike="noStrike" cap="none" spc="0" baseline="0">
+                <a:ln>
+                  <a:noFill/>
+                </a:ln>
+                <a:solidFill>
+                  <a:srgbClr val="838787"/>
+                </a:solidFill>
+                <a:uFillTx/>
+                <a:latin typeface="Avenir Next Medium"/>
+                <a:ea typeface="Avenir Next Medium"/>
+                <a:cs typeface="Avenir Next Medium"/>
+                <a:sym typeface="Avenir Next Medium"/>
+              </a:defRPr>
+            </a:lvl2pPr>
+            <a:lvl3pPr marL="1333500" marR="0" indent="-444500" algn="l" defTabSz="584200" latinLnBrk="0">
+              <a:lnSpc>
+                <a:spcPct val="100000"/>
+              </a:lnSpc>
+              <a:spcBef>
+                <a:spcPts val="2800"/>
+              </a:spcBef>
+              <a:spcAft>
+                <a:spcPts val="0"/>
+              </a:spcAft>
+              <a:buClr>
+                <a:schemeClr val="accent1">
+                  <a:satOff val="-4060"/>
+                </a:schemeClr>
+              </a:buClr>
+              <a:buSzPct val="104999"/>
+              <a:buFont typeface="Avenir Next"/>
+              <a:buChar char="‣"/>
+              <a:tabLst/>
+              <a:defRPr sz="3400" b="0" i="0" u="none" strike="noStrike" cap="none" spc="0" baseline="0">
+                <a:ln>
+                  <a:noFill/>
+                </a:ln>
+                <a:solidFill>
+                  <a:srgbClr val="838787"/>
+                </a:solidFill>
+                <a:uFillTx/>
+                <a:latin typeface="Avenir Next Medium"/>
+                <a:ea typeface="Avenir Next Medium"/>
+                <a:cs typeface="Avenir Next Medium"/>
+                <a:sym typeface="Avenir Next Medium"/>
+              </a:defRPr>
+            </a:lvl3pPr>
+            <a:lvl4pPr marL="1778000" marR="0" indent="-444500" algn="l" defTabSz="584200" latinLnBrk="0">
+              <a:lnSpc>
+                <a:spcPct val="100000"/>
+              </a:lnSpc>
+              <a:spcBef>
+                <a:spcPts val="2800"/>
+              </a:spcBef>
+              <a:spcAft>
+                <a:spcPts val="0"/>
+              </a:spcAft>
+              <a:buClr>
+                <a:schemeClr val="accent1">
+                  <a:satOff val="-4060"/>
+                </a:schemeClr>
+              </a:buClr>
+              <a:buSzPct val="104999"/>
+              <a:buFont typeface="Avenir Next"/>
+              <a:buChar char="‣"/>
+              <a:tabLst/>
+              <a:defRPr sz="3400" b="0" i="0" u="none" strike="noStrike" cap="none" spc="0" baseline="0">
+                <a:ln>
+                  <a:noFill/>
+                </a:ln>
+                <a:solidFill>
+                  <a:srgbClr val="838787"/>
+                </a:solidFill>
+                <a:uFillTx/>
+                <a:latin typeface="Avenir Next Medium"/>
+                <a:ea typeface="Avenir Next Medium"/>
+                <a:cs typeface="Avenir Next Medium"/>
+                <a:sym typeface="Avenir Next Medium"/>
+              </a:defRPr>
+            </a:lvl4pPr>
+            <a:lvl5pPr marL="2222500" marR="0" indent="-444500" algn="l" defTabSz="584200" latinLnBrk="0">
+              <a:lnSpc>
+                <a:spcPct val="100000"/>
+              </a:lnSpc>
+              <a:spcBef>
+                <a:spcPts val="2800"/>
+              </a:spcBef>
+              <a:spcAft>
+                <a:spcPts val="0"/>
+              </a:spcAft>
+              <a:buClr>
+                <a:schemeClr val="accent1">
+                  <a:satOff val="-4060"/>
+                </a:schemeClr>
+              </a:buClr>
+              <a:buSzPct val="104999"/>
+              <a:buFont typeface="Avenir Next"/>
+              <a:buChar char="‣"/>
+              <a:tabLst/>
+              <a:defRPr sz="3400" b="0" i="0" u="none" strike="noStrike" cap="none" spc="0" baseline="0">
+                <a:ln>
+                  <a:noFill/>
+                </a:ln>
+                <a:solidFill>
+                  <a:srgbClr val="838787"/>
+                </a:solidFill>
+                <a:uFillTx/>
+                <a:latin typeface="Avenir Next Medium"/>
+                <a:ea typeface="Avenir Next Medium"/>
+                <a:cs typeface="Avenir Next Medium"/>
+                <a:sym typeface="Avenir Next Medium"/>
+              </a:defRPr>
+            </a:lvl5pPr>
+            <a:lvl6pPr marL="2667000" marR="0" indent="-444500" algn="l" defTabSz="584200" latinLnBrk="0">
+              <a:lnSpc>
+                <a:spcPct val="100000"/>
+              </a:lnSpc>
+              <a:spcBef>
+                <a:spcPts val="2800"/>
+              </a:spcBef>
+              <a:spcAft>
+                <a:spcPts val="0"/>
+              </a:spcAft>
+              <a:buClr>
+                <a:schemeClr val="accent1">
+                  <a:satOff val="-4060"/>
+                </a:schemeClr>
+              </a:buClr>
+              <a:buSzPct val="104999"/>
+              <a:buFont typeface="Avenir Next"/>
+              <a:buChar char="‣"/>
+              <a:tabLst/>
+              <a:defRPr sz="3400" b="0" i="0" u="none" strike="noStrike" cap="none" spc="0" baseline="0">
+                <a:ln>
+                  <a:noFill/>
+                </a:ln>
+                <a:solidFill>
+                  <a:srgbClr val="838787"/>
+                </a:solidFill>
+                <a:uFillTx/>
+                <a:latin typeface="Avenir Next Medium"/>
+                <a:ea typeface="Avenir Next Medium"/>
+                <a:cs typeface="Avenir Next Medium"/>
+                <a:sym typeface="Avenir Next Medium"/>
+              </a:defRPr>
+            </a:lvl6pPr>
+            <a:lvl7pPr marL="3111500" marR="0" indent="-444500" algn="l" defTabSz="584200" latinLnBrk="0">
+              <a:lnSpc>
+                <a:spcPct val="100000"/>
+              </a:lnSpc>
+              <a:spcBef>
+                <a:spcPts val="2800"/>
+              </a:spcBef>
+              <a:spcAft>
+                <a:spcPts val="0"/>
+              </a:spcAft>
+              <a:buClr>
+                <a:schemeClr val="accent1">
+                  <a:satOff val="-4060"/>
+                </a:schemeClr>
+              </a:buClr>
+              <a:buSzPct val="104999"/>
+              <a:buFont typeface="Avenir Next"/>
+              <a:buChar char="‣"/>
+              <a:tabLst/>
+              <a:defRPr sz="3400" b="0" i="0" u="none" strike="noStrike" cap="none" spc="0" baseline="0">
+                <a:ln>
+                  <a:noFill/>
+                </a:ln>
+                <a:solidFill>
+                  <a:srgbClr val="838787"/>
+                </a:solidFill>
+                <a:uFillTx/>
+                <a:latin typeface="Avenir Next Medium"/>
+                <a:ea typeface="Avenir Next Medium"/>
+                <a:cs typeface="Avenir Next Medium"/>
+                <a:sym typeface="Avenir Next Medium"/>
+              </a:defRPr>
+            </a:lvl7pPr>
+            <a:lvl8pPr marL="3556000" marR="0" indent="-444500" algn="l" defTabSz="584200" latinLnBrk="0">
+              <a:lnSpc>
+                <a:spcPct val="100000"/>
+              </a:lnSpc>
+              <a:spcBef>
+                <a:spcPts val="2800"/>
+              </a:spcBef>
+              <a:spcAft>
+                <a:spcPts val="0"/>
+              </a:spcAft>
+              <a:buClr>
+                <a:schemeClr val="accent1">
+                  <a:satOff val="-4060"/>
+                </a:schemeClr>
+              </a:buClr>
+              <a:buSzPct val="104999"/>
+              <a:buFont typeface="Avenir Next"/>
+              <a:buChar char="‣"/>
+              <a:tabLst/>
+              <a:defRPr sz="3400" b="0" i="0" u="none" strike="noStrike" cap="none" spc="0" baseline="0">
+                <a:ln>
+                  <a:noFill/>
+                </a:ln>
+                <a:solidFill>
+                  <a:srgbClr val="838787"/>
+                </a:solidFill>
+                <a:uFillTx/>
+                <a:latin typeface="Avenir Next Medium"/>
+                <a:ea typeface="Avenir Next Medium"/>
+                <a:cs typeface="Avenir Next Medium"/>
+                <a:sym typeface="Avenir Next Medium"/>
+              </a:defRPr>
+            </a:lvl8pPr>
+            <a:lvl9pPr marL="4000500" marR="0" indent="-444500" algn="l" defTabSz="584200" latinLnBrk="0">
+              <a:lnSpc>
+                <a:spcPct val="100000"/>
+              </a:lnSpc>
+              <a:spcBef>
+                <a:spcPts val="2800"/>
+              </a:spcBef>
+              <a:spcAft>
+                <a:spcPts val="0"/>
+              </a:spcAft>
+              <a:buClr>
+                <a:schemeClr val="accent1">
+                  <a:satOff val="-4060"/>
+                </a:schemeClr>
+              </a:buClr>
+              <a:buSzPct val="104999"/>
+              <a:buFont typeface="Avenir Next"/>
+              <a:buChar char="‣"/>
+              <a:tabLst/>
+              <a:defRPr sz="3400" b="0" i="0" u="none" strike="noStrike" cap="none" spc="0" baseline="0">
+                <a:ln>
+                  <a:noFill/>
+                </a:ln>
+                <a:solidFill>
+                  <a:srgbClr val="838787"/>
+                </a:solidFill>
+                <a:uFillTx/>
+                <a:latin typeface="Avenir Next Medium"/>
+                <a:ea typeface="Avenir Next Medium"/>
+                <a:cs typeface="Avenir Next Medium"/>
+                <a:sym typeface="Avenir Next Medium"/>
+              </a:defRPr>
+            </a:lvl9pPr>
+          </a:lstStyle>
+          <a:p>
+            <a:pPr marL="0" indent="0" defTabSz="410751">
+              <a:spcBef>
+                <a:spcPts val="1969"/>
+              </a:spcBef>
+              <a:buClr>
+                <a:srgbClr val="34A5DA">
+                  <a:satOff val="-4060"/>
+                </a:srgbClr>
+              </a:buClr>
+              <a:buNone/>
+            </a:pPr>
+            <a:r>
+              <a:rPr lang="en-US" altLang="zh-CN" sz="1800" b="1" kern="0" cap="all" dirty="0">
+                <a:solidFill>
+                  <a:srgbClr val="34A5DA"/>
+                </a:solidFill>
+                <a:latin typeface="等线" panose="02010600030101010101" pitchFamily="2" charset="-122"/>
+                <a:ea typeface="等线" panose="02010600030101010101" pitchFamily="2" charset="-122"/>
+                <a:sym typeface="Baskerville"/>
+              </a:rPr>
+              <a:t>R3 : IMPLEMENTATION</a:t>
+            </a:r>
+          </a:p>
+          <a:p>
+            <a:pPr marL="0" indent="0" defTabSz="410751">
+              <a:spcBef>
+                <a:spcPts val="1969"/>
+              </a:spcBef>
+              <a:buClr>
+                <a:srgbClr val="34A5DA">
+                  <a:satOff val="-4060"/>
+                </a:srgbClr>
+              </a:buClr>
+              <a:buNone/>
+            </a:pPr>
+            <a:endParaRPr lang="zh-CN" altLang="en-US" sz="1800" b="1" kern="0" cap="all" dirty="0">
+              <a:solidFill>
+                <a:srgbClr val="34A5DA"/>
+              </a:solidFill>
+              <a:latin typeface="等线" panose="02010600030101010101" pitchFamily="2" charset="-122"/>
+              <a:ea typeface="等线" panose="02010600030101010101" pitchFamily="2" charset="-122"/>
+            </a:endParaRPr>
+          </a:p>
+        </p:txBody>
+      </p:sp>
+      <p:pic>
+        <p:nvPicPr>
+          <p:cNvPr id="3" name="图片 2">
+            <a:extLst>
+              <a:ext uri="{FF2B5EF4-FFF2-40B4-BE49-F238E27FC236}">
+                <a16:creationId xmlns:a16="http://schemas.microsoft.com/office/drawing/2014/main" id="{14BA6E3E-681C-4D98-8553-09B1383F037F}"/>
+              </a:ext>
+            </a:extLst>
+          </p:cNvPr>
+          <p:cNvPicPr>
+            <a:picLocks noChangeAspect="1"/>
+          </p:cNvPicPr>
+          <p:nvPr/>
+        </p:nvPicPr>
+        <p:blipFill>
+          <a:blip r:embed="rId3"/>
+          <a:stretch>
+            <a:fillRect/>
+          </a:stretch>
+        </p:blipFill>
+        <p:spPr>
+          <a:xfrm>
+            <a:off x="2681287" y="1862137"/>
+            <a:ext cx="6829425" cy="3133725"/>
+          </a:xfrm>
+          <a:prstGeom prst="rect">
+            <a:avLst/>
+          </a:prstGeom>
+        </p:spPr>
+      </p:pic>
+      <p:sp>
+        <p:nvSpPr>
+          <p:cNvPr id="10" name="文本框 9">
+            <a:extLst>
+              <a:ext uri="{FF2B5EF4-FFF2-40B4-BE49-F238E27FC236}">
+                <a16:creationId xmlns:a16="http://schemas.microsoft.com/office/drawing/2014/main" id="{884A4BC3-AEC8-440A-8D07-EC9019788E6B}"/>
+              </a:ext>
+            </a:extLst>
+          </p:cNvPr>
+          <p:cNvSpPr txBox="1"/>
+          <p:nvPr/>
+        </p:nvSpPr>
+        <p:spPr>
+          <a:xfrm>
+            <a:off x="1457704" y="5227239"/>
+            <a:ext cx="9835136" cy="923330"/>
+          </a:xfrm>
+          <a:prstGeom prst="rect">
+            <a:avLst/>
+          </a:prstGeom>
+          <a:noFill/>
+          <a:ln w="12700" cap="flat">
+            <a:noFill/>
+            <a:miter lim="400000"/>
+          </a:ln>
+          <a:effectLst/>
+          <a:sp3d/>
+        </p:spPr>
+        <p:style>
+          <a:lnRef idx="0">
+            <a:scrgbClr r="0" g="0" b="0"/>
+          </a:lnRef>
+          <a:fillRef idx="0">
+            <a:scrgbClr r="0" g="0" b="0"/>
+          </a:fillRef>
+          <a:effectRef idx="0">
+            <a:scrgbClr r="0" g="0" b="0"/>
+          </a:effectRef>
+          <a:fontRef idx="none"/>
+        </p:style>
+        <p:txBody>
+          <a:bodyPr wrap="square">
+            <a:spAutoFit/>
+          </a:bodyPr>
+          <a:lstStyle/>
+          <a:p>
+            <a:r>
+              <a:rPr lang="zh-CN" altLang="en-US" dirty="0">
+                <a:solidFill>
+                  <a:schemeClr val="bg1"/>
+                </a:solidFill>
+                <a:latin typeface="Arial Rounded MT Bold" panose="020F0704030504030204" pitchFamily="34" charset="0"/>
+              </a:rPr>
+              <a:t>Figure 15 shows the R3 pipeline:</a:t>
+            </a:r>
+          </a:p>
+          <a:p>
+            <a:r>
+              <a:rPr lang="en-US" altLang="zh-CN" dirty="0">
+                <a:solidFill>
+                  <a:schemeClr val="bg1"/>
+                </a:solidFill>
+                <a:latin typeface="Arial Rounded MT Bold" panose="020F0704030504030204" pitchFamily="34" charset="0"/>
+              </a:rPr>
+              <a:t>I</a:t>
+            </a:r>
+            <a:r>
+              <a:rPr lang="zh-CN" altLang="en-US" dirty="0">
+                <a:solidFill>
+                  <a:schemeClr val="bg1"/>
+                </a:solidFill>
+                <a:latin typeface="Arial Rounded MT Bold" panose="020F0704030504030204" pitchFamily="34" charset="0"/>
+              </a:rPr>
+              <a:t>t is a series of stages (A)-(G) that map a target Java program (JDT project) on the left to a refactored program on the right</a:t>
+            </a:r>
+          </a:p>
+        </p:txBody>
+      </p:sp>
+    </p:spTree>
+    <p:extLst>
+      <p:ext uri="{BB962C8B-B14F-4D97-AF65-F5344CB8AC3E}">
+        <p14:creationId xmlns:p14="http://schemas.microsoft.com/office/powerpoint/2010/main" val="3515548393"/>
+      </p:ext>
+    </p:extLst>
+  </p:cSld>
+  <p:clrMapOvr>
+    <a:masterClrMapping/>
+  </p:clrMapOvr>
+</p:sld>
+</file>
+
+<file path=ppt/slides/slide13.xml><?xml version="1.0" encoding="utf-8"?>
 <p:sld xmlns:a="http://schemas.openxmlformats.org/drawingml/2006/main" xmlns:r="http://schemas.openxmlformats.org/officeDocument/2006/relationships" xmlns:p="http://schemas.openxmlformats.org/presentationml/2006/main">
   <p:cSld>
     <p:spTree>
@@ -8851,7 +11041,7 @@
           <p:nvPr/>
         </p:nvPicPr>
         <p:blipFill>
-          <a:blip r:embed="rId2"/>
+          <a:blip r:embed="rId3"/>
           <a:stretch>
             <a:fillRect/>
           </a:stretch>
@@ -9236,7 +11426,7 @@
 </p:sld>
 </file>
 
-<file path=ppt/slides/slide13.xml><?xml version="1.0" encoding="utf-8"?>
+<file path=ppt/slides/slide14.xml><?xml version="1.0" encoding="utf-8"?>
 <p:sld xmlns:a="http://schemas.openxmlformats.org/drawingml/2006/main" xmlns:r="http://schemas.openxmlformats.org/officeDocument/2006/relationships" xmlns:p="http://schemas.openxmlformats.org/presentationml/2006/main">
   <p:cSld>
     <p:spTree>
@@ -9255,10 +11445,79 @@
       </p:grpSpPr>
       <p:sp>
         <p:nvSpPr>
-          <p:cNvPr id="6" name="Shape 180">
+          <p:cNvPr id="4" name="标题 1">
             <a:extLst>
               <a:ext uri="{FF2B5EF4-FFF2-40B4-BE49-F238E27FC236}">
-                <a16:creationId xmlns:a16="http://schemas.microsoft.com/office/drawing/2014/main" id="{1DDE35C0-0DB1-4F32-8A81-380B919327DE}"/>
+                <a16:creationId xmlns:a16="http://schemas.microsoft.com/office/drawing/2014/main" id="{D97E90E5-A6EE-4BCA-80FA-6144ACB84B42}"/>
+              </a:ext>
+            </a:extLst>
+          </p:cNvPr>
+          <p:cNvSpPr>
+            <a:spLocks noGrp="1"/>
+          </p:cNvSpPr>
+          <p:nvPr>
+            <p:ph type="title"/>
+          </p:nvPr>
+        </p:nvSpPr>
+        <p:spPr>
+          <a:xfrm>
+            <a:off x="2237535" y="3039278"/>
+            <a:ext cx="7716930" cy="508992"/>
+          </a:xfrm>
+        </p:spPr>
+        <p:txBody>
+          <a:bodyPr>
+            <a:noAutofit/>
+          </a:bodyPr>
+          <a:lstStyle/>
+          <a:p>
+            <a:r>
+              <a:rPr lang="zh-CN" altLang="en-US" sz="3797" dirty="0">
+                <a:latin typeface="等线" panose="02010600030101010101" pitchFamily="2" charset="-122"/>
+                <a:ea typeface="等线" panose="02010600030101010101" pitchFamily="2" charset="-122"/>
+              </a:rPr>
+              <a:t>感谢蒋老师和各位同学的耐心聆听！</a:t>
+            </a:r>
+          </a:p>
+        </p:txBody>
+      </p:sp>
+    </p:spTree>
+    <p:extLst>
+      <p:ext uri="{BB962C8B-B14F-4D97-AF65-F5344CB8AC3E}">
+        <p14:creationId xmlns:p14="http://schemas.microsoft.com/office/powerpoint/2010/main" val="431709601"/>
+      </p:ext>
+    </p:extLst>
+  </p:cSld>
+  <p:clrMapOvr>
+    <a:masterClrMapping/>
+  </p:clrMapOvr>
+  <p:transition spd="med"/>
+</p:sld>
+</file>
+
+<file path=ppt/slides/slide2.xml><?xml version="1.0" encoding="utf-8"?>
+<p:sld xmlns:a="http://schemas.openxmlformats.org/drawingml/2006/main" xmlns:r="http://schemas.openxmlformats.org/officeDocument/2006/relationships" xmlns:p="http://schemas.openxmlformats.org/presentationml/2006/main">
+  <p:cSld>
+    <p:spTree>
+      <p:nvGrpSpPr>
+        <p:cNvPr id="1" name=""/>
+        <p:cNvGrpSpPr/>
+        <p:nvPr/>
+      </p:nvGrpSpPr>
+      <p:grpSpPr>
+        <a:xfrm>
+          <a:off x="0" y="0"/>
+          <a:ext cx="0" cy="0"/>
+          <a:chOff x="0" y="0"/>
+          <a:chExt cx="0" cy="0"/>
+        </a:xfrm>
+      </p:grpSpPr>
+      <p:sp>
+        <p:nvSpPr>
+          <p:cNvPr id="8" name="Shape 180">
+            <a:extLst>
+              <a:ext uri="{FF2B5EF4-FFF2-40B4-BE49-F238E27FC236}">
+                <a16:creationId xmlns:a16="http://schemas.microsoft.com/office/drawing/2014/main" id="{732D47E1-E9FC-40EB-8A0F-BC6A517BA959}"/>
               </a:ext>
             </a:extLst>
           </p:cNvPr>
@@ -9590,23 +11849,23 @@
               <a:buNone/>
             </a:pPr>
             <a:r>
-              <a:rPr lang="en-US" altLang="zh-CN" sz="1800" b="1" kern="0" cap="all" dirty="0">
+              <a:rPr kumimoji="0" lang="en-US" altLang="zh-CN" sz="1800" b="1" i="0" u="none" strike="noStrike" kern="0" cap="all" spc="0" normalizeH="0" baseline="0" noProof="0" dirty="0">
+                <a:ln>
+                  <a:noFill/>
+                </a:ln>
                 <a:solidFill>
                   <a:srgbClr val="34A5DA"/>
                 </a:solidFill>
+                <a:effectLst/>
+                <a:uLnTx/>
+                <a:uFillTx/>
                 <a:latin typeface="等线" panose="02010600030101010101" pitchFamily="2" charset="-122"/>
                 <a:ea typeface="等线" panose="02010600030101010101" pitchFamily="2" charset="-122"/>
                 <a:sym typeface="Baskerville"/>
               </a:rPr>
-              <a:t>Result</a:t>
-            </a:r>
-            <a:endParaRPr lang="zh-CN" altLang="en-US" sz="1800" b="1" kern="0" cap="all" dirty="0">
-              <a:solidFill>
-                <a:srgbClr val="34A5DA"/>
-              </a:solidFill>
-              <a:latin typeface="等线" panose="02010600030101010101" pitchFamily="2" charset="-122"/>
-              <a:ea typeface="等线" panose="02010600030101010101" pitchFamily="2" charset="-122"/>
-            </a:endParaRPr>
+              <a:t>A review of R2</a:t>
+            </a:r>
+            <a:endParaRPr lang="zh-CN" altLang="en-US" sz="1687" kern="0" dirty="0"/>
           </a:p>
         </p:txBody>
       </p:sp>
@@ -9615,7 +11874,7 @@
           <p:cNvPr id="3" name="图片 2">
             <a:extLst>
               <a:ext uri="{FF2B5EF4-FFF2-40B4-BE49-F238E27FC236}">
-                <a16:creationId xmlns:a16="http://schemas.microsoft.com/office/drawing/2014/main" id="{C2CD9BDD-0FE9-4689-8035-E8DBEFDB05B8}"/>
+                <a16:creationId xmlns:a16="http://schemas.microsoft.com/office/drawing/2014/main" id="{8597DB01-D333-434C-B4D9-0AD05F6644E9}"/>
               </a:ext>
             </a:extLst>
           </p:cNvPr>
@@ -9625,25 +11884,277 @@
           <p:nvPr/>
         </p:nvPicPr>
         <p:blipFill>
-          <a:blip r:embed="rId2"/>
+          <a:blip r:embed="rId3"/>
           <a:stretch>
             <a:fillRect/>
           </a:stretch>
         </p:blipFill>
         <p:spPr>
           <a:xfrm>
-            <a:off x="2056201" y="877234"/>
-            <a:ext cx="7499279" cy="5695104"/>
+            <a:off x="801592" y="2104288"/>
+            <a:ext cx="3322352" cy="2882630"/>
           </a:xfrm>
           <a:prstGeom prst="rect">
             <a:avLst/>
           </a:prstGeom>
         </p:spPr>
       </p:pic>
+      <p:sp>
+        <p:nvSpPr>
+          <p:cNvPr id="10" name="文本框 9">
+            <a:extLst>
+              <a:ext uri="{FF2B5EF4-FFF2-40B4-BE49-F238E27FC236}">
+                <a16:creationId xmlns:a16="http://schemas.microsoft.com/office/drawing/2014/main" id="{09483375-B6A5-47A1-84AE-C79FD36410E3}"/>
+              </a:ext>
+            </a:extLst>
+          </p:cNvPr>
+          <p:cNvSpPr txBox="1"/>
+          <p:nvPr/>
+        </p:nvSpPr>
+        <p:spPr>
+          <a:xfrm>
+            <a:off x="357810" y="5084401"/>
+            <a:ext cx="5006042" cy="1477328"/>
+          </a:xfrm>
+          <a:prstGeom prst="rect">
+            <a:avLst/>
+          </a:prstGeom>
+          <a:noFill/>
+          <a:ln w="12700" cap="flat">
+            <a:noFill/>
+            <a:miter lim="400000"/>
+          </a:ln>
+          <a:effectLst/>
+          <a:sp3d/>
+        </p:spPr>
+        <p:style>
+          <a:lnRef idx="0">
+            <a:scrgbClr r="0" g="0" b="0"/>
+          </a:lnRef>
+          <a:fillRef idx="0">
+            <a:scrgbClr r="0" g="0" b="0"/>
+          </a:fillRef>
+          <a:effectRef idx="0">
+            <a:scrgbClr r="0" g="0" b="0"/>
+          </a:effectRef>
+          <a:fontRef idx="none"/>
+        </p:style>
+        <p:txBody>
+          <a:bodyPr wrap="square">
+            <a:spAutoFit/>
+          </a:bodyPr>
+          <a:lstStyle/>
+          <a:p>
+            <a:r>
+              <a:rPr lang="zh-CN" altLang="en-US" dirty="0">
+                <a:solidFill>
+                  <a:schemeClr val="bg1"/>
+                </a:solidFill>
+                <a:latin typeface="Arial Rounded MT Bold" panose="020F0704030504030204" pitchFamily="34" charset="0"/>
+              </a:rPr>
+              <a:t>The program in Figure 1 has 7 R2 objects:</a:t>
+            </a:r>
+            <a:endParaRPr lang="en-US" altLang="zh-CN" dirty="0">
+              <a:solidFill>
+                <a:schemeClr val="bg1"/>
+              </a:solidFill>
+              <a:latin typeface="Arial Rounded MT Bold" panose="020F0704030504030204" pitchFamily="34" charset="0"/>
+            </a:endParaRPr>
+          </a:p>
+          <a:p>
+            <a:endParaRPr lang="en-US" altLang="zh-CN" dirty="0">
+              <a:solidFill>
+                <a:schemeClr val="bg1"/>
+              </a:solidFill>
+              <a:latin typeface="Arial Rounded MT Bold" panose="020F0704030504030204" pitchFamily="34" charset="0"/>
+            </a:endParaRPr>
+          </a:p>
+          <a:p>
+            <a:r>
+              <a:rPr lang="zh-CN" altLang="en-US" dirty="0">
+                <a:solidFill>
+                  <a:schemeClr val="bg1"/>
+                </a:solidFill>
+                <a:latin typeface="Arial Rounded MT Bold" panose="020F0704030504030204" pitchFamily="34" charset="0"/>
+              </a:rPr>
+              <a:t>3 classes</a:t>
+            </a:r>
+            <a:r>
+              <a:rPr lang="en-US" altLang="zh-CN" dirty="0">
+                <a:solidFill>
+                  <a:schemeClr val="bg1"/>
+                </a:solidFill>
+                <a:latin typeface="Arial Rounded MT Bold" panose="020F0704030504030204" pitchFamily="34" charset="0"/>
+              </a:rPr>
+              <a:t>:   </a:t>
+            </a:r>
+            <a:r>
+              <a:rPr lang="zh-CN" altLang="en-US" dirty="0">
+                <a:solidFill>
+                  <a:schemeClr val="bg1"/>
+                </a:solidFill>
+                <a:latin typeface="Arial Rounded MT Bold" panose="020F0704030504030204" pitchFamily="34" charset="0"/>
+              </a:rPr>
+              <a:t>Graphic,Square,Picture </a:t>
+            </a:r>
+            <a:endParaRPr lang="en-US" altLang="zh-CN" dirty="0">
+              <a:solidFill>
+                <a:schemeClr val="bg1"/>
+              </a:solidFill>
+              <a:latin typeface="Arial Rounded MT Bold" panose="020F0704030504030204" pitchFamily="34" charset="0"/>
+            </a:endParaRPr>
+          </a:p>
+          <a:p>
+            <a:r>
+              <a:rPr lang="zh-CN" altLang="en-US" dirty="0">
+                <a:solidFill>
+                  <a:schemeClr val="bg1"/>
+                </a:solidFill>
+                <a:latin typeface="Arial Rounded MT Bold" panose="020F0704030504030204" pitchFamily="34" charset="0"/>
+              </a:rPr>
+              <a:t>4 methods</a:t>
+            </a:r>
+            <a:r>
+              <a:rPr lang="en-US" altLang="zh-CN" dirty="0">
+                <a:solidFill>
+                  <a:schemeClr val="bg1"/>
+                </a:solidFill>
+                <a:latin typeface="Arial Rounded MT Bold" panose="020F0704030504030204" pitchFamily="34" charset="0"/>
+              </a:rPr>
+              <a:t>:</a:t>
+            </a:r>
+            <a:r>
+              <a:rPr lang="zh-CN" altLang="en-US" dirty="0">
+                <a:solidFill>
+                  <a:schemeClr val="bg1"/>
+                </a:solidFill>
+                <a:latin typeface="Arial Rounded MT Bold" panose="020F0704030504030204" pitchFamily="34" charset="0"/>
+              </a:rPr>
+              <a:t> Graphic.draw,Square.draw,</a:t>
+            </a:r>
+            <a:endParaRPr lang="en-US" altLang="zh-CN" dirty="0">
+              <a:solidFill>
+                <a:schemeClr val="bg1"/>
+              </a:solidFill>
+              <a:latin typeface="Arial Rounded MT Bold" panose="020F0704030504030204" pitchFamily="34" charset="0"/>
+            </a:endParaRPr>
+          </a:p>
+          <a:p>
+            <a:r>
+              <a:rPr lang="zh-CN" altLang="en-US" dirty="0">
+                <a:solidFill>
+                  <a:schemeClr val="bg1"/>
+                </a:solidFill>
+                <a:latin typeface="Arial Rounded MT Bold" panose="020F0704030504030204" pitchFamily="34" charset="0"/>
+              </a:rPr>
+              <a:t>Picture.add,Picture.draw.</a:t>
+            </a:r>
+          </a:p>
+        </p:txBody>
+      </p:sp>
+      <p:pic>
+        <p:nvPicPr>
+          <p:cNvPr id="6" name="图片 5">
+            <a:extLst>
+              <a:ext uri="{FF2B5EF4-FFF2-40B4-BE49-F238E27FC236}">
+                <a16:creationId xmlns:a16="http://schemas.microsoft.com/office/drawing/2014/main" id="{D6701A71-6A96-4AFC-9968-AFAB2A45E40E}"/>
+              </a:ext>
+            </a:extLst>
+          </p:cNvPr>
+          <p:cNvPicPr>
+            <a:picLocks noChangeAspect="1"/>
+          </p:cNvPicPr>
+          <p:nvPr/>
+        </p:nvPicPr>
+        <p:blipFill>
+          <a:blip r:embed="rId4"/>
+          <a:stretch>
+            <a:fillRect/>
+          </a:stretch>
+        </p:blipFill>
+        <p:spPr>
+          <a:xfrm>
+            <a:off x="5520326" y="862593"/>
+            <a:ext cx="6524625" cy="4124325"/>
+          </a:xfrm>
+          <a:prstGeom prst="rect">
+            <a:avLst/>
+          </a:prstGeom>
+        </p:spPr>
+      </p:pic>
+      <p:sp>
+        <p:nvSpPr>
+          <p:cNvPr id="14" name="文本框 13">
+            <a:extLst>
+              <a:ext uri="{FF2B5EF4-FFF2-40B4-BE49-F238E27FC236}">
+                <a16:creationId xmlns:a16="http://schemas.microsoft.com/office/drawing/2014/main" id="{FC020F9C-475C-4BC3-B162-51CF2DCD1236}"/>
+              </a:ext>
+            </a:extLst>
+          </p:cNvPr>
+          <p:cNvSpPr txBox="1"/>
+          <p:nvPr/>
+        </p:nvSpPr>
+        <p:spPr>
+          <a:xfrm>
+            <a:off x="6097572" y="5084401"/>
+            <a:ext cx="6094428" cy="646331"/>
+          </a:xfrm>
+          <a:prstGeom prst="rect">
+            <a:avLst/>
+          </a:prstGeom>
+          <a:noFill/>
+          <a:ln w="12700" cap="flat">
+            <a:noFill/>
+            <a:miter lim="400000"/>
+          </a:ln>
+          <a:effectLst/>
+          <a:sp3d/>
+        </p:spPr>
+        <p:style>
+          <a:lnRef idx="0">
+            <a:scrgbClr r="0" g="0" b="0"/>
+          </a:lnRef>
+          <a:fillRef idx="0">
+            <a:scrgbClr r="0" g="0" b="0"/>
+          </a:fillRef>
+          <a:effectRef idx="0">
+            <a:scrgbClr r="0" g="0" b="0"/>
+          </a:effectRef>
+          <a:fontRef idx="none"/>
+        </p:style>
+        <p:txBody>
+          <a:bodyPr wrap="square">
+            <a:spAutoFit/>
+          </a:bodyPr>
+          <a:lstStyle/>
+          <a:p>
+            <a:r>
+              <a:rPr lang="zh-CN" altLang="en-US" dirty="0">
+                <a:solidFill>
+                  <a:schemeClr val="bg1"/>
+                </a:solidFill>
+                <a:latin typeface="Arial Rounded MT Bold" panose="020F0704030504030204" pitchFamily="34" charset="0"/>
+              </a:rPr>
+              <a:t>Table I lists a few methods that can be performed on</a:t>
+            </a:r>
+          </a:p>
+          <a:p>
+            <a:r>
+              <a:rPr lang="zh-CN" altLang="en-US" dirty="0">
+                <a:solidFill>
+                  <a:schemeClr val="bg1"/>
+                </a:solidFill>
+                <a:latin typeface="Arial Rounded MT Bold" panose="020F0704030504030204" pitchFamily="34" charset="0"/>
+              </a:rPr>
+              <a:t>R2 class and method objects</a:t>
+            </a:r>
+          </a:p>
+        </p:txBody>
+      </p:sp>
     </p:spTree>
     <p:extLst>
       <p:ext uri="{BB962C8B-B14F-4D97-AF65-F5344CB8AC3E}">
-        <p14:creationId xmlns:p14="http://schemas.microsoft.com/office/powerpoint/2010/main" val="311256521"/>
+        <p14:creationId xmlns:p14="http://schemas.microsoft.com/office/powerpoint/2010/main" val="2090975238"/>
       </p:ext>
     </p:extLst>
   </p:cSld>
@@ -9653,7 +12164,7 @@
 </p:sld>
 </file>
 
-<file path=ppt/slides/slide2.xml><?xml version="1.0" encoding="utf-8"?>
+<file path=ppt/slides/slide3.xml><?xml version="1.0" encoding="utf-8"?>
 <p:sld xmlns:a="http://schemas.openxmlformats.org/drawingml/2006/main" xmlns:r="http://schemas.openxmlformats.org/officeDocument/2006/relationships" xmlns:p="http://schemas.openxmlformats.org/presentationml/2006/main">
   <p:cSld>
     <p:spTree>
@@ -10041,8 +12552,8 @@
         </p:nvSpPr>
         <p:spPr>
           <a:xfrm>
-            <a:off x="514731" y="1999411"/>
-            <a:ext cx="11162538" cy="3416320"/>
+            <a:off x="514731" y="1709479"/>
+            <a:ext cx="11162538" cy="3693319"/>
           </a:xfrm>
           <a:prstGeom prst="rect">
             <a:avLst/>
@@ -10080,25 +12591,7 @@
                 </a:solidFill>
                 <a:latin typeface="Arial Rounded MT Bold" panose="020F0704030504030204" pitchFamily="34" charset="0"/>
               </a:rPr>
-              <a:t>R2 is a plug-in that uses the JDT Refactoring Engine (JDTRE) as it represents state-of-the-practice in </a:t>
-            </a:r>
-            <a:r>
-              <a:rPr lang="en-US" altLang="zh-CN" dirty="0" err="1">
-                <a:solidFill>
-                  <a:schemeClr val="bg1"/>
-                </a:solidFill>
-                <a:latin typeface="Arial Rounded MT Bold" panose="020F0704030504030204" pitchFamily="34" charset="0"/>
-              </a:rPr>
-              <a:t>refactoring.But</a:t>
-            </a:r>
-            <a:r>
-              <a:rPr lang="en-US" altLang="zh-CN" dirty="0">
-                <a:solidFill>
-                  <a:schemeClr val="bg1"/>
-                </a:solidFill>
-                <a:latin typeface="Arial Rounded MT Bold" panose="020F0704030504030204" pitchFamily="34" charset="0"/>
-              </a:rPr>
-              <a:t> experiments with R2 revealed  JDTRE is ill-suited for scripting for three reasons:</a:t>
+              <a:t>R2 is a plug-in that uses the JDT Refactoring Engine (JDTRE) as it represents state-of-the-practice in refactoring. But experiments with R2 revealed  JDTRE is ill-suited for scripting for three reasons:</a:t>
             </a:r>
           </a:p>
           <a:p>
@@ -10118,55 +12611,6 @@
             </a:endParaRPr>
           </a:p>
           <a:p>
-            <a:r>
-              <a:rPr lang="en-US" altLang="zh-CN" dirty="0">
-                <a:solidFill>
-                  <a:schemeClr val="bg1"/>
-                </a:solidFill>
-                <a:latin typeface="Arial Rounded MT Bold" panose="020F0704030504030204" pitchFamily="34" charset="0"/>
-              </a:rPr>
-              <a:t>1</a:t>
-            </a:r>
-            <a:r>
-              <a:rPr lang="zh-CN" altLang="en-US" dirty="0">
-                <a:solidFill>
-                  <a:schemeClr val="bg1"/>
-                </a:solidFill>
-                <a:latin typeface="Arial Rounded MT Bold" panose="020F0704030504030204" pitchFamily="34" charset="0"/>
-              </a:rPr>
-              <a:t>、</a:t>
-            </a:r>
-            <a:r>
-              <a:rPr lang="en-US" altLang="zh-CN" dirty="0">
-                <a:solidFill>
-                  <a:schemeClr val="bg1"/>
-                </a:solidFill>
-                <a:latin typeface="Arial Rounded MT Bold" panose="020F0704030504030204" pitchFamily="34" charset="0"/>
-              </a:rPr>
-              <a:t>JDTRE is </a:t>
-            </a:r>
-            <a:r>
-              <a:rPr lang="en-US" altLang="zh-CN" kern="0" cap="all" dirty="0">
-                <a:solidFill>
-                  <a:srgbClr val="34A5DA"/>
-                </a:solidFill>
-                <a:latin typeface="等线" panose="02010600030101010101" pitchFamily="2" charset="-122"/>
-                <a:ea typeface="等线" panose="02010600030101010101" pitchFamily="2" charset="-122"/>
-                <a:sym typeface="Avenir Next Medium"/>
-              </a:rPr>
-              <a:t>buggy</a:t>
-            </a:r>
-            <a:r>
-              <a:rPr lang="en-US" altLang="zh-CN" dirty="0">
-                <a:solidFill>
-                  <a:schemeClr val="bg1"/>
-                </a:solidFill>
-                <a:latin typeface="Arial Rounded MT Bold" panose="020F0704030504030204" pitchFamily="34" charset="0"/>
-              </a:rPr>
-              <a:t>. We found over 25 new bugs to date, but only a fraction have been fixed in the latest version of JDT.</a:t>
-            </a:r>
-          </a:p>
-          <a:p>
             <a:endParaRPr lang="en-US" altLang="zh-CN" dirty="0">
               <a:solidFill>
                 <a:schemeClr val="bg1"/>
@@ -10175,6 +12619,55 @@
             </a:endParaRPr>
           </a:p>
           <a:p>
+            <a:r>
+              <a:rPr lang="en-US" altLang="zh-CN" dirty="0">
+                <a:solidFill>
+                  <a:schemeClr val="bg1"/>
+                </a:solidFill>
+                <a:latin typeface="Arial Rounded MT Bold" panose="020F0704030504030204" pitchFamily="34" charset="0"/>
+              </a:rPr>
+              <a:t>1</a:t>
+            </a:r>
+            <a:r>
+              <a:rPr lang="zh-CN" altLang="en-US" dirty="0">
+                <a:solidFill>
+                  <a:schemeClr val="bg1"/>
+                </a:solidFill>
+                <a:latin typeface="Arial Rounded MT Bold" panose="020F0704030504030204" pitchFamily="34" charset="0"/>
+              </a:rPr>
+              <a:t>、</a:t>
+            </a:r>
+            <a:r>
+              <a:rPr lang="en-US" altLang="zh-CN" dirty="0">
+                <a:solidFill>
+                  <a:schemeClr val="bg1"/>
+                </a:solidFill>
+                <a:latin typeface="Arial Rounded MT Bold" panose="020F0704030504030204" pitchFamily="34" charset="0"/>
+              </a:rPr>
+              <a:t>JDTRE is </a:t>
+            </a:r>
+            <a:r>
+              <a:rPr lang="en-US" altLang="zh-CN" b="1" kern="0" cap="all" dirty="0">
+                <a:solidFill>
+                  <a:srgbClr val="34A5DA"/>
+                </a:solidFill>
+                <a:latin typeface="等线" panose="02010600030101010101" pitchFamily="2" charset="-122"/>
+                <a:ea typeface="等线" panose="02010600030101010101" pitchFamily="2" charset="-122"/>
+                <a:sym typeface="Avenir Next Medium"/>
+              </a:rPr>
+              <a:t>buggy</a:t>
+            </a:r>
+            <a:r>
+              <a:rPr lang="en-US" altLang="zh-CN" dirty="0">
+                <a:solidFill>
+                  <a:schemeClr val="bg1"/>
+                </a:solidFill>
+                <a:latin typeface="Arial Rounded MT Bold" panose="020F0704030504030204" pitchFamily="34" charset="0"/>
+              </a:rPr>
+              <a:t>. We found over 25 new bugs to date, but only a fraction have been fixed in the latest version of JDT.</a:t>
+            </a:r>
+          </a:p>
+          <a:p>
             <a:endParaRPr lang="en-US" altLang="zh-CN" dirty="0">
               <a:solidFill>
                 <a:schemeClr val="bg1"/>
@@ -10183,92 +12676,6 @@
             </a:endParaRPr>
           </a:p>
           <a:p>
-            <a:r>
-              <a:rPr lang="en-US" altLang="zh-CN" dirty="0">
-                <a:solidFill>
-                  <a:schemeClr val="bg1"/>
-                </a:solidFill>
-                <a:latin typeface="Arial Rounded MT Bold" panose="020F0704030504030204" pitchFamily="34" charset="0"/>
-              </a:rPr>
-              <a:t>2</a:t>
-            </a:r>
-            <a:r>
-              <a:rPr lang="zh-CN" altLang="en-US" dirty="0">
-                <a:solidFill>
-                  <a:schemeClr val="bg1"/>
-                </a:solidFill>
-                <a:latin typeface="Arial Rounded MT Bold" panose="020F0704030504030204" pitchFamily="34" charset="0"/>
-              </a:rPr>
-              <a:t>、</a:t>
-            </a:r>
-            <a:r>
-              <a:rPr lang="en-US" altLang="zh-CN" dirty="0">
-                <a:solidFill>
-                  <a:schemeClr val="bg1"/>
-                </a:solidFill>
-                <a:latin typeface="Arial Rounded MT Bold" panose="020F0704030504030204" pitchFamily="34" charset="0"/>
-              </a:rPr>
-              <a:t>We found the need for </a:t>
-            </a:r>
-            <a:r>
-              <a:rPr lang="en-US" altLang="zh-CN" kern="0" cap="all" dirty="0">
-                <a:solidFill>
-                  <a:srgbClr val="34A5DA"/>
-                </a:solidFill>
-                <a:latin typeface="等线" panose="02010600030101010101" pitchFamily="2" charset="-122"/>
-                <a:ea typeface="等线" panose="02010600030101010101" pitchFamily="2" charset="-122"/>
-              </a:rPr>
-              <a:t>additional primitive </a:t>
-            </a:r>
-            <a:r>
-              <a:rPr lang="en-US" altLang="zh-CN" kern="0" cap="all" dirty="0" err="1">
-                <a:solidFill>
-                  <a:srgbClr val="34A5DA"/>
-                </a:solidFill>
-                <a:latin typeface="等线" panose="02010600030101010101" pitchFamily="2" charset="-122"/>
-                <a:ea typeface="等线" panose="02010600030101010101" pitchFamily="2" charset="-122"/>
-              </a:rPr>
-              <a:t>refactorings</a:t>
-            </a:r>
-            <a:r>
-              <a:rPr lang="en-US" altLang="zh-CN" kern="0" cap="all" dirty="0">
-                <a:solidFill>
-                  <a:srgbClr val="34A5DA"/>
-                </a:solidFill>
-                <a:latin typeface="等线" panose="02010600030101010101" pitchFamily="2" charset="-122"/>
-                <a:ea typeface="等线" panose="02010600030101010101" pitchFamily="2" charset="-122"/>
-              </a:rPr>
-              <a:t> </a:t>
-            </a:r>
-            <a:r>
-              <a:rPr lang="en-US" altLang="zh-CN" dirty="0">
-                <a:solidFill>
-                  <a:schemeClr val="bg1"/>
-                </a:solidFill>
-                <a:latin typeface="Arial Rounded MT Bold" panose="020F0704030504030204" pitchFamily="34" charset="0"/>
-              </a:rPr>
-              <a:t>and to repair existing </a:t>
-            </a:r>
-            <a:r>
-              <a:rPr lang="en-US" altLang="zh-CN" dirty="0" err="1">
-                <a:solidFill>
-                  <a:schemeClr val="bg1"/>
-                </a:solidFill>
-                <a:latin typeface="Arial Rounded MT Bold" panose="020F0704030504030204" pitchFamily="34" charset="0"/>
-              </a:rPr>
-              <a:t>refactorings</a:t>
-            </a:r>
-            <a:r>
-              <a:rPr lang="en-US" altLang="zh-CN" dirty="0">
-                <a:solidFill>
-                  <a:schemeClr val="bg1"/>
-                </a:solidFill>
-                <a:latin typeface="Arial Rounded MT Bold" panose="020F0704030504030204" pitchFamily="34" charset="0"/>
-              </a:rPr>
-              <a:t>.</a:t>
-            </a:r>
-          </a:p>
-          <a:p>
             <a:endParaRPr lang="en-US" altLang="zh-CN" dirty="0">
               <a:solidFill>
                 <a:schemeClr val="bg1"/>
@@ -10277,6 +12684,92 @@
             </a:endParaRPr>
           </a:p>
           <a:p>
+            <a:r>
+              <a:rPr lang="en-US" altLang="zh-CN" dirty="0">
+                <a:solidFill>
+                  <a:schemeClr val="bg1"/>
+                </a:solidFill>
+                <a:latin typeface="Arial Rounded MT Bold" panose="020F0704030504030204" pitchFamily="34" charset="0"/>
+              </a:rPr>
+              <a:t>2</a:t>
+            </a:r>
+            <a:r>
+              <a:rPr lang="zh-CN" altLang="en-US" dirty="0">
+                <a:solidFill>
+                  <a:schemeClr val="bg1"/>
+                </a:solidFill>
+                <a:latin typeface="Arial Rounded MT Bold" panose="020F0704030504030204" pitchFamily="34" charset="0"/>
+              </a:rPr>
+              <a:t>、</a:t>
+            </a:r>
+            <a:r>
+              <a:rPr lang="en-US" altLang="zh-CN" dirty="0">
+                <a:solidFill>
+                  <a:schemeClr val="bg1"/>
+                </a:solidFill>
+                <a:latin typeface="Arial Rounded MT Bold" panose="020F0704030504030204" pitchFamily="34" charset="0"/>
+              </a:rPr>
+              <a:t>We found the need for </a:t>
+            </a:r>
+            <a:r>
+              <a:rPr lang="en-US" altLang="zh-CN" b="1" kern="0" cap="all" dirty="0">
+                <a:solidFill>
+                  <a:srgbClr val="34A5DA"/>
+                </a:solidFill>
+                <a:latin typeface="等线" panose="02010600030101010101" pitchFamily="2" charset="-122"/>
+                <a:ea typeface="等线" panose="02010600030101010101" pitchFamily="2" charset="-122"/>
+              </a:rPr>
+              <a:t>additional primitive </a:t>
+            </a:r>
+            <a:r>
+              <a:rPr lang="en-US" altLang="zh-CN" b="1" kern="0" cap="all" dirty="0" err="1">
+                <a:solidFill>
+                  <a:srgbClr val="34A5DA"/>
+                </a:solidFill>
+                <a:latin typeface="等线" panose="02010600030101010101" pitchFamily="2" charset="-122"/>
+                <a:ea typeface="等线" panose="02010600030101010101" pitchFamily="2" charset="-122"/>
+              </a:rPr>
+              <a:t>refactorings</a:t>
+            </a:r>
+            <a:r>
+              <a:rPr lang="en-US" altLang="zh-CN" b="1" kern="0" cap="all" dirty="0">
+                <a:solidFill>
+                  <a:srgbClr val="34A5DA"/>
+                </a:solidFill>
+                <a:latin typeface="等线" panose="02010600030101010101" pitchFamily="2" charset="-122"/>
+                <a:ea typeface="等线" panose="02010600030101010101" pitchFamily="2" charset="-122"/>
+              </a:rPr>
+              <a:t> </a:t>
+            </a:r>
+            <a:r>
+              <a:rPr lang="en-US" altLang="zh-CN" dirty="0">
+                <a:solidFill>
+                  <a:schemeClr val="bg1"/>
+                </a:solidFill>
+                <a:latin typeface="Arial Rounded MT Bold" panose="020F0704030504030204" pitchFamily="34" charset="0"/>
+              </a:rPr>
+              <a:t>and to repair existing </a:t>
+            </a:r>
+            <a:r>
+              <a:rPr lang="en-US" altLang="zh-CN" dirty="0" err="1">
+                <a:solidFill>
+                  <a:schemeClr val="bg1"/>
+                </a:solidFill>
+                <a:latin typeface="Arial Rounded MT Bold" panose="020F0704030504030204" pitchFamily="34" charset="0"/>
+              </a:rPr>
+              <a:t>refactorings</a:t>
+            </a:r>
+            <a:r>
+              <a:rPr lang="en-US" altLang="zh-CN" dirty="0">
+                <a:solidFill>
+                  <a:schemeClr val="bg1"/>
+                </a:solidFill>
+                <a:latin typeface="Arial Rounded MT Bold" panose="020F0704030504030204" pitchFamily="34" charset="0"/>
+              </a:rPr>
+              <a:t>.</a:t>
+            </a:r>
+          </a:p>
+          <a:p>
             <a:endParaRPr lang="en-US" altLang="zh-CN" dirty="0">
               <a:solidFill>
                 <a:schemeClr val="bg1"/>
@@ -10285,6 +12778,14 @@
             </a:endParaRPr>
           </a:p>
           <a:p>
+            <a:endParaRPr lang="en-US" altLang="zh-CN" dirty="0">
+              <a:solidFill>
+                <a:schemeClr val="bg1"/>
+              </a:solidFill>
+              <a:latin typeface="Arial Rounded MT Bold" panose="020F0704030504030204" pitchFamily="34" charset="0"/>
+            </a:endParaRPr>
+          </a:p>
+          <a:p>
             <a:r>
               <a:rPr lang="en-US" altLang="zh-CN" dirty="0">
                 <a:solidFill>
@@ -10313,7 +12814,7 @@
               <a:t>JDTRE is </a:t>
             </a:r>
             <a:r>
-              <a:rPr lang="en-US" altLang="zh-CN" kern="0" cap="all" dirty="0">
+              <a:rPr lang="en-US" altLang="zh-CN" b="1" kern="0" cap="all" dirty="0">
                 <a:solidFill>
                   <a:srgbClr val="34A5DA"/>
                 </a:solidFill>
@@ -10345,675 +12846,6 @@
     <p:extLst>
       <p:ext uri="{BB962C8B-B14F-4D97-AF65-F5344CB8AC3E}">
         <p14:creationId xmlns:p14="http://schemas.microsoft.com/office/powerpoint/2010/main" val="3430649949"/>
-      </p:ext>
-    </p:extLst>
-  </p:cSld>
-  <p:clrMapOvr>
-    <a:masterClrMapping/>
-  </p:clrMapOvr>
-</p:sld>
-</file>
-
-<file path=ppt/slides/slide3.xml><?xml version="1.0" encoding="utf-8"?>
-<p:sld xmlns:a="http://schemas.openxmlformats.org/drawingml/2006/main" xmlns:r="http://schemas.openxmlformats.org/officeDocument/2006/relationships" xmlns:p="http://schemas.openxmlformats.org/presentationml/2006/main">
-  <p:cSld>
-    <p:spTree>
-      <p:nvGrpSpPr>
-        <p:cNvPr id="1" name=""/>
-        <p:cNvGrpSpPr/>
-        <p:nvPr/>
-      </p:nvGrpSpPr>
-      <p:grpSpPr>
-        <a:xfrm>
-          <a:off x="0" y="0"/>
-          <a:ext cx="0" cy="0"/>
-          <a:chOff x="0" y="0"/>
-          <a:chExt cx="0" cy="0"/>
-        </a:xfrm>
-      </p:grpSpPr>
-      <p:sp>
-        <p:nvSpPr>
-          <p:cNvPr id="8" name="Shape 180">
-            <a:extLst>
-              <a:ext uri="{FF2B5EF4-FFF2-40B4-BE49-F238E27FC236}">
-                <a16:creationId xmlns:a16="http://schemas.microsoft.com/office/drawing/2014/main" id="{732D47E1-E9FC-40EB-8A0F-BC6A517BA959}"/>
-              </a:ext>
-            </a:extLst>
-          </p:cNvPr>
-          <p:cNvSpPr txBox="1">
-            <a:spLocks/>
-          </p:cNvSpPr>
-          <p:nvPr/>
-        </p:nvSpPr>
-        <p:spPr>
-          <a:xfrm>
-            <a:off x="357810" y="285662"/>
-            <a:ext cx="9310066" cy="421768"/>
-          </a:xfrm>
-          <a:prstGeom prst="rect">
-            <a:avLst/>
-          </a:prstGeom>
-        </p:spPr>
-        <p:txBody>
-          <a:bodyPr/>
-          <a:lstStyle>
-            <a:lvl1pPr marL="444500" marR="0" indent="-444500" algn="l" defTabSz="584200" latinLnBrk="0">
-              <a:lnSpc>
-                <a:spcPct val="100000"/>
-              </a:lnSpc>
-              <a:spcBef>
-                <a:spcPts val="2800"/>
-              </a:spcBef>
-              <a:spcAft>
-                <a:spcPts val="0"/>
-              </a:spcAft>
-              <a:buClr>
-                <a:schemeClr val="accent1">
-                  <a:satOff val="-4060"/>
-                </a:schemeClr>
-              </a:buClr>
-              <a:buSzPct val="104999"/>
-              <a:buFont typeface="Avenir Next"/>
-              <a:buChar char="‣"/>
-              <a:tabLst/>
-              <a:defRPr sz="3400" b="0" i="0" u="none" strike="noStrike" cap="none" spc="0" baseline="0">
-                <a:ln>
-                  <a:noFill/>
-                </a:ln>
-                <a:solidFill>
-                  <a:srgbClr val="838787"/>
-                </a:solidFill>
-                <a:uFillTx/>
-                <a:latin typeface="Avenir Next Medium"/>
-                <a:ea typeface="Avenir Next Medium"/>
-                <a:cs typeface="Avenir Next Medium"/>
-                <a:sym typeface="Avenir Next Medium"/>
-              </a:defRPr>
-            </a:lvl1pPr>
-            <a:lvl2pPr marL="889000" marR="0" indent="-444500" algn="l" defTabSz="584200" latinLnBrk="0">
-              <a:lnSpc>
-                <a:spcPct val="100000"/>
-              </a:lnSpc>
-              <a:spcBef>
-                <a:spcPts val="2800"/>
-              </a:spcBef>
-              <a:spcAft>
-                <a:spcPts val="0"/>
-              </a:spcAft>
-              <a:buClr>
-                <a:schemeClr val="accent1">
-                  <a:satOff val="-4060"/>
-                </a:schemeClr>
-              </a:buClr>
-              <a:buSzPct val="104999"/>
-              <a:buFont typeface="Avenir Next"/>
-              <a:buChar char="‣"/>
-              <a:tabLst/>
-              <a:defRPr sz="3400" b="0" i="0" u="none" strike="noStrike" cap="none" spc="0" baseline="0">
-                <a:ln>
-                  <a:noFill/>
-                </a:ln>
-                <a:solidFill>
-                  <a:srgbClr val="838787"/>
-                </a:solidFill>
-                <a:uFillTx/>
-                <a:latin typeface="Avenir Next Medium"/>
-                <a:ea typeface="Avenir Next Medium"/>
-                <a:cs typeface="Avenir Next Medium"/>
-                <a:sym typeface="Avenir Next Medium"/>
-              </a:defRPr>
-            </a:lvl2pPr>
-            <a:lvl3pPr marL="1333500" marR="0" indent="-444500" algn="l" defTabSz="584200" latinLnBrk="0">
-              <a:lnSpc>
-                <a:spcPct val="100000"/>
-              </a:lnSpc>
-              <a:spcBef>
-                <a:spcPts val="2800"/>
-              </a:spcBef>
-              <a:spcAft>
-                <a:spcPts val="0"/>
-              </a:spcAft>
-              <a:buClr>
-                <a:schemeClr val="accent1">
-                  <a:satOff val="-4060"/>
-                </a:schemeClr>
-              </a:buClr>
-              <a:buSzPct val="104999"/>
-              <a:buFont typeface="Avenir Next"/>
-              <a:buChar char="‣"/>
-              <a:tabLst/>
-              <a:defRPr sz="3400" b="0" i="0" u="none" strike="noStrike" cap="none" spc="0" baseline="0">
-                <a:ln>
-                  <a:noFill/>
-                </a:ln>
-                <a:solidFill>
-                  <a:srgbClr val="838787"/>
-                </a:solidFill>
-                <a:uFillTx/>
-                <a:latin typeface="Avenir Next Medium"/>
-                <a:ea typeface="Avenir Next Medium"/>
-                <a:cs typeface="Avenir Next Medium"/>
-                <a:sym typeface="Avenir Next Medium"/>
-              </a:defRPr>
-            </a:lvl3pPr>
-            <a:lvl4pPr marL="1778000" marR="0" indent="-444500" algn="l" defTabSz="584200" latinLnBrk="0">
-              <a:lnSpc>
-                <a:spcPct val="100000"/>
-              </a:lnSpc>
-              <a:spcBef>
-                <a:spcPts val="2800"/>
-              </a:spcBef>
-              <a:spcAft>
-                <a:spcPts val="0"/>
-              </a:spcAft>
-              <a:buClr>
-                <a:schemeClr val="accent1">
-                  <a:satOff val="-4060"/>
-                </a:schemeClr>
-              </a:buClr>
-              <a:buSzPct val="104999"/>
-              <a:buFont typeface="Avenir Next"/>
-              <a:buChar char="‣"/>
-              <a:tabLst/>
-              <a:defRPr sz="3400" b="0" i="0" u="none" strike="noStrike" cap="none" spc="0" baseline="0">
-                <a:ln>
-                  <a:noFill/>
-                </a:ln>
-                <a:solidFill>
-                  <a:srgbClr val="838787"/>
-                </a:solidFill>
-                <a:uFillTx/>
-                <a:latin typeface="Avenir Next Medium"/>
-                <a:ea typeface="Avenir Next Medium"/>
-                <a:cs typeface="Avenir Next Medium"/>
-                <a:sym typeface="Avenir Next Medium"/>
-              </a:defRPr>
-            </a:lvl4pPr>
-            <a:lvl5pPr marL="2222500" marR="0" indent="-444500" algn="l" defTabSz="584200" latinLnBrk="0">
-              <a:lnSpc>
-                <a:spcPct val="100000"/>
-              </a:lnSpc>
-              <a:spcBef>
-                <a:spcPts val="2800"/>
-              </a:spcBef>
-              <a:spcAft>
-                <a:spcPts val="0"/>
-              </a:spcAft>
-              <a:buClr>
-                <a:schemeClr val="accent1">
-                  <a:satOff val="-4060"/>
-                </a:schemeClr>
-              </a:buClr>
-              <a:buSzPct val="104999"/>
-              <a:buFont typeface="Avenir Next"/>
-              <a:buChar char="‣"/>
-              <a:tabLst/>
-              <a:defRPr sz="3400" b="0" i="0" u="none" strike="noStrike" cap="none" spc="0" baseline="0">
-                <a:ln>
-                  <a:noFill/>
-                </a:ln>
-                <a:solidFill>
-                  <a:srgbClr val="838787"/>
-                </a:solidFill>
-                <a:uFillTx/>
-                <a:latin typeface="Avenir Next Medium"/>
-                <a:ea typeface="Avenir Next Medium"/>
-                <a:cs typeface="Avenir Next Medium"/>
-                <a:sym typeface="Avenir Next Medium"/>
-              </a:defRPr>
-            </a:lvl5pPr>
-            <a:lvl6pPr marL="2667000" marR="0" indent="-444500" algn="l" defTabSz="584200" latinLnBrk="0">
-              <a:lnSpc>
-                <a:spcPct val="100000"/>
-              </a:lnSpc>
-              <a:spcBef>
-                <a:spcPts val="2800"/>
-              </a:spcBef>
-              <a:spcAft>
-                <a:spcPts val="0"/>
-              </a:spcAft>
-              <a:buClr>
-                <a:schemeClr val="accent1">
-                  <a:satOff val="-4060"/>
-                </a:schemeClr>
-              </a:buClr>
-              <a:buSzPct val="104999"/>
-              <a:buFont typeface="Avenir Next"/>
-              <a:buChar char="‣"/>
-              <a:tabLst/>
-              <a:defRPr sz="3400" b="0" i="0" u="none" strike="noStrike" cap="none" spc="0" baseline="0">
-                <a:ln>
-                  <a:noFill/>
-                </a:ln>
-                <a:solidFill>
-                  <a:srgbClr val="838787"/>
-                </a:solidFill>
-                <a:uFillTx/>
-                <a:latin typeface="Avenir Next Medium"/>
-                <a:ea typeface="Avenir Next Medium"/>
-                <a:cs typeface="Avenir Next Medium"/>
-                <a:sym typeface="Avenir Next Medium"/>
-              </a:defRPr>
-            </a:lvl6pPr>
-            <a:lvl7pPr marL="3111500" marR="0" indent="-444500" algn="l" defTabSz="584200" latinLnBrk="0">
-              <a:lnSpc>
-                <a:spcPct val="100000"/>
-              </a:lnSpc>
-              <a:spcBef>
-                <a:spcPts val="2800"/>
-              </a:spcBef>
-              <a:spcAft>
-                <a:spcPts val="0"/>
-              </a:spcAft>
-              <a:buClr>
-                <a:schemeClr val="accent1">
-                  <a:satOff val="-4060"/>
-                </a:schemeClr>
-              </a:buClr>
-              <a:buSzPct val="104999"/>
-              <a:buFont typeface="Avenir Next"/>
-              <a:buChar char="‣"/>
-              <a:tabLst/>
-              <a:defRPr sz="3400" b="0" i="0" u="none" strike="noStrike" cap="none" spc="0" baseline="0">
-                <a:ln>
-                  <a:noFill/>
-                </a:ln>
-                <a:solidFill>
-                  <a:srgbClr val="838787"/>
-                </a:solidFill>
-                <a:uFillTx/>
-                <a:latin typeface="Avenir Next Medium"/>
-                <a:ea typeface="Avenir Next Medium"/>
-                <a:cs typeface="Avenir Next Medium"/>
-                <a:sym typeface="Avenir Next Medium"/>
-              </a:defRPr>
-            </a:lvl7pPr>
-            <a:lvl8pPr marL="3556000" marR="0" indent="-444500" algn="l" defTabSz="584200" latinLnBrk="0">
-              <a:lnSpc>
-                <a:spcPct val="100000"/>
-              </a:lnSpc>
-              <a:spcBef>
-                <a:spcPts val="2800"/>
-              </a:spcBef>
-              <a:spcAft>
-                <a:spcPts val="0"/>
-              </a:spcAft>
-              <a:buClr>
-                <a:schemeClr val="accent1">
-                  <a:satOff val="-4060"/>
-                </a:schemeClr>
-              </a:buClr>
-              <a:buSzPct val="104999"/>
-              <a:buFont typeface="Avenir Next"/>
-              <a:buChar char="‣"/>
-              <a:tabLst/>
-              <a:defRPr sz="3400" b="0" i="0" u="none" strike="noStrike" cap="none" spc="0" baseline="0">
-                <a:ln>
-                  <a:noFill/>
-                </a:ln>
-                <a:solidFill>
-                  <a:srgbClr val="838787"/>
-                </a:solidFill>
-                <a:uFillTx/>
-                <a:latin typeface="Avenir Next Medium"/>
-                <a:ea typeface="Avenir Next Medium"/>
-                <a:cs typeface="Avenir Next Medium"/>
-                <a:sym typeface="Avenir Next Medium"/>
-              </a:defRPr>
-            </a:lvl8pPr>
-            <a:lvl9pPr marL="4000500" marR="0" indent="-444500" algn="l" defTabSz="584200" latinLnBrk="0">
-              <a:lnSpc>
-                <a:spcPct val="100000"/>
-              </a:lnSpc>
-              <a:spcBef>
-                <a:spcPts val="2800"/>
-              </a:spcBef>
-              <a:spcAft>
-                <a:spcPts val="0"/>
-              </a:spcAft>
-              <a:buClr>
-                <a:schemeClr val="accent1">
-                  <a:satOff val="-4060"/>
-                </a:schemeClr>
-              </a:buClr>
-              <a:buSzPct val="104999"/>
-              <a:buFont typeface="Avenir Next"/>
-              <a:buChar char="‣"/>
-              <a:tabLst/>
-              <a:defRPr sz="3400" b="0" i="0" u="none" strike="noStrike" cap="none" spc="0" baseline="0">
-                <a:ln>
-                  <a:noFill/>
-                </a:ln>
-                <a:solidFill>
-                  <a:srgbClr val="838787"/>
-                </a:solidFill>
-                <a:uFillTx/>
-                <a:latin typeface="Avenir Next Medium"/>
-                <a:ea typeface="Avenir Next Medium"/>
-                <a:cs typeface="Avenir Next Medium"/>
-                <a:sym typeface="Avenir Next Medium"/>
-              </a:defRPr>
-            </a:lvl9pPr>
-          </a:lstStyle>
-          <a:p>
-            <a:pPr marL="0" indent="0" defTabSz="410751">
-              <a:spcBef>
-                <a:spcPts val="1969"/>
-              </a:spcBef>
-              <a:buClr>
-                <a:srgbClr val="34A5DA">
-                  <a:satOff val="-4060"/>
-                </a:srgbClr>
-              </a:buClr>
-              <a:buNone/>
-            </a:pPr>
-            <a:r>
-              <a:rPr kumimoji="0" lang="en-US" altLang="zh-CN" sz="1800" b="1" i="0" u="none" strike="noStrike" kern="0" cap="all" spc="0" normalizeH="0" baseline="0" noProof="0" dirty="0">
-                <a:ln>
-                  <a:noFill/>
-                </a:ln>
-                <a:solidFill>
-                  <a:srgbClr val="34A5DA"/>
-                </a:solidFill>
-                <a:effectLst/>
-                <a:uLnTx/>
-                <a:uFillTx/>
-                <a:latin typeface="等线" panose="02010600030101010101" pitchFamily="2" charset="-122"/>
-                <a:ea typeface="等线" panose="02010600030101010101" pitchFamily="2" charset="-122"/>
-                <a:sym typeface="Baskerville"/>
-              </a:rPr>
-              <a:t>A review of R2</a:t>
-            </a:r>
-            <a:endParaRPr lang="zh-CN" altLang="en-US" sz="1687" kern="0" dirty="0"/>
-          </a:p>
-        </p:txBody>
-      </p:sp>
-      <p:pic>
-        <p:nvPicPr>
-          <p:cNvPr id="3" name="图片 2">
-            <a:extLst>
-              <a:ext uri="{FF2B5EF4-FFF2-40B4-BE49-F238E27FC236}">
-                <a16:creationId xmlns:a16="http://schemas.microsoft.com/office/drawing/2014/main" id="{8597DB01-D333-434C-B4D9-0AD05F6644E9}"/>
-              </a:ext>
-            </a:extLst>
-          </p:cNvPr>
-          <p:cNvPicPr>
-            <a:picLocks noChangeAspect="1"/>
-          </p:cNvPicPr>
-          <p:nvPr/>
-        </p:nvPicPr>
-        <p:blipFill>
-          <a:blip r:embed="rId2"/>
-          <a:stretch>
-            <a:fillRect/>
-          </a:stretch>
-        </p:blipFill>
-        <p:spPr>
-          <a:xfrm>
-            <a:off x="801592" y="2104288"/>
-            <a:ext cx="3322352" cy="2882630"/>
-          </a:xfrm>
-          <a:prstGeom prst="rect">
-            <a:avLst/>
-          </a:prstGeom>
-        </p:spPr>
-      </p:pic>
-      <p:sp>
-        <p:nvSpPr>
-          <p:cNvPr id="10" name="文本框 9">
-            <a:extLst>
-              <a:ext uri="{FF2B5EF4-FFF2-40B4-BE49-F238E27FC236}">
-                <a16:creationId xmlns:a16="http://schemas.microsoft.com/office/drawing/2014/main" id="{09483375-B6A5-47A1-84AE-C79FD36410E3}"/>
-              </a:ext>
-            </a:extLst>
-          </p:cNvPr>
-          <p:cNvSpPr txBox="1"/>
-          <p:nvPr/>
-        </p:nvSpPr>
-        <p:spPr>
-          <a:xfrm>
-            <a:off x="357810" y="5084401"/>
-            <a:ext cx="5006042" cy="1477328"/>
-          </a:xfrm>
-          <a:prstGeom prst="rect">
-            <a:avLst/>
-          </a:prstGeom>
-          <a:noFill/>
-          <a:ln w="12700" cap="flat">
-            <a:noFill/>
-            <a:miter lim="400000"/>
-          </a:ln>
-          <a:effectLst/>
-          <a:sp3d/>
-        </p:spPr>
-        <p:style>
-          <a:lnRef idx="0">
-            <a:scrgbClr r="0" g="0" b="0"/>
-          </a:lnRef>
-          <a:fillRef idx="0">
-            <a:scrgbClr r="0" g="0" b="0"/>
-          </a:fillRef>
-          <a:effectRef idx="0">
-            <a:scrgbClr r="0" g="0" b="0"/>
-          </a:effectRef>
-          <a:fontRef idx="none"/>
-        </p:style>
-        <p:txBody>
-          <a:bodyPr wrap="square">
-            <a:spAutoFit/>
-          </a:bodyPr>
-          <a:lstStyle/>
-          <a:p>
-            <a:r>
-              <a:rPr lang="zh-CN" altLang="en-US" dirty="0">
-                <a:solidFill>
-                  <a:schemeClr val="bg1"/>
-                </a:solidFill>
-                <a:latin typeface="Arial Rounded MT Bold" panose="020F0704030504030204" pitchFamily="34" charset="0"/>
-              </a:rPr>
-              <a:t>The program in Figure 1 has 7 R2 objects:</a:t>
-            </a:r>
-            <a:endParaRPr lang="en-US" altLang="zh-CN" dirty="0">
-              <a:solidFill>
-                <a:schemeClr val="bg1"/>
-              </a:solidFill>
-              <a:latin typeface="Arial Rounded MT Bold" panose="020F0704030504030204" pitchFamily="34" charset="0"/>
-            </a:endParaRPr>
-          </a:p>
-          <a:p>
-            <a:endParaRPr lang="en-US" altLang="zh-CN" dirty="0">
-              <a:solidFill>
-                <a:schemeClr val="bg1"/>
-              </a:solidFill>
-              <a:latin typeface="Arial Rounded MT Bold" panose="020F0704030504030204" pitchFamily="34" charset="0"/>
-            </a:endParaRPr>
-          </a:p>
-          <a:p>
-            <a:r>
-              <a:rPr lang="zh-CN" altLang="en-US" dirty="0">
-                <a:solidFill>
-                  <a:schemeClr val="bg1"/>
-                </a:solidFill>
-                <a:latin typeface="Arial Rounded MT Bold" panose="020F0704030504030204" pitchFamily="34" charset="0"/>
-              </a:rPr>
-              <a:t>3classes</a:t>
-            </a:r>
-            <a:r>
-              <a:rPr lang="en-US" altLang="zh-CN" dirty="0">
-                <a:solidFill>
-                  <a:schemeClr val="bg1"/>
-                </a:solidFill>
-                <a:latin typeface="Arial Rounded MT Bold" panose="020F0704030504030204" pitchFamily="34" charset="0"/>
-              </a:rPr>
-              <a:t>:</a:t>
-            </a:r>
-            <a:r>
-              <a:rPr lang="zh-CN" altLang="en-US" dirty="0">
-                <a:solidFill>
-                  <a:schemeClr val="bg1"/>
-                </a:solidFill>
-                <a:latin typeface="Arial Rounded MT Bold" panose="020F0704030504030204" pitchFamily="34" charset="0"/>
-              </a:rPr>
-              <a:t>Graphic,Square,Picture </a:t>
-            </a:r>
-            <a:endParaRPr lang="en-US" altLang="zh-CN" dirty="0">
-              <a:solidFill>
-                <a:schemeClr val="bg1"/>
-              </a:solidFill>
-              <a:latin typeface="Arial Rounded MT Bold" panose="020F0704030504030204" pitchFamily="34" charset="0"/>
-            </a:endParaRPr>
-          </a:p>
-          <a:p>
-            <a:r>
-              <a:rPr lang="zh-CN" altLang="en-US" dirty="0">
-                <a:solidFill>
-                  <a:schemeClr val="bg1"/>
-                </a:solidFill>
-                <a:latin typeface="Arial Rounded MT Bold" panose="020F0704030504030204" pitchFamily="34" charset="0"/>
-              </a:rPr>
-              <a:t>4 methods</a:t>
-            </a:r>
-            <a:r>
-              <a:rPr lang="en-US" altLang="zh-CN" dirty="0">
-                <a:solidFill>
-                  <a:schemeClr val="bg1"/>
-                </a:solidFill>
-                <a:latin typeface="Arial Rounded MT Bold" panose="020F0704030504030204" pitchFamily="34" charset="0"/>
-              </a:rPr>
-              <a:t>:</a:t>
-            </a:r>
-            <a:r>
-              <a:rPr lang="zh-CN" altLang="en-US" dirty="0">
-                <a:solidFill>
-                  <a:schemeClr val="bg1"/>
-                </a:solidFill>
-                <a:latin typeface="Arial Rounded MT Bold" panose="020F0704030504030204" pitchFamily="34" charset="0"/>
-              </a:rPr>
-              <a:t> Graphic.draw,Square.draw,</a:t>
-            </a:r>
-            <a:endParaRPr lang="en-US" altLang="zh-CN" dirty="0">
-              <a:solidFill>
-                <a:schemeClr val="bg1"/>
-              </a:solidFill>
-              <a:latin typeface="Arial Rounded MT Bold" panose="020F0704030504030204" pitchFamily="34" charset="0"/>
-            </a:endParaRPr>
-          </a:p>
-          <a:p>
-            <a:r>
-              <a:rPr lang="zh-CN" altLang="en-US" dirty="0">
-                <a:solidFill>
-                  <a:schemeClr val="bg1"/>
-                </a:solidFill>
-                <a:latin typeface="Arial Rounded MT Bold" panose="020F0704030504030204" pitchFamily="34" charset="0"/>
-              </a:rPr>
-              <a:t>Picture.add,Picture.draw.</a:t>
-            </a:r>
-          </a:p>
-        </p:txBody>
-      </p:sp>
-      <p:pic>
-        <p:nvPicPr>
-          <p:cNvPr id="6" name="图片 5">
-            <a:extLst>
-              <a:ext uri="{FF2B5EF4-FFF2-40B4-BE49-F238E27FC236}">
-                <a16:creationId xmlns:a16="http://schemas.microsoft.com/office/drawing/2014/main" id="{D6701A71-6A96-4AFC-9968-AFAB2A45E40E}"/>
-              </a:ext>
-            </a:extLst>
-          </p:cNvPr>
-          <p:cNvPicPr>
-            <a:picLocks noChangeAspect="1"/>
-          </p:cNvPicPr>
-          <p:nvPr/>
-        </p:nvPicPr>
-        <p:blipFill>
-          <a:blip r:embed="rId3"/>
-          <a:stretch>
-            <a:fillRect/>
-          </a:stretch>
-        </p:blipFill>
-        <p:spPr>
-          <a:xfrm>
-            <a:off x="5520326" y="862593"/>
-            <a:ext cx="6524625" cy="4124325"/>
-          </a:xfrm>
-          <a:prstGeom prst="rect">
-            <a:avLst/>
-          </a:prstGeom>
-        </p:spPr>
-      </p:pic>
-      <p:sp>
-        <p:nvSpPr>
-          <p:cNvPr id="14" name="文本框 13">
-            <a:extLst>
-              <a:ext uri="{FF2B5EF4-FFF2-40B4-BE49-F238E27FC236}">
-                <a16:creationId xmlns:a16="http://schemas.microsoft.com/office/drawing/2014/main" id="{FC020F9C-475C-4BC3-B162-51CF2DCD1236}"/>
-              </a:ext>
-            </a:extLst>
-          </p:cNvPr>
-          <p:cNvSpPr txBox="1"/>
-          <p:nvPr/>
-        </p:nvSpPr>
-        <p:spPr>
-          <a:xfrm>
-            <a:off x="6097572" y="5084401"/>
-            <a:ext cx="6094428" cy="646331"/>
-          </a:xfrm>
-          <a:prstGeom prst="rect">
-            <a:avLst/>
-          </a:prstGeom>
-          <a:noFill/>
-          <a:ln w="12700" cap="flat">
-            <a:noFill/>
-            <a:miter lim="400000"/>
-          </a:ln>
-          <a:effectLst/>
-          <a:sp3d/>
-        </p:spPr>
-        <p:style>
-          <a:lnRef idx="0">
-            <a:scrgbClr r="0" g="0" b="0"/>
-          </a:lnRef>
-          <a:fillRef idx="0">
-            <a:scrgbClr r="0" g="0" b="0"/>
-          </a:fillRef>
-          <a:effectRef idx="0">
-            <a:scrgbClr r="0" g="0" b="0"/>
-          </a:effectRef>
-          <a:fontRef idx="none"/>
-        </p:style>
-        <p:txBody>
-          <a:bodyPr wrap="square">
-            <a:spAutoFit/>
-          </a:bodyPr>
-          <a:lstStyle/>
-          <a:p>
-            <a:r>
-              <a:rPr lang="zh-CN" altLang="en-US" dirty="0">
-                <a:solidFill>
-                  <a:schemeClr val="bg1"/>
-                </a:solidFill>
-                <a:latin typeface="Arial Rounded MT Bold" panose="020F0704030504030204" pitchFamily="34" charset="0"/>
-              </a:rPr>
-              <a:t>Table I lists a few methods that can be performed on</a:t>
-            </a:r>
-          </a:p>
-          <a:p>
-            <a:r>
-              <a:rPr lang="zh-CN" altLang="en-US" dirty="0">
-                <a:solidFill>
-                  <a:schemeClr val="bg1"/>
-                </a:solidFill>
-                <a:latin typeface="Arial Rounded MT Bold" panose="020F0704030504030204" pitchFamily="34" charset="0"/>
-              </a:rPr>
-              <a:t>R2class and method objects</a:t>
-            </a:r>
-          </a:p>
-        </p:txBody>
-      </p:sp>
-    </p:spTree>
-    <p:extLst>
-      <p:ext uri="{BB962C8B-B14F-4D97-AF65-F5344CB8AC3E}">
-        <p14:creationId xmlns:p14="http://schemas.microsoft.com/office/powerpoint/2010/main" val="2090975238"/>
       </p:ext>
     </p:extLst>
   </p:cSld>
@@ -11411,8 +13243,8 @@
         </p:nvSpPr>
         <p:spPr>
           <a:xfrm>
-            <a:off x="357810" y="1687175"/>
-            <a:ext cx="11501958" cy="4801314"/>
+            <a:off x="357810" y="1254270"/>
+            <a:ext cx="11501958" cy="4524315"/>
           </a:xfrm>
           <a:prstGeom prst="rect">
             <a:avLst/>
@@ -11443,35 +13275,6 @@
           </a:bodyPr>
           <a:lstStyle/>
           <a:p>
-            <a:r>
-              <a:rPr lang="en-US" altLang="zh-CN" dirty="0">
-                <a:solidFill>
-                  <a:schemeClr val="bg1"/>
-                </a:solidFill>
-                <a:latin typeface="Arial Rounded MT Bold" panose="020F0704030504030204" pitchFamily="34" charset="0"/>
-              </a:rPr>
-              <a:t>R3 is a</a:t>
-            </a:r>
-            <a:r>
-              <a:rPr lang="zh-CN" altLang="en-US" dirty="0">
-                <a:solidFill>
-                  <a:schemeClr val="bg1"/>
-                </a:solidFill>
-                <a:latin typeface="Arial Rounded MT Bold" panose="020F0704030504030204" pitchFamily="34" charset="0"/>
-              </a:rPr>
-              <a:t> novel foundation using database+pretty printing for designing a new generation of refactoring engines that allows scripting</a:t>
-            </a:r>
-            <a:r>
-              <a:rPr lang="en-US" altLang="zh-CN" dirty="0">
-                <a:solidFill>
-                  <a:schemeClr val="bg1"/>
-                </a:solidFill>
-                <a:latin typeface="Arial Rounded MT Bold" panose="020F0704030504030204" pitchFamily="34" charset="0"/>
-              </a:rPr>
-              <a:t>, which yields a significant increase in refactoring speed and has smaller codebase, and comparable reliability to JDTRE.</a:t>
-            </a:r>
-          </a:p>
-          <a:p>
             <a:endParaRPr lang="en-US" altLang="zh-CN" dirty="0">
               <a:solidFill>
                 <a:schemeClr val="bg1"/>
@@ -11489,6 +13292,22 @@
               </a:rPr>
               <a:t>The contributions of this paper are:</a:t>
             </a:r>
+          </a:p>
+          <a:p>
+            <a:endParaRPr lang="en-US" altLang="zh-CN" dirty="0">
+              <a:solidFill>
+                <a:schemeClr val="bg1"/>
+              </a:solidFill>
+              <a:latin typeface="Arial Rounded MT Bold" panose="020F0704030504030204" pitchFamily="34" charset="0"/>
+            </a:endParaRPr>
+          </a:p>
+          <a:p>
+            <a:endParaRPr lang="en-US" altLang="zh-CN" dirty="0">
+              <a:solidFill>
+                <a:schemeClr val="bg1"/>
+              </a:solidFill>
+              <a:latin typeface="Arial Rounded MT Bold" panose="020F0704030504030204" pitchFamily="34" charset="0"/>
+            </a:endParaRPr>
           </a:p>
           <a:p>
             <a:endParaRPr lang="en-US" altLang="zh-CN" dirty="0">
@@ -11851,7 +13670,7 @@
         <p:spPr>
           <a:xfrm>
             <a:off x="732282" y="3636737"/>
-            <a:ext cx="10531602" cy="646331"/>
+            <a:ext cx="10531602" cy="923330"/>
           </a:xfrm>
           <a:prstGeom prst="rect">
             <a:avLst/>
@@ -11907,27 +13726,17 @@
                 </a:solidFill>
                 <a:latin typeface="Arial Rounded MT Bold" panose="020F0704030504030204" pitchFamily="34" charset="0"/>
               </a:rPr>
-              <a:t>if we ‘view’ a function as a member of different class,  its signature would appear different. But we can o</a:t>
-            </a:r>
-            <a:r>
-              <a:rPr lang="zh-CN" altLang="en-US" dirty="0">
-                <a:solidFill>
-                  <a:schemeClr val="bg1"/>
-                </a:solidFill>
-                <a:latin typeface="Arial Rounded MT Bold" panose="020F0704030504030204" pitchFamily="34" charset="0"/>
-              </a:rPr>
-              <a:t>bserve that an </a:t>
-            </a:r>
-            <a:r>
-              <a:rPr lang="zh-CN" altLang="en-US" b="1" kern="0" cap="all" dirty="0">
+              <a:t>if we ‘view’ a function as a member of different class,  its signature would appear different. R3 strips away OO notation, use </a:t>
+            </a:r>
+            <a:r>
+              <a:rPr lang="en-US" altLang="zh-CN" b="1" kern="0" cap="all" dirty="0">
                 <a:solidFill>
                   <a:srgbClr val="34A5DA"/>
                 </a:solidFill>
                 <a:latin typeface="等线" panose="02010600030101010101" pitchFamily="2" charset="-122"/>
                 <a:ea typeface="等线" panose="02010600030101010101" pitchFamily="2" charset="-122"/>
-                <a:sym typeface="Avenir Next Medium"/>
-              </a:rPr>
-              <a:t>AST is never altered by a display</a:t>
+              </a:rPr>
+              <a:t>absolute Function </a:t>
             </a:r>
             <a:r>
               <a:rPr lang="en-US" altLang="zh-CN" dirty="0">
@@ -11936,7 +13745,25 @@
                 </a:solidFill>
                 <a:latin typeface="Arial Rounded MT Bold" panose="020F0704030504030204" pitchFamily="34" charset="0"/>
               </a:rPr>
-              <a:t>.</a:t>
+              <a:t>that all method parameters are explicit  as </a:t>
+            </a:r>
+            <a:r>
+              <a:rPr lang="zh-CN" altLang="en-US" dirty="0">
+                <a:solidFill>
+                  <a:schemeClr val="bg1"/>
+                </a:solidFill>
+                <a:latin typeface="Arial Rounded MT Bold" panose="020F0704030504030204" pitchFamily="34" charset="0"/>
+              </a:rPr>
+              <a:t>Figure </a:t>
+            </a:r>
+            <a:r>
+              <a:rPr lang="en-US" altLang="zh-CN" dirty="0">
+                <a:solidFill>
+                  <a:schemeClr val="bg1"/>
+                </a:solidFill>
+                <a:latin typeface="Arial Rounded MT Bold" panose="020F0704030504030204" pitchFamily="34" charset="0"/>
+              </a:rPr>
+              <a:t>4(a). </a:t>
             </a:r>
             <a:endParaRPr lang="zh-CN" altLang="en-US" dirty="0">
               <a:solidFill>
@@ -11994,13 +13821,40 @@
           <a:lstStyle/>
           <a:p>
             <a:r>
+              <a:rPr lang="en-US" altLang="zh-CN" dirty="0">
+                <a:solidFill>
+                  <a:schemeClr val="bg1"/>
+                </a:solidFill>
+                <a:latin typeface="Arial Rounded MT Bold" panose="020F0704030504030204" pitchFamily="34" charset="0"/>
+              </a:rPr>
+              <a:t>Connecting these ideas to refactoring, </a:t>
+            </a:r>
+            <a:r>
+              <a:rPr lang="en-US" altLang="zh-CN" dirty="0" err="1">
+                <a:solidFill>
+                  <a:schemeClr val="bg1"/>
+                </a:solidFill>
+                <a:latin typeface="Arial Rounded MT Bold" panose="020F0704030504030204" pitchFamily="34" charset="0"/>
+              </a:rPr>
+              <a:t>recallIntentional</a:t>
+            </a:r>
+            <a:r>
+              <a:rPr lang="en-US" altLang="zh-CN" dirty="0">
+                <a:solidFill>
+                  <a:schemeClr val="bg1"/>
+                </a:solidFill>
+                <a:latin typeface="Arial Rounded MT Bold" panose="020F0704030504030204" pitchFamily="34" charset="0"/>
+              </a:rPr>
+              <a:t> Programming (IP), we can o</a:t>
+            </a:r>
+            <a:r>
               <a:rPr lang="zh-CN" altLang="en-US" dirty="0">
                 <a:solidFill>
                   <a:schemeClr val="bg1"/>
                 </a:solidFill>
                 <a:latin typeface="Arial Rounded MT Bold" panose="020F0704030504030204" pitchFamily="34" charset="0"/>
               </a:rPr>
-              <a:t>The move-method refactoring, which is what Figure 5 is about, is a coordinate transformation for software; it should preserve the semantic properties of a program. The </a:t>
+              <a:t>bserve that an </a:t>
             </a:r>
             <a:r>
               <a:rPr lang="zh-CN" altLang="en-US" b="1" kern="0" cap="all" dirty="0">
@@ -12011,18 +13865,75 @@
                 <a:ea typeface="等线" panose="02010600030101010101" pitchFamily="2" charset="-122"/>
                 <a:sym typeface="Avenir Next Medium"/>
               </a:rPr>
-              <a:t>same holds for other primitive refactorings in R3</a:t>
-            </a:r>
-            <a:r>
-              <a:rPr lang="zh-CN" altLang="en-US" dirty="0">
+              <a:t>AST is never altered by a display</a:t>
+            </a:r>
+            <a:r>
+              <a:rPr lang="en-US" altLang="zh-CN" b="1" kern="0" cap="all" dirty="0">
+                <a:solidFill>
+                  <a:srgbClr val="34A5DA"/>
+                </a:solidFill>
+                <a:latin typeface="等线" panose="02010600030101010101" pitchFamily="2" charset="-122"/>
+                <a:ea typeface="等线" panose="02010600030101010101" pitchFamily="2" charset="-122"/>
+                <a:sym typeface="Avenir Next Medium"/>
+              </a:rPr>
+              <a:t>, </a:t>
+            </a:r>
+            <a:r>
+              <a:rPr lang="en-US" altLang="zh-CN" dirty="0">
                 <a:solidFill>
                   <a:schemeClr val="bg1"/>
                 </a:solidFill>
                 <a:latin typeface="Arial Rounded MT Bold" panose="020F0704030504030204" pitchFamily="34" charset="0"/>
                 <a:sym typeface="Avenir Next Medium"/>
               </a:rPr>
-              <a:t>.</a:t>
-            </a:r>
+              <a:t>The AST is </a:t>
+            </a:r>
+            <a:r>
+              <a:rPr lang="en-US" altLang="zh-CN" b="1" kern="0" cap="all" dirty="0">
+                <a:solidFill>
+                  <a:srgbClr val="34A5DA"/>
+                </a:solidFill>
+                <a:latin typeface="等线" panose="02010600030101010101" pitchFamily="2" charset="-122"/>
+                <a:ea typeface="等线" panose="02010600030101010101" pitchFamily="2" charset="-122"/>
+                <a:sym typeface="Avenir Next Medium"/>
+              </a:rPr>
+              <a:t>‘absolute’</a:t>
+            </a:r>
+            <a:r>
+              <a:rPr lang="zh-CN" altLang="en-US" dirty="0">
+                <a:solidFill>
+                  <a:schemeClr val="bg1"/>
+                </a:solidFill>
+                <a:latin typeface="Arial Rounded MT Bold" panose="020F0704030504030204" pitchFamily="34" charset="0"/>
+              </a:rPr>
+              <a:t>. The </a:t>
+            </a:r>
+            <a:r>
+              <a:rPr lang="zh-CN" altLang="en-US" dirty="0">
+                <a:solidFill>
+                  <a:schemeClr val="bg1"/>
+                </a:solidFill>
+                <a:latin typeface="Arial Rounded MT Bold" panose="020F0704030504030204" pitchFamily="34" charset="0"/>
+                <a:sym typeface="Avenir Next Medium"/>
+              </a:rPr>
+              <a:t>same holds for other primitive refactorings in R3.</a:t>
+            </a:r>
+            <a:r>
+              <a:rPr lang="en-US" altLang="zh-CN" dirty="0">
+                <a:solidFill>
+                  <a:schemeClr val="bg1"/>
+                </a:solidFill>
+                <a:latin typeface="Arial Rounded MT Bold" panose="020F0704030504030204" pitchFamily="34" charset="0"/>
+              </a:rPr>
+              <a:t> </a:t>
+            </a:r>
+            <a:endParaRPr lang="zh-CN" altLang="en-US" dirty="0">
+              <a:solidFill>
+                <a:schemeClr val="bg1"/>
+              </a:solidFill>
+              <a:latin typeface="Arial Rounded MT Bold" panose="020F0704030504030204" pitchFamily="34" charset="0"/>
+              <a:sym typeface="Avenir Next Medium"/>
+            </a:endParaRPr>
           </a:p>
         </p:txBody>
       </p:sp>
@@ -12785,7 +14696,7 @@
           <p:nvPr/>
         </p:nvPicPr>
         <p:blipFill>
-          <a:blip r:embed="rId2"/>
+          <a:blip r:embed="rId3"/>
           <a:stretch>
             <a:fillRect/>
           </a:stretch>
@@ -12814,8 +14725,8 @@
         </p:nvSpPr>
         <p:spPr>
           <a:xfrm>
-            <a:off x="1195958" y="4276267"/>
-            <a:ext cx="9800082" cy="2031325"/>
+            <a:off x="996696" y="4276267"/>
+            <a:ext cx="10360152" cy="2031325"/>
           </a:xfrm>
           <a:prstGeom prst="rect">
             <a:avLst/>
@@ -12853,7 +14764,17 @@
                 </a:solidFill>
                 <a:latin typeface="Arial Rounded MT Bold" panose="020F0704030504030204" pitchFamily="34" charset="0"/>
               </a:rPr>
-              <a:t>R3 maintains an internal, non-persistent database to remember changes in perspective</a:t>
+              <a:t>R3 maintains an internal, non-persistent database to </a:t>
+            </a:r>
+            <a:r>
+              <a:rPr lang="zh-CN" altLang="en-US" b="1" kern="0" cap="all" dirty="0">
+                <a:solidFill>
+                  <a:srgbClr val="34A5DA"/>
+                </a:solidFill>
+                <a:latin typeface="等线" panose="02010600030101010101" pitchFamily="2" charset="-122"/>
+                <a:ea typeface="等线" panose="02010600030101010101" pitchFamily="2" charset="-122"/>
+              </a:rPr>
+              <a:t>remember changes in perspective</a:t>
             </a:r>
             <a:r>
               <a:rPr lang="en-US" altLang="zh-CN" dirty="0">
@@ -12866,15 +14787,6 @@
             </a:r>
           </a:p>
           <a:p>
-            <a:r>
-              <a:rPr lang="zh-CN" altLang="en-US" dirty="0">
-                <a:solidFill>
-                  <a:schemeClr val="bg1"/>
-                </a:solidFill>
-                <a:latin typeface="Arial Rounded MT Bold" panose="020F0704030504030204" pitchFamily="34" charset="0"/>
-              </a:rPr>
-              <a:t> </a:t>
-            </a:r>
             <a:r>
               <a:rPr lang="en-US" altLang="zh-CN" dirty="0">
                 <a:solidFill>
@@ -12971,6 +14883,1018 @@
 </file>
 
 <file path=ppt/slides/slide7.xml><?xml version="1.0" encoding="utf-8"?>
+<p:sld xmlns:a="http://schemas.openxmlformats.org/drawingml/2006/main" xmlns:r="http://schemas.openxmlformats.org/officeDocument/2006/relationships" xmlns:p="http://schemas.openxmlformats.org/presentationml/2006/main">
+  <p:cSld>
+    <p:spTree>
+      <p:nvGrpSpPr>
+        <p:cNvPr id="1" name=""/>
+        <p:cNvGrpSpPr/>
+        <p:nvPr/>
+      </p:nvGrpSpPr>
+      <p:grpSpPr>
+        <a:xfrm>
+          <a:off x="0" y="0"/>
+          <a:ext cx="0" cy="0"/>
+          <a:chOff x="0" y="0"/>
+          <a:chExt cx="0" cy="0"/>
+        </a:xfrm>
+      </p:grpSpPr>
+      <p:pic>
+        <p:nvPicPr>
+          <p:cNvPr id="5" name="图片 4">
+            <a:extLst>
+              <a:ext uri="{FF2B5EF4-FFF2-40B4-BE49-F238E27FC236}">
+                <a16:creationId xmlns:a16="http://schemas.microsoft.com/office/drawing/2014/main" id="{2E67FFC9-0A95-4C60-B46A-236F6869D317}"/>
+              </a:ext>
+            </a:extLst>
+          </p:cNvPr>
+          <p:cNvPicPr>
+            <a:picLocks noChangeAspect="1"/>
+          </p:cNvPicPr>
+          <p:nvPr/>
+        </p:nvPicPr>
+        <p:blipFill>
+          <a:blip r:embed="rId2"/>
+          <a:stretch>
+            <a:fillRect/>
+          </a:stretch>
+        </p:blipFill>
+        <p:spPr>
+          <a:xfrm>
+            <a:off x="3129919" y="1211770"/>
+            <a:ext cx="5932161" cy="3067622"/>
+          </a:xfrm>
+          <a:prstGeom prst="rect">
+            <a:avLst/>
+          </a:prstGeom>
+        </p:spPr>
+      </p:pic>
+      <p:sp>
+        <p:nvSpPr>
+          <p:cNvPr id="6" name="Shape 180">
+            <a:extLst>
+              <a:ext uri="{FF2B5EF4-FFF2-40B4-BE49-F238E27FC236}">
+                <a16:creationId xmlns:a16="http://schemas.microsoft.com/office/drawing/2014/main" id="{780800AA-AF12-4E26-8991-0470414D708F}"/>
+              </a:ext>
+            </a:extLst>
+          </p:cNvPr>
+          <p:cNvSpPr txBox="1">
+            <a:spLocks/>
+          </p:cNvSpPr>
+          <p:nvPr/>
+        </p:nvSpPr>
+        <p:spPr>
+          <a:xfrm>
+            <a:off x="357810" y="285662"/>
+            <a:ext cx="9310066" cy="421768"/>
+          </a:xfrm>
+          <a:prstGeom prst="rect">
+            <a:avLst/>
+          </a:prstGeom>
+        </p:spPr>
+        <p:txBody>
+          <a:bodyPr/>
+          <a:lstStyle>
+            <a:lvl1pPr marL="444500" marR="0" indent="-444500" algn="l" defTabSz="584200" latinLnBrk="0">
+              <a:lnSpc>
+                <a:spcPct val="100000"/>
+              </a:lnSpc>
+              <a:spcBef>
+                <a:spcPts val="2800"/>
+              </a:spcBef>
+              <a:spcAft>
+                <a:spcPts val="0"/>
+              </a:spcAft>
+              <a:buClr>
+                <a:schemeClr val="accent1">
+                  <a:satOff val="-4060"/>
+                </a:schemeClr>
+              </a:buClr>
+              <a:buSzPct val="104999"/>
+              <a:buFont typeface="Avenir Next"/>
+              <a:buChar char="‣"/>
+              <a:tabLst/>
+              <a:defRPr sz="3400" b="0" i="0" u="none" strike="noStrike" cap="none" spc="0" baseline="0">
+                <a:ln>
+                  <a:noFill/>
+                </a:ln>
+                <a:solidFill>
+                  <a:srgbClr val="838787"/>
+                </a:solidFill>
+                <a:uFillTx/>
+                <a:latin typeface="Avenir Next Medium"/>
+                <a:ea typeface="Avenir Next Medium"/>
+                <a:cs typeface="Avenir Next Medium"/>
+                <a:sym typeface="Avenir Next Medium"/>
+              </a:defRPr>
+            </a:lvl1pPr>
+            <a:lvl2pPr marL="889000" marR="0" indent="-444500" algn="l" defTabSz="584200" latinLnBrk="0">
+              <a:lnSpc>
+                <a:spcPct val="100000"/>
+              </a:lnSpc>
+              <a:spcBef>
+                <a:spcPts val="2800"/>
+              </a:spcBef>
+              <a:spcAft>
+                <a:spcPts val="0"/>
+              </a:spcAft>
+              <a:buClr>
+                <a:schemeClr val="accent1">
+                  <a:satOff val="-4060"/>
+                </a:schemeClr>
+              </a:buClr>
+              <a:buSzPct val="104999"/>
+              <a:buFont typeface="Avenir Next"/>
+              <a:buChar char="‣"/>
+              <a:tabLst/>
+              <a:defRPr sz="3400" b="0" i="0" u="none" strike="noStrike" cap="none" spc="0" baseline="0">
+                <a:ln>
+                  <a:noFill/>
+                </a:ln>
+                <a:solidFill>
+                  <a:srgbClr val="838787"/>
+                </a:solidFill>
+                <a:uFillTx/>
+                <a:latin typeface="Avenir Next Medium"/>
+                <a:ea typeface="Avenir Next Medium"/>
+                <a:cs typeface="Avenir Next Medium"/>
+                <a:sym typeface="Avenir Next Medium"/>
+              </a:defRPr>
+            </a:lvl2pPr>
+            <a:lvl3pPr marL="1333500" marR="0" indent="-444500" algn="l" defTabSz="584200" latinLnBrk="0">
+              <a:lnSpc>
+                <a:spcPct val="100000"/>
+              </a:lnSpc>
+              <a:spcBef>
+                <a:spcPts val="2800"/>
+              </a:spcBef>
+              <a:spcAft>
+                <a:spcPts val="0"/>
+              </a:spcAft>
+              <a:buClr>
+                <a:schemeClr val="accent1">
+                  <a:satOff val="-4060"/>
+                </a:schemeClr>
+              </a:buClr>
+              <a:buSzPct val="104999"/>
+              <a:buFont typeface="Avenir Next"/>
+              <a:buChar char="‣"/>
+              <a:tabLst/>
+              <a:defRPr sz="3400" b="0" i="0" u="none" strike="noStrike" cap="none" spc="0" baseline="0">
+                <a:ln>
+                  <a:noFill/>
+                </a:ln>
+                <a:solidFill>
+                  <a:srgbClr val="838787"/>
+                </a:solidFill>
+                <a:uFillTx/>
+                <a:latin typeface="Avenir Next Medium"/>
+                <a:ea typeface="Avenir Next Medium"/>
+                <a:cs typeface="Avenir Next Medium"/>
+                <a:sym typeface="Avenir Next Medium"/>
+              </a:defRPr>
+            </a:lvl3pPr>
+            <a:lvl4pPr marL="1778000" marR="0" indent="-444500" algn="l" defTabSz="584200" latinLnBrk="0">
+              <a:lnSpc>
+                <a:spcPct val="100000"/>
+              </a:lnSpc>
+              <a:spcBef>
+                <a:spcPts val="2800"/>
+              </a:spcBef>
+              <a:spcAft>
+                <a:spcPts val="0"/>
+              </a:spcAft>
+              <a:buClr>
+                <a:schemeClr val="accent1">
+                  <a:satOff val="-4060"/>
+                </a:schemeClr>
+              </a:buClr>
+              <a:buSzPct val="104999"/>
+              <a:buFont typeface="Avenir Next"/>
+              <a:buChar char="‣"/>
+              <a:tabLst/>
+              <a:defRPr sz="3400" b="0" i="0" u="none" strike="noStrike" cap="none" spc="0" baseline="0">
+                <a:ln>
+                  <a:noFill/>
+                </a:ln>
+                <a:solidFill>
+                  <a:srgbClr val="838787"/>
+                </a:solidFill>
+                <a:uFillTx/>
+                <a:latin typeface="Avenir Next Medium"/>
+                <a:ea typeface="Avenir Next Medium"/>
+                <a:cs typeface="Avenir Next Medium"/>
+                <a:sym typeface="Avenir Next Medium"/>
+              </a:defRPr>
+            </a:lvl4pPr>
+            <a:lvl5pPr marL="2222500" marR="0" indent="-444500" algn="l" defTabSz="584200" latinLnBrk="0">
+              <a:lnSpc>
+                <a:spcPct val="100000"/>
+              </a:lnSpc>
+              <a:spcBef>
+                <a:spcPts val="2800"/>
+              </a:spcBef>
+              <a:spcAft>
+                <a:spcPts val="0"/>
+              </a:spcAft>
+              <a:buClr>
+                <a:schemeClr val="accent1">
+                  <a:satOff val="-4060"/>
+                </a:schemeClr>
+              </a:buClr>
+              <a:buSzPct val="104999"/>
+              <a:buFont typeface="Avenir Next"/>
+              <a:buChar char="‣"/>
+              <a:tabLst/>
+              <a:defRPr sz="3400" b="0" i="0" u="none" strike="noStrike" cap="none" spc="0" baseline="0">
+                <a:ln>
+                  <a:noFill/>
+                </a:ln>
+                <a:solidFill>
+                  <a:srgbClr val="838787"/>
+                </a:solidFill>
+                <a:uFillTx/>
+                <a:latin typeface="Avenir Next Medium"/>
+                <a:ea typeface="Avenir Next Medium"/>
+                <a:cs typeface="Avenir Next Medium"/>
+                <a:sym typeface="Avenir Next Medium"/>
+              </a:defRPr>
+            </a:lvl5pPr>
+            <a:lvl6pPr marL="2667000" marR="0" indent="-444500" algn="l" defTabSz="584200" latinLnBrk="0">
+              <a:lnSpc>
+                <a:spcPct val="100000"/>
+              </a:lnSpc>
+              <a:spcBef>
+                <a:spcPts val="2800"/>
+              </a:spcBef>
+              <a:spcAft>
+                <a:spcPts val="0"/>
+              </a:spcAft>
+              <a:buClr>
+                <a:schemeClr val="accent1">
+                  <a:satOff val="-4060"/>
+                </a:schemeClr>
+              </a:buClr>
+              <a:buSzPct val="104999"/>
+              <a:buFont typeface="Avenir Next"/>
+              <a:buChar char="‣"/>
+              <a:tabLst/>
+              <a:defRPr sz="3400" b="0" i="0" u="none" strike="noStrike" cap="none" spc="0" baseline="0">
+                <a:ln>
+                  <a:noFill/>
+                </a:ln>
+                <a:solidFill>
+                  <a:srgbClr val="838787"/>
+                </a:solidFill>
+                <a:uFillTx/>
+                <a:latin typeface="Avenir Next Medium"/>
+                <a:ea typeface="Avenir Next Medium"/>
+                <a:cs typeface="Avenir Next Medium"/>
+                <a:sym typeface="Avenir Next Medium"/>
+              </a:defRPr>
+            </a:lvl6pPr>
+            <a:lvl7pPr marL="3111500" marR="0" indent="-444500" algn="l" defTabSz="584200" latinLnBrk="0">
+              <a:lnSpc>
+                <a:spcPct val="100000"/>
+              </a:lnSpc>
+              <a:spcBef>
+                <a:spcPts val="2800"/>
+              </a:spcBef>
+              <a:spcAft>
+                <a:spcPts val="0"/>
+              </a:spcAft>
+              <a:buClr>
+                <a:schemeClr val="accent1">
+                  <a:satOff val="-4060"/>
+                </a:schemeClr>
+              </a:buClr>
+              <a:buSzPct val="104999"/>
+              <a:buFont typeface="Avenir Next"/>
+              <a:buChar char="‣"/>
+              <a:tabLst/>
+              <a:defRPr sz="3400" b="0" i="0" u="none" strike="noStrike" cap="none" spc="0" baseline="0">
+                <a:ln>
+                  <a:noFill/>
+                </a:ln>
+                <a:solidFill>
+                  <a:srgbClr val="838787"/>
+                </a:solidFill>
+                <a:uFillTx/>
+                <a:latin typeface="Avenir Next Medium"/>
+                <a:ea typeface="Avenir Next Medium"/>
+                <a:cs typeface="Avenir Next Medium"/>
+                <a:sym typeface="Avenir Next Medium"/>
+              </a:defRPr>
+            </a:lvl7pPr>
+            <a:lvl8pPr marL="3556000" marR="0" indent="-444500" algn="l" defTabSz="584200" latinLnBrk="0">
+              <a:lnSpc>
+                <a:spcPct val="100000"/>
+              </a:lnSpc>
+              <a:spcBef>
+                <a:spcPts val="2800"/>
+              </a:spcBef>
+              <a:spcAft>
+                <a:spcPts val="0"/>
+              </a:spcAft>
+              <a:buClr>
+                <a:schemeClr val="accent1">
+                  <a:satOff val="-4060"/>
+                </a:schemeClr>
+              </a:buClr>
+              <a:buSzPct val="104999"/>
+              <a:buFont typeface="Avenir Next"/>
+              <a:buChar char="‣"/>
+              <a:tabLst/>
+              <a:defRPr sz="3400" b="0" i="0" u="none" strike="noStrike" cap="none" spc="0" baseline="0">
+                <a:ln>
+                  <a:noFill/>
+                </a:ln>
+                <a:solidFill>
+                  <a:srgbClr val="838787"/>
+                </a:solidFill>
+                <a:uFillTx/>
+                <a:latin typeface="Avenir Next Medium"/>
+                <a:ea typeface="Avenir Next Medium"/>
+                <a:cs typeface="Avenir Next Medium"/>
+                <a:sym typeface="Avenir Next Medium"/>
+              </a:defRPr>
+            </a:lvl8pPr>
+            <a:lvl9pPr marL="4000500" marR="0" indent="-444500" algn="l" defTabSz="584200" latinLnBrk="0">
+              <a:lnSpc>
+                <a:spcPct val="100000"/>
+              </a:lnSpc>
+              <a:spcBef>
+                <a:spcPts val="2800"/>
+              </a:spcBef>
+              <a:spcAft>
+                <a:spcPts val="0"/>
+              </a:spcAft>
+              <a:buClr>
+                <a:schemeClr val="accent1">
+                  <a:satOff val="-4060"/>
+                </a:schemeClr>
+              </a:buClr>
+              <a:buSzPct val="104999"/>
+              <a:buFont typeface="Avenir Next"/>
+              <a:buChar char="‣"/>
+              <a:tabLst/>
+              <a:defRPr sz="3400" b="0" i="0" u="none" strike="noStrike" cap="none" spc="0" baseline="0">
+                <a:ln>
+                  <a:noFill/>
+                </a:ln>
+                <a:solidFill>
+                  <a:srgbClr val="838787"/>
+                </a:solidFill>
+                <a:uFillTx/>
+                <a:latin typeface="Avenir Next Medium"/>
+                <a:ea typeface="Avenir Next Medium"/>
+                <a:cs typeface="Avenir Next Medium"/>
+                <a:sym typeface="Avenir Next Medium"/>
+              </a:defRPr>
+            </a:lvl9pPr>
+          </a:lstStyle>
+          <a:p>
+            <a:pPr marL="0" indent="0" defTabSz="410751">
+              <a:spcBef>
+                <a:spcPts val="1969"/>
+              </a:spcBef>
+              <a:buClr>
+                <a:srgbClr val="34A5DA">
+                  <a:satOff val="-4060"/>
+                </a:srgbClr>
+              </a:buClr>
+              <a:buNone/>
+            </a:pPr>
+            <a:r>
+              <a:rPr lang="en-US" altLang="zh-CN" sz="1800" b="1" kern="0" cap="all" dirty="0">
+                <a:solidFill>
+                  <a:srgbClr val="34A5DA"/>
+                </a:solidFill>
+                <a:latin typeface="等线" panose="02010600030101010101" pitchFamily="2" charset="-122"/>
+                <a:ea typeface="等线" panose="02010600030101010101" pitchFamily="2" charset="-122"/>
+                <a:sym typeface="Baskerville"/>
+              </a:rPr>
+              <a:t>R3 : Database</a:t>
+            </a:r>
+            <a:endParaRPr lang="zh-CN" altLang="en-US" sz="1800" b="1" kern="0" cap="all" dirty="0">
+              <a:solidFill>
+                <a:srgbClr val="34A5DA"/>
+              </a:solidFill>
+              <a:latin typeface="等线" panose="02010600030101010101" pitchFamily="2" charset="-122"/>
+              <a:ea typeface="等线" panose="02010600030101010101" pitchFamily="2" charset="-122"/>
+            </a:endParaRPr>
+          </a:p>
+        </p:txBody>
+      </p:sp>
+      <p:sp>
+        <p:nvSpPr>
+          <p:cNvPr id="8" name="文本框 7">
+            <a:extLst>
+              <a:ext uri="{FF2B5EF4-FFF2-40B4-BE49-F238E27FC236}">
+                <a16:creationId xmlns:a16="http://schemas.microsoft.com/office/drawing/2014/main" id="{1BFD86B0-5371-42B8-8EAB-76341D600822}"/>
+              </a:ext>
+            </a:extLst>
+          </p:cNvPr>
+          <p:cNvSpPr txBox="1"/>
+          <p:nvPr/>
+        </p:nvSpPr>
+        <p:spPr>
+          <a:xfrm>
+            <a:off x="2224086" y="4999899"/>
+            <a:ext cx="8922450" cy="646331"/>
+          </a:xfrm>
+          <a:prstGeom prst="rect">
+            <a:avLst/>
+          </a:prstGeom>
+          <a:noFill/>
+          <a:ln w="12700" cap="flat">
+            <a:noFill/>
+            <a:miter lim="400000"/>
+          </a:ln>
+          <a:effectLst/>
+          <a:sp3d/>
+        </p:spPr>
+        <p:style>
+          <a:lnRef idx="0">
+            <a:scrgbClr r="0" g="0" b="0"/>
+          </a:lnRef>
+          <a:fillRef idx="0">
+            <a:scrgbClr r="0" g="0" b="0"/>
+          </a:fillRef>
+          <a:effectRef idx="0">
+            <a:scrgbClr r="0" g="0" b="0"/>
+          </a:effectRef>
+          <a:fontRef idx="none"/>
+        </p:style>
+        <p:txBody>
+          <a:bodyPr wrap="square">
+            <a:spAutoFit/>
+          </a:bodyPr>
+          <a:lstStyle/>
+          <a:p>
+            <a:r>
+              <a:rPr lang="zh-CN" altLang="en-US" dirty="0">
+                <a:solidFill>
+                  <a:schemeClr val="bg1"/>
+                </a:solidFill>
+                <a:latin typeface="Arial Rounded MT Bold" panose="020F0704030504030204" pitchFamily="34" charset="0"/>
+              </a:rPr>
+              <a:t>When a class is displayed, the tuples of the fields, methods,constructors, etc. that belong to it are extracted from the database.</a:t>
+            </a:r>
+          </a:p>
+        </p:txBody>
+      </p:sp>
+    </p:spTree>
+    <p:extLst>
+      <p:ext uri="{BB962C8B-B14F-4D97-AF65-F5344CB8AC3E}">
+        <p14:creationId xmlns:p14="http://schemas.microsoft.com/office/powerpoint/2010/main" val="1686911445"/>
+      </p:ext>
+    </p:extLst>
+  </p:cSld>
+  <p:clrMapOvr>
+    <a:masterClrMapping/>
+  </p:clrMapOvr>
+</p:sld>
+</file>
+
+<file path=ppt/slides/slide8.xml><?xml version="1.0" encoding="utf-8"?>
+<p:sld xmlns:a="http://schemas.openxmlformats.org/drawingml/2006/main" xmlns:r="http://schemas.openxmlformats.org/officeDocument/2006/relationships" xmlns:p="http://schemas.openxmlformats.org/presentationml/2006/main">
+  <p:cSld>
+    <p:spTree>
+      <p:nvGrpSpPr>
+        <p:cNvPr id="1" name=""/>
+        <p:cNvGrpSpPr/>
+        <p:nvPr/>
+      </p:nvGrpSpPr>
+      <p:grpSpPr>
+        <a:xfrm>
+          <a:off x="0" y="0"/>
+          <a:ext cx="0" cy="0"/>
+          <a:chOff x="0" y="0"/>
+          <a:chExt cx="0" cy="0"/>
+        </a:xfrm>
+      </p:grpSpPr>
+      <p:sp>
+        <p:nvSpPr>
+          <p:cNvPr id="4" name="Shape 180">
+            <a:extLst>
+              <a:ext uri="{FF2B5EF4-FFF2-40B4-BE49-F238E27FC236}">
+                <a16:creationId xmlns:a16="http://schemas.microsoft.com/office/drawing/2014/main" id="{A0E4117E-0A0B-47F6-9A95-9BF38B431C9F}"/>
+              </a:ext>
+            </a:extLst>
+          </p:cNvPr>
+          <p:cNvSpPr txBox="1">
+            <a:spLocks/>
+          </p:cNvSpPr>
+          <p:nvPr/>
+        </p:nvSpPr>
+        <p:spPr>
+          <a:xfrm>
+            <a:off x="357810" y="285662"/>
+            <a:ext cx="9310066" cy="421768"/>
+          </a:xfrm>
+          <a:prstGeom prst="rect">
+            <a:avLst/>
+          </a:prstGeom>
+        </p:spPr>
+        <p:txBody>
+          <a:bodyPr/>
+          <a:lstStyle>
+            <a:lvl1pPr marL="444500" marR="0" indent="-444500" algn="l" defTabSz="584200" latinLnBrk="0">
+              <a:lnSpc>
+                <a:spcPct val="100000"/>
+              </a:lnSpc>
+              <a:spcBef>
+                <a:spcPts val="2800"/>
+              </a:spcBef>
+              <a:spcAft>
+                <a:spcPts val="0"/>
+              </a:spcAft>
+              <a:buClr>
+                <a:schemeClr val="accent1">
+                  <a:satOff val="-4060"/>
+                </a:schemeClr>
+              </a:buClr>
+              <a:buSzPct val="104999"/>
+              <a:buFont typeface="Avenir Next"/>
+              <a:buChar char="‣"/>
+              <a:tabLst/>
+              <a:defRPr sz="3400" b="0" i="0" u="none" strike="noStrike" cap="none" spc="0" baseline="0">
+                <a:ln>
+                  <a:noFill/>
+                </a:ln>
+                <a:solidFill>
+                  <a:srgbClr val="838787"/>
+                </a:solidFill>
+                <a:uFillTx/>
+                <a:latin typeface="Avenir Next Medium"/>
+                <a:ea typeface="Avenir Next Medium"/>
+                <a:cs typeface="Avenir Next Medium"/>
+                <a:sym typeface="Avenir Next Medium"/>
+              </a:defRPr>
+            </a:lvl1pPr>
+            <a:lvl2pPr marL="889000" marR="0" indent="-444500" algn="l" defTabSz="584200" latinLnBrk="0">
+              <a:lnSpc>
+                <a:spcPct val="100000"/>
+              </a:lnSpc>
+              <a:spcBef>
+                <a:spcPts val="2800"/>
+              </a:spcBef>
+              <a:spcAft>
+                <a:spcPts val="0"/>
+              </a:spcAft>
+              <a:buClr>
+                <a:schemeClr val="accent1">
+                  <a:satOff val="-4060"/>
+                </a:schemeClr>
+              </a:buClr>
+              <a:buSzPct val="104999"/>
+              <a:buFont typeface="Avenir Next"/>
+              <a:buChar char="‣"/>
+              <a:tabLst/>
+              <a:defRPr sz="3400" b="0" i="0" u="none" strike="noStrike" cap="none" spc="0" baseline="0">
+                <a:ln>
+                  <a:noFill/>
+                </a:ln>
+                <a:solidFill>
+                  <a:srgbClr val="838787"/>
+                </a:solidFill>
+                <a:uFillTx/>
+                <a:latin typeface="Avenir Next Medium"/>
+                <a:ea typeface="Avenir Next Medium"/>
+                <a:cs typeface="Avenir Next Medium"/>
+                <a:sym typeface="Avenir Next Medium"/>
+              </a:defRPr>
+            </a:lvl2pPr>
+            <a:lvl3pPr marL="1333500" marR="0" indent="-444500" algn="l" defTabSz="584200" latinLnBrk="0">
+              <a:lnSpc>
+                <a:spcPct val="100000"/>
+              </a:lnSpc>
+              <a:spcBef>
+                <a:spcPts val="2800"/>
+              </a:spcBef>
+              <a:spcAft>
+                <a:spcPts val="0"/>
+              </a:spcAft>
+              <a:buClr>
+                <a:schemeClr val="accent1">
+                  <a:satOff val="-4060"/>
+                </a:schemeClr>
+              </a:buClr>
+              <a:buSzPct val="104999"/>
+              <a:buFont typeface="Avenir Next"/>
+              <a:buChar char="‣"/>
+              <a:tabLst/>
+              <a:defRPr sz="3400" b="0" i="0" u="none" strike="noStrike" cap="none" spc="0" baseline="0">
+                <a:ln>
+                  <a:noFill/>
+                </a:ln>
+                <a:solidFill>
+                  <a:srgbClr val="838787"/>
+                </a:solidFill>
+                <a:uFillTx/>
+                <a:latin typeface="Avenir Next Medium"/>
+                <a:ea typeface="Avenir Next Medium"/>
+                <a:cs typeface="Avenir Next Medium"/>
+                <a:sym typeface="Avenir Next Medium"/>
+              </a:defRPr>
+            </a:lvl3pPr>
+            <a:lvl4pPr marL="1778000" marR="0" indent="-444500" algn="l" defTabSz="584200" latinLnBrk="0">
+              <a:lnSpc>
+                <a:spcPct val="100000"/>
+              </a:lnSpc>
+              <a:spcBef>
+                <a:spcPts val="2800"/>
+              </a:spcBef>
+              <a:spcAft>
+                <a:spcPts val="0"/>
+              </a:spcAft>
+              <a:buClr>
+                <a:schemeClr val="accent1">
+                  <a:satOff val="-4060"/>
+                </a:schemeClr>
+              </a:buClr>
+              <a:buSzPct val="104999"/>
+              <a:buFont typeface="Avenir Next"/>
+              <a:buChar char="‣"/>
+              <a:tabLst/>
+              <a:defRPr sz="3400" b="0" i="0" u="none" strike="noStrike" cap="none" spc="0" baseline="0">
+                <a:ln>
+                  <a:noFill/>
+                </a:ln>
+                <a:solidFill>
+                  <a:srgbClr val="838787"/>
+                </a:solidFill>
+                <a:uFillTx/>
+                <a:latin typeface="Avenir Next Medium"/>
+                <a:ea typeface="Avenir Next Medium"/>
+                <a:cs typeface="Avenir Next Medium"/>
+                <a:sym typeface="Avenir Next Medium"/>
+              </a:defRPr>
+            </a:lvl4pPr>
+            <a:lvl5pPr marL="2222500" marR="0" indent="-444500" algn="l" defTabSz="584200" latinLnBrk="0">
+              <a:lnSpc>
+                <a:spcPct val="100000"/>
+              </a:lnSpc>
+              <a:spcBef>
+                <a:spcPts val="2800"/>
+              </a:spcBef>
+              <a:spcAft>
+                <a:spcPts val="0"/>
+              </a:spcAft>
+              <a:buClr>
+                <a:schemeClr val="accent1">
+                  <a:satOff val="-4060"/>
+                </a:schemeClr>
+              </a:buClr>
+              <a:buSzPct val="104999"/>
+              <a:buFont typeface="Avenir Next"/>
+              <a:buChar char="‣"/>
+              <a:tabLst/>
+              <a:defRPr sz="3400" b="0" i="0" u="none" strike="noStrike" cap="none" spc="0" baseline="0">
+                <a:ln>
+                  <a:noFill/>
+                </a:ln>
+                <a:solidFill>
+                  <a:srgbClr val="838787"/>
+                </a:solidFill>
+                <a:uFillTx/>
+                <a:latin typeface="Avenir Next Medium"/>
+                <a:ea typeface="Avenir Next Medium"/>
+                <a:cs typeface="Avenir Next Medium"/>
+                <a:sym typeface="Avenir Next Medium"/>
+              </a:defRPr>
+            </a:lvl5pPr>
+            <a:lvl6pPr marL="2667000" marR="0" indent="-444500" algn="l" defTabSz="584200" latinLnBrk="0">
+              <a:lnSpc>
+                <a:spcPct val="100000"/>
+              </a:lnSpc>
+              <a:spcBef>
+                <a:spcPts val="2800"/>
+              </a:spcBef>
+              <a:spcAft>
+                <a:spcPts val="0"/>
+              </a:spcAft>
+              <a:buClr>
+                <a:schemeClr val="accent1">
+                  <a:satOff val="-4060"/>
+                </a:schemeClr>
+              </a:buClr>
+              <a:buSzPct val="104999"/>
+              <a:buFont typeface="Avenir Next"/>
+              <a:buChar char="‣"/>
+              <a:tabLst/>
+              <a:defRPr sz="3400" b="0" i="0" u="none" strike="noStrike" cap="none" spc="0" baseline="0">
+                <a:ln>
+                  <a:noFill/>
+                </a:ln>
+                <a:solidFill>
+                  <a:srgbClr val="838787"/>
+                </a:solidFill>
+                <a:uFillTx/>
+                <a:latin typeface="Avenir Next Medium"/>
+                <a:ea typeface="Avenir Next Medium"/>
+                <a:cs typeface="Avenir Next Medium"/>
+                <a:sym typeface="Avenir Next Medium"/>
+              </a:defRPr>
+            </a:lvl6pPr>
+            <a:lvl7pPr marL="3111500" marR="0" indent="-444500" algn="l" defTabSz="584200" latinLnBrk="0">
+              <a:lnSpc>
+                <a:spcPct val="100000"/>
+              </a:lnSpc>
+              <a:spcBef>
+                <a:spcPts val="2800"/>
+              </a:spcBef>
+              <a:spcAft>
+                <a:spcPts val="0"/>
+              </a:spcAft>
+              <a:buClr>
+                <a:schemeClr val="accent1">
+                  <a:satOff val="-4060"/>
+                </a:schemeClr>
+              </a:buClr>
+              <a:buSzPct val="104999"/>
+              <a:buFont typeface="Avenir Next"/>
+              <a:buChar char="‣"/>
+              <a:tabLst/>
+              <a:defRPr sz="3400" b="0" i="0" u="none" strike="noStrike" cap="none" spc="0" baseline="0">
+                <a:ln>
+                  <a:noFill/>
+                </a:ln>
+                <a:solidFill>
+                  <a:srgbClr val="838787"/>
+                </a:solidFill>
+                <a:uFillTx/>
+                <a:latin typeface="Avenir Next Medium"/>
+                <a:ea typeface="Avenir Next Medium"/>
+                <a:cs typeface="Avenir Next Medium"/>
+                <a:sym typeface="Avenir Next Medium"/>
+              </a:defRPr>
+            </a:lvl7pPr>
+            <a:lvl8pPr marL="3556000" marR="0" indent="-444500" algn="l" defTabSz="584200" latinLnBrk="0">
+              <a:lnSpc>
+                <a:spcPct val="100000"/>
+              </a:lnSpc>
+              <a:spcBef>
+                <a:spcPts val="2800"/>
+              </a:spcBef>
+              <a:spcAft>
+                <a:spcPts val="0"/>
+              </a:spcAft>
+              <a:buClr>
+                <a:schemeClr val="accent1">
+                  <a:satOff val="-4060"/>
+                </a:schemeClr>
+              </a:buClr>
+              <a:buSzPct val="104999"/>
+              <a:buFont typeface="Avenir Next"/>
+              <a:buChar char="‣"/>
+              <a:tabLst/>
+              <a:defRPr sz="3400" b="0" i="0" u="none" strike="noStrike" cap="none" spc="0" baseline="0">
+                <a:ln>
+                  <a:noFill/>
+                </a:ln>
+                <a:solidFill>
+                  <a:srgbClr val="838787"/>
+                </a:solidFill>
+                <a:uFillTx/>
+                <a:latin typeface="Avenir Next Medium"/>
+                <a:ea typeface="Avenir Next Medium"/>
+                <a:cs typeface="Avenir Next Medium"/>
+                <a:sym typeface="Avenir Next Medium"/>
+              </a:defRPr>
+            </a:lvl8pPr>
+            <a:lvl9pPr marL="4000500" marR="0" indent="-444500" algn="l" defTabSz="584200" latinLnBrk="0">
+              <a:lnSpc>
+                <a:spcPct val="100000"/>
+              </a:lnSpc>
+              <a:spcBef>
+                <a:spcPts val="2800"/>
+              </a:spcBef>
+              <a:spcAft>
+                <a:spcPts val="0"/>
+              </a:spcAft>
+              <a:buClr>
+                <a:schemeClr val="accent1">
+                  <a:satOff val="-4060"/>
+                </a:schemeClr>
+              </a:buClr>
+              <a:buSzPct val="104999"/>
+              <a:buFont typeface="Avenir Next"/>
+              <a:buChar char="‣"/>
+              <a:tabLst/>
+              <a:defRPr sz="3400" b="0" i="0" u="none" strike="noStrike" cap="none" spc="0" baseline="0">
+                <a:ln>
+                  <a:noFill/>
+                </a:ln>
+                <a:solidFill>
+                  <a:srgbClr val="838787"/>
+                </a:solidFill>
+                <a:uFillTx/>
+                <a:latin typeface="Avenir Next Medium"/>
+                <a:ea typeface="Avenir Next Medium"/>
+                <a:cs typeface="Avenir Next Medium"/>
+                <a:sym typeface="Avenir Next Medium"/>
+              </a:defRPr>
+            </a:lvl9pPr>
+          </a:lstStyle>
+          <a:p>
+            <a:pPr marL="0" indent="0" defTabSz="410751">
+              <a:spcBef>
+                <a:spcPts val="1969"/>
+              </a:spcBef>
+              <a:buClr>
+                <a:srgbClr val="34A5DA">
+                  <a:satOff val="-4060"/>
+                </a:srgbClr>
+              </a:buClr>
+              <a:buNone/>
+            </a:pPr>
+            <a:r>
+              <a:rPr lang="en-US" altLang="zh-CN" sz="1800" b="1" kern="0" cap="all" dirty="0">
+                <a:solidFill>
+                  <a:srgbClr val="34A5DA"/>
+                </a:solidFill>
+                <a:latin typeface="等线" panose="02010600030101010101" pitchFamily="2" charset="-122"/>
+                <a:ea typeface="等线" panose="02010600030101010101" pitchFamily="2" charset="-122"/>
+                <a:sym typeface="Baskerville"/>
+              </a:rPr>
+              <a:t>R3 : Primitive </a:t>
+            </a:r>
+            <a:r>
+              <a:rPr lang="en-US" altLang="zh-CN" sz="1800" b="1" kern="0" cap="all" dirty="0" err="1">
+                <a:solidFill>
+                  <a:srgbClr val="34A5DA"/>
+                </a:solidFill>
+                <a:latin typeface="等线" panose="02010600030101010101" pitchFamily="2" charset="-122"/>
+                <a:ea typeface="等线" panose="02010600030101010101" pitchFamily="2" charset="-122"/>
+                <a:sym typeface="Baskerville"/>
+              </a:rPr>
+              <a:t>Refactorings</a:t>
+            </a:r>
+            <a:endParaRPr lang="en-US" altLang="zh-CN" sz="1800" b="1" kern="0" cap="all" dirty="0">
+              <a:solidFill>
+                <a:srgbClr val="34A5DA"/>
+              </a:solidFill>
+              <a:latin typeface="等线" panose="02010600030101010101" pitchFamily="2" charset="-122"/>
+              <a:ea typeface="等线" panose="02010600030101010101" pitchFamily="2" charset="-122"/>
+              <a:sym typeface="Baskerville"/>
+            </a:endParaRPr>
+          </a:p>
+          <a:p>
+            <a:pPr marL="0" indent="0" defTabSz="410751">
+              <a:spcBef>
+                <a:spcPts val="1969"/>
+              </a:spcBef>
+              <a:buClr>
+                <a:srgbClr val="34A5DA">
+                  <a:satOff val="-4060"/>
+                </a:srgbClr>
+              </a:buClr>
+              <a:buNone/>
+            </a:pPr>
+            <a:endParaRPr lang="zh-CN" altLang="en-US" sz="1800" b="1" kern="0" cap="all" dirty="0">
+              <a:solidFill>
+                <a:srgbClr val="34A5DA"/>
+              </a:solidFill>
+              <a:latin typeface="等线" panose="02010600030101010101" pitchFamily="2" charset="-122"/>
+              <a:ea typeface="等线" panose="02010600030101010101" pitchFamily="2" charset="-122"/>
+            </a:endParaRPr>
+          </a:p>
+        </p:txBody>
+      </p:sp>
+      <p:pic>
+        <p:nvPicPr>
+          <p:cNvPr id="6" name="图片 5">
+            <a:extLst>
+              <a:ext uri="{FF2B5EF4-FFF2-40B4-BE49-F238E27FC236}">
+                <a16:creationId xmlns:a16="http://schemas.microsoft.com/office/drawing/2014/main" id="{4DD9E09A-9634-461D-9465-3E35B45EE372}"/>
+              </a:ext>
+            </a:extLst>
+          </p:cNvPr>
+          <p:cNvPicPr>
+            <a:picLocks noChangeAspect="1"/>
+          </p:cNvPicPr>
+          <p:nvPr/>
+        </p:nvPicPr>
+        <p:blipFill>
+          <a:blip r:embed="rId2"/>
+          <a:stretch>
+            <a:fillRect/>
+          </a:stretch>
+        </p:blipFill>
+        <p:spPr>
+          <a:xfrm>
+            <a:off x="357810" y="1947672"/>
+            <a:ext cx="5491315" cy="2595751"/>
+          </a:xfrm>
+          <a:prstGeom prst="rect">
+            <a:avLst/>
+          </a:prstGeom>
+        </p:spPr>
+      </p:pic>
+      <p:pic>
+        <p:nvPicPr>
+          <p:cNvPr id="11" name="图片 10">
+            <a:extLst>
+              <a:ext uri="{FF2B5EF4-FFF2-40B4-BE49-F238E27FC236}">
+                <a16:creationId xmlns:a16="http://schemas.microsoft.com/office/drawing/2014/main" id="{34E37D31-8887-4689-BFFE-9AB6407FC06A}"/>
+              </a:ext>
+            </a:extLst>
+          </p:cNvPr>
+          <p:cNvPicPr>
+            <a:picLocks noChangeAspect="1"/>
+          </p:cNvPicPr>
+          <p:nvPr/>
+        </p:nvPicPr>
+        <p:blipFill>
+          <a:blip r:embed="rId3"/>
+          <a:stretch>
+            <a:fillRect/>
+          </a:stretch>
+        </p:blipFill>
+        <p:spPr>
+          <a:xfrm>
+            <a:off x="6891337" y="2650234"/>
+            <a:ext cx="4810125" cy="1190625"/>
+          </a:xfrm>
+          <a:prstGeom prst="rect">
+            <a:avLst/>
+          </a:prstGeom>
+        </p:spPr>
+      </p:pic>
+      <p:sp>
+        <p:nvSpPr>
+          <p:cNvPr id="15" name="文本框 14">
+            <a:extLst>
+              <a:ext uri="{FF2B5EF4-FFF2-40B4-BE49-F238E27FC236}">
+                <a16:creationId xmlns:a16="http://schemas.microsoft.com/office/drawing/2014/main" id="{778B10C3-47A0-4DF1-BB65-E10E81D00163}"/>
+              </a:ext>
+            </a:extLst>
+          </p:cNvPr>
+          <p:cNvSpPr txBox="1"/>
+          <p:nvPr/>
+        </p:nvSpPr>
+        <p:spPr>
+          <a:xfrm>
+            <a:off x="1962965" y="5783663"/>
+            <a:ext cx="7772320" cy="369332"/>
+          </a:xfrm>
+          <a:prstGeom prst="rect">
+            <a:avLst/>
+          </a:prstGeom>
+          <a:noFill/>
+          <a:ln w="12700" cap="flat">
+            <a:noFill/>
+            <a:miter lim="400000"/>
+          </a:ln>
+          <a:effectLst/>
+          <a:sp3d/>
+        </p:spPr>
+        <p:style>
+          <a:lnRef idx="0">
+            <a:scrgbClr r="0" g="0" b="0"/>
+          </a:lnRef>
+          <a:fillRef idx="0">
+            <a:scrgbClr r="0" g="0" b="0"/>
+          </a:fillRef>
+          <a:effectRef idx="0">
+            <a:scrgbClr r="0" g="0" b="0"/>
+          </a:effectRef>
+          <a:fontRef idx="none"/>
+        </p:style>
+        <p:txBody>
+          <a:bodyPr wrap="square">
+            <a:spAutoFit/>
+          </a:bodyPr>
+          <a:lstStyle/>
+          <a:p>
+            <a:r>
+              <a:rPr lang="zh-CN" altLang="en-US" dirty="0">
+                <a:solidFill>
+                  <a:schemeClr val="bg1"/>
+                </a:solidFill>
+                <a:latin typeface="Arial Rounded MT Bold" panose="020F0704030504030204" pitchFamily="34" charset="0"/>
+              </a:rPr>
+              <a:t>R3 has separate methods to add, remove, and reorder parameters.</a:t>
+            </a:r>
+          </a:p>
+        </p:txBody>
+      </p:sp>
+    </p:spTree>
+    <p:extLst>
+      <p:ext uri="{BB962C8B-B14F-4D97-AF65-F5344CB8AC3E}">
+        <p14:creationId xmlns:p14="http://schemas.microsoft.com/office/powerpoint/2010/main" val="2625667322"/>
+      </p:ext>
+    </p:extLst>
+  </p:cSld>
+  <p:clrMapOvr>
+    <a:masterClrMapping/>
+  </p:clrMapOvr>
+</p:sld>
+</file>
+
+<file path=ppt/slides/slide9.xml><?xml version="1.0" encoding="utf-8"?>
 <p:sld xmlns:a="http://schemas.openxmlformats.org/drawingml/2006/main" xmlns:r="http://schemas.openxmlformats.org/officeDocument/2006/relationships" xmlns:p="http://schemas.openxmlformats.org/presentationml/2006/main">
   <p:cSld>
     <p:spTree>
@@ -13568,1437 +16492,6 @@
     <p:extLst>
       <p:ext uri="{BB962C8B-B14F-4D97-AF65-F5344CB8AC3E}">
         <p14:creationId xmlns:p14="http://schemas.microsoft.com/office/powerpoint/2010/main" val="1385908313"/>
-      </p:ext>
-    </p:extLst>
-  </p:cSld>
-  <p:clrMapOvr>
-    <a:masterClrMapping/>
-  </p:clrMapOvr>
-</p:sld>
-</file>
-
-<file path=ppt/slides/slide8.xml><?xml version="1.0" encoding="utf-8"?>
-<p:sld xmlns:a="http://schemas.openxmlformats.org/drawingml/2006/main" xmlns:r="http://schemas.openxmlformats.org/officeDocument/2006/relationships" xmlns:p="http://schemas.openxmlformats.org/presentationml/2006/main">
-  <p:cSld>
-    <p:spTree>
-      <p:nvGrpSpPr>
-        <p:cNvPr id="1" name=""/>
-        <p:cNvGrpSpPr/>
-        <p:nvPr/>
-      </p:nvGrpSpPr>
-      <p:grpSpPr>
-        <a:xfrm>
-          <a:off x="0" y="0"/>
-          <a:ext cx="0" cy="0"/>
-          <a:chOff x="0" y="0"/>
-          <a:chExt cx="0" cy="0"/>
-        </a:xfrm>
-      </p:grpSpPr>
-      <p:sp>
-        <p:nvSpPr>
-          <p:cNvPr id="6" name="Shape 180">
-            <a:extLst>
-              <a:ext uri="{FF2B5EF4-FFF2-40B4-BE49-F238E27FC236}">
-                <a16:creationId xmlns:a16="http://schemas.microsoft.com/office/drawing/2014/main" id="{DC32B47D-DAF7-40BF-AA09-B2E572841990}"/>
-              </a:ext>
-            </a:extLst>
-          </p:cNvPr>
-          <p:cNvSpPr txBox="1">
-            <a:spLocks/>
-          </p:cNvSpPr>
-          <p:nvPr/>
-        </p:nvSpPr>
-        <p:spPr>
-          <a:xfrm>
-            <a:off x="357810" y="285662"/>
-            <a:ext cx="9310066" cy="421768"/>
-          </a:xfrm>
-          <a:prstGeom prst="rect">
-            <a:avLst/>
-          </a:prstGeom>
-        </p:spPr>
-        <p:txBody>
-          <a:bodyPr/>
-          <a:lstStyle>
-            <a:lvl1pPr marL="444500" marR="0" indent="-444500" algn="l" defTabSz="584200" latinLnBrk="0">
-              <a:lnSpc>
-                <a:spcPct val="100000"/>
-              </a:lnSpc>
-              <a:spcBef>
-                <a:spcPts val="2800"/>
-              </a:spcBef>
-              <a:spcAft>
-                <a:spcPts val="0"/>
-              </a:spcAft>
-              <a:buClr>
-                <a:schemeClr val="accent1">
-                  <a:satOff val="-4060"/>
-                </a:schemeClr>
-              </a:buClr>
-              <a:buSzPct val="104999"/>
-              <a:buFont typeface="Avenir Next"/>
-              <a:buChar char="‣"/>
-              <a:tabLst/>
-              <a:defRPr sz="3400" b="0" i="0" u="none" strike="noStrike" cap="none" spc="0" baseline="0">
-                <a:ln>
-                  <a:noFill/>
-                </a:ln>
-                <a:solidFill>
-                  <a:srgbClr val="838787"/>
-                </a:solidFill>
-                <a:uFillTx/>
-                <a:latin typeface="Avenir Next Medium"/>
-                <a:ea typeface="Avenir Next Medium"/>
-                <a:cs typeface="Avenir Next Medium"/>
-                <a:sym typeface="Avenir Next Medium"/>
-              </a:defRPr>
-            </a:lvl1pPr>
-            <a:lvl2pPr marL="889000" marR="0" indent="-444500" algn="l" defTabSz="584200" latinLnBrk="0">
-              <a:lnSpc>
-                <a:spcPct val="100000"/>
-              </a:lnSpc>
-              <a:spcBef>
-                <a:spcPts val="2800"/>
-              </a:spcBef>
-              <a:spcAft>
-                <a:spcPts val="0"/>
-              </a:spcAft>
-              <a:buClr>
-                <a:schemeClr val="accent1">
-                  <a:satOff val="-4060"/>
-                </a:schemeClr>
-              </a:buClr>
-              <a:buSzPct val="104999"/>
-              <a:buFont typeface="Avenir Next"/>
-              <a:buChar char="‣"/>
-              <a:tabLst/>
-              <a:defRPr sz="3400" b="0" i="0" u="none" strike="noStrike" cap="none" spc="0" baseline="0">
-                <a:ln>
-                  <a:noFill/>
-                </a:ln>
-                <a:solidFill>
-                  <a:srgbClr val="838787"/>
-                </a:solidFill>
-                <a:uFillTx/>
-                <a:latin typeface="Avenir Next Medium"/>
-                <a:ea typeface="Avenir Next Medium"/>
-                <a:cs typeface="Avenir Next Medium"/>
-                <a:sym typeface="Avenir Next Medium"/>
-              </a:defRPr>
-            </a:lvl2pPr>
-            <a:lvl3pPr marL="1333500" marR="0" indent="-444500" algn="l" defTabSz="584200" latinLnBrk="0">
-              <a:lnSpc>
-                <a:spcPct val="100000"/>
-              </a:lnSpc>
-              <a:spcBef>
-                <a:spcPts val="2800"/>
-              </a:spcBef>
-              <a:spcAft>
-                <a:spcPts val="0"/>
-              </a:spcAft>
-              <a:buClr>
-                <a:schemeClr val="accent1">
-                  <a:satOff val="-4060"/>
-                </a:schemeClr>
-              </a:buClr>
-              <a:buSzPct val="104999"/>
-              <a:buFont typeface="Avenir Next"/>
-              <a:buChar char="‣"/>
-              <a:tabLst/>
-              <a:defRPr sz="3400" b="0" i="0" u="none" strike="noStrike" cap="none" spc="0" baseline="0">
-                <a:ln>
-                  <a:noFill/>
-                </a:ln>
-                <a:solidFill>
-                  <a:srgbClr val="838787"/>
-                </a:solidFill>
-                <a:uFillTx/>
-                <a:latin typeface="Avenir Next Medium"/>
-                <a:ea typeface="Avenir Next Medium"/>
-                <a:cs typeface="Avenir Next Medium"/>
-                <a:sym typeface="Avenir Next Medium"/>
-              </a:defRPr>
-            </a:lvl3pPr>
-            <a:lvl4pPr marL="1778000" marR="0" indent="-444500" algn="l" defTabSz="584200" latinLnBrk="0">
-              <a:lnSpc>
-                <a:spcPct val="100000"/>
-              </a:lnSpc>
-              <a:spcBef>
-                <a:spcPts val="2800"/>
-              </a:spcBef>
-              <a:spcAft>
-                <a:spcPts val="0"/>
-              </a:spcAft>
-              <a:buClr>
-                <a:schemeClr val="accent1">
-                  <a:satOff val="-4060"/>
-                </a:schemeClr>
-              </a:buClr>
-              <a:buSzPct val="104999"/>
-              <a:buFont typeface="Avenir Next"/>
-              <a:buChar char="‣"/>
-              <a:tabLst/>
-              <a:defRPr sz="3400" b="0" i="0" u="none" strike="noStrike" cap="none" spc="0" baseline="0">
-                <a:ln>
-                  <a:noFill/>
-                </a:ln>
-                <a:solidFill>
-                  <a:srgbClr val="838787"/>
-                </a:solidFill>
-                <a:uFillTx/>
-                <a:latin typeface="Avenir Next Medium"/>
-                <a:ea typeface="Avenir Next Medium"/>
-                <a:cs typeface="Avenir Next Medium"/>
-                <a:sym typeface="Avenir Next Medium"/>
-              </a:defRPr>
-            </a:lvl4pPr>
-            <a:lvl5pPr marL="2222500" marR="0" indent="-444500" algn="l" defTabSz="584200" latinLnBrk="0">
-              <a:lnSpc>
-                <a:spcPct val="100000"/>
-              </a:lnSpc>
-              <a:spcBef>
-                <a:spcPts val="2800"/>
-              </a:spcBef>
-              <a:spcAft>
-                <a:spcPts val="0"/>
-              </a:spcAft>
-              <a:buClr>
-                <a:schemeClr val="accent1">
-                  <a:satOff val="-4060"/>
-                </a:schemeClr>
-              </a:buClr>
-              <a:buSzPct val="104999"/>
-              <a:buFont typeface="Avenir Next"/>
-              <a:buChar char="‣"/>
-              <a:tabLst/>
-              <a:defRPr sz="3400" b="0" i="0" u="none" strike="noStrike" cap="none" spc="0" baseline="0">
-                <a:ln>
-                  <a:noFill/>
-                </a:ln>
-                <a:solidFill>
-                  <a:srgbClr val="838787"/>
-                </a:solidFill>
-                <a:uFillTx/>
-                <a:latin typeface="Avenir Next Medium"/>
-                <a:ea typeface="Avenir Next Medium"/>
-                <a:cs typeface="Avenir Next Medium"/>
-                <a:sym typeface="Avenir Next Medium"/>
-              </a:defRPr>
-            </a:lvl5pPr>
-            <a:lvl6pPr marL="2667000" marR="0" indent="-444500" algn="l" defTabSz="584200" latinLnBrk="0">
-              <a:lnSpc>
-                <a:spcPct val="100000"/>
-              </a:lnSpc>
-              <a:spcBef>
-                <a:spcPts val="2800"/>
-              </a:spcBef>
-              <a:spcAft>
-                <a:spcPts val="0"/>
-              </a:spcAft>
-              <a:buClr>
-                <a:schemeClr val="accent1">
-                  <a:satOff val="-4060"/>
-                </a:schemeClr>
-              </a:buClr>
-              <a:buSzPct val="104999"/>
-              <a:buFont typeface="Avenir Next"/>
-              <a:buChar char="‣"/>
-              <a:tabLst/>
-              <a:defRPr sz="3400" b="0" i="0" u="none" strike="noStrike" cap="none" spc="0" baseline="0">
-                <a:ln>
-                  <a:noFill/>
-                </a:ln>
-                <a:solidFill>
-                  <a:srgbClr val="838787"/>
-                </a:solidFill>
-                <a:uFillTx/>
-                <a:latin typeface="Avenir Next Medium"/>
-                <a:ea typeface="Avenir Next Medium"/>
-                <a:cs typeface="Avenir Next Medium"/>
-                <a:sym typeface="Avenir Next Medium"/>
-              </a:defRPr>
-            </a:lvl6pPr>
-            <a:lvl7pPr marL="3111500" marR="0" indent="-444500" algn="l" defTabSz="584200" latinLnBrk="0">
-              <a:lnSpc>
-                <a:spcPct val="100000"/>
-              </a:lnSpc>
-              <a:spcBef>
-                <a:spcPts val="2800"/>
-              </a:spcBef>
-              <a:spcAft>
-                <a:spcPts val="0"/>
-              </a:spcAft>
-              <a:buClr>
-                <a:schemeClr val="accent1">
-                  <a:satOff val="-4060"/>
-                </a:schemeClr>
-              </a:buClr>
-              <a:buSzPct val="104999"/>
-              <a:buFont typeface="Avenir Next"/>
-              <a:buChar char="‣"/>
-              <a:tabLst/>
-              <a:defRPr sz="3400" b="0" i="0" u="none" strike="noStrike" cap="none" spc="0" baseline="0">
-                <a:ln>
-                  <a:noFill/>
-                </a:ln>
-                <a:solidFill>
-                  <a:srgbClr val="838787"/>
-                </a:solidFill>
-                <a:uFillTx/>
-                <a:latin typeface="Avenir Next Medium"/>
-                <a:ea typeface="Avenir Next Medium"/>
-                <a:cs typeface="Avenir Next Medium"/>
-                <a:sym typeface="Avenir Next Medium"/>
-              </a:defRPr>
-            </a:lvl7pPr>
-            <a:lvl8pPr marL="3556000" marR="0" indent="-444500" algn="l" defTabSz="584200" latinLnBrk="0">
-              <a:lnSpc>
-                <a:spcPct val="100000"/>
-              </a:lnSpc>
-              <a:spcBef>
-                <a:spcPts val="2800"/>
-              </a:spcBef>
-              <a:spcAft>
-                <a:spcPts val="0"/>
-              </a:spcAft>
-              <a:buClr>
-                <a:schemeClr val="accent1">
-                  <a:satOff val="-4060"/>
-                </a:schemeClr>
-              </a:buClr>
-              <a:buSzPct val="104999"/>
-              <a:buFont typeface="Avenir Next"/>
-              <a:buChar char="‣"/>
-              <a:tabLst/>
-              <a:defRPr sz="3400" b="0" i="0" u="none" strike="noStrike" cap="none" spc="0" baseline="0">
-                <a:ln>
-                  <a:noFill/>
-                </a:ln>
-                <a:solidFill>
-                  <a:srgbClr val="838787"/>
-                </a:solidFill>
-                <a:uFillTx/>
-                <a:latin typeface="Avenir Next Medium"/>
-                <a:ea typeface="Avenir Next Medium"/>
-                <a:cs typeface="Avenir Next Medium"/>
-                <a:sym typeface="Avenir Next Medium"/>
-              </a:defRPr>
-            </a:lvl8pPr>
-            <a:lvl9pPr marL="4000500" marR="0" indent="-444500" algn="l" defTabSz="584200" latinLnBrk="0">
-              <a:lnSpc>
-                <a:spcPct val="100000"/>
-              </a:lnSpc>
-              <a:spcBef>
-                <a:spcPts val="2800"/>
-              </a:spcBef>
-              <a:spcAft>
-                <a:spcPts val="0"/>
-              </a:spcAft>
-              <a:buClr>
-                <a:schemeClr val="accent1">
-                  <a:satOff val="-4060"/>
-                </a:schemeClr>
-              </a:buClr>
-              <a:buSzPct val="104999"/>
-              <a:buFont typeface="Avenir Next"/>
-              <a:buChar char="‣"/>
-              <a:tabLst/>
-              <a:defRPr sz="3400" b="0" i="0" u="none" strike="noStrike" cap="none" spc="0" baseline="0">
-                <a:ln>
-                  <a:noFill/>
-                </a:ln>
-                <a:solidFill>
-                  <a:srgbClr val="838787"/>
-                </a:solidFill>
-                <a:uFillTx/>
-                <a:latin typeface="Avenir Next Medium"/>
-                <a:ea typeface="Avenir Next Medium"/>
-                <a:cs typeface="Avenir Next Medium"/>
-                <a:sym typeface="Avenir Next Medium"/>
-              </a:defRPr>
-            </a:lvl9pPr>
-          </a:lstStyle>
-          <a:p>
-            <a:pPr marL="0" indent="0" defTabSz="410751">
-              <a:spcBef>
-                <a:spcPts val="1969"/>
-              </a:spcBef>
-              <a:buClr>
-                <a:srgbClr val="34A5DA">
-                  <a:satOff val="-4060"/>
-                </a:srgbClr>
-              </a:buClr>
-              <a:buNone/>
-            </a:pPr>
-            <a:r>
-              <a:rPr lang="en-US" altLang="zh-CN" sz="1800" b="1" kern="0" cap="all" dirty="0">
-                <a:solidFill>
-                  <a:srgbClr val="34A5DA"/>
-                </a:solidFill>
-                <a:latin typeface="等线" panose="02010600030101010101" pitchFamily="2" charset="-122"/>
-                <a:ea typeface="等线" panose="02010600030101010101" pitchFamily="2" charset="-122"/>
-                <a:sym typeface="Baskerville"/>
-              </a:rPr>
-              <a:t>R3 : Preconditions</a:t>
-            </a:r>
-          </a:p>
-          <a:p>
-            <a:pPr marL="0" indent="0" defTabSz="410751">
-              <a:spcBef>
-                <a:spcPts val="1969"/>
-              </a:spcBef>
-              <a:buClr>
-                <a:srgbClr val="34A5DA">
-                  <a:satOff val="-4060"/>
-                </a:srgbClr>
-              </a:buClr>
-              <a:buNone/>
-            </a:pPr>
-            <a:endParaRPr lang="zh-CN" altLang="en-US" sz="1800" b="1" kern="0" cap="all" dirty="0">
-              <a:solidFill>
-                <a:srgbClr val="34A5DA"/>
-              </a:solidFill>
-              <a:latin typeface="等线" panose="02010600030101010101" pitchFamily="2" charset="-122"/>
-              <a:ea typeface="等线" panose="02010600030101010101" pitchFamily="2" charset="-122"/>
-            </a:endParaRPr>
-          </a:p>
-        </p:txBody>
-      </p:sp>
-      <p:sp>
-        <p:nvSpPr>
-          <p:cNvPr id="8" name="文本框 7">
-            <a:extLst>
-              <a:ext uri="{FF2B5EF4-FFF2-40B4-BE49-F238E27FC236}">
-                <a16:creationId xmlns:a16="http://schemas.microsoft.com/office/drawing/2014/main" id="{34585A87-B76D-4264-9D65-CBB2E7DF1CC7}"/>
-              </a:ext>
-            </a:extLst>
-          </p:cNvPr>
-          <p:cNvSpPr txBox="1"/>
-          <p:nvPr/>
-        </p:nvSpPr>
-        <p:spPr>
-          <a:xfrm>
-            <a:off x="749808" y="1621828"/>
-            <a:ext cx="10111333" cy="1477328"/>
-          </a:xfrm>
-          <a:prstGeom prst="rect">
-            <a:avLst/>
-          </a:prstGeom>
-          <a:noFill/>
-          <a:ln w="12700" cap="flat">
-            <a:noFill/>
-            <a:miter lim="400000"/>
-          </a:ln>
-          <a:effectLst/>
-          <a:sp3d/>
-        </p:spPr>
-        <p:style>
-          <a:lnRef idx="0">
-            <a:scrgbClr r="0" g="0" b="0"/>
-          </a:lnRef>
-          <a:fillRef idx="0">
-            <a:scrgbClr r="0" g="0" b="0"/>
-          </a:fillRef>
-          <a:effectRef idx="0">
-            <a:scrgbClr r="0" g="0" b="0"/>
-          </a:effectRef>
-          <a:fontRef idx="none"/>
-        </p:style>
-        <p:txBody>
-          <a:bodyPr wrap="square">
-            <a:spAutoFit/>
-          </a:bodyPr>
-          <a:lstStyle/>
-          <a:p>
-            <a:r>
-              <a:rPr lang="en-US" altLang="zh-CN" dirty="0">
-                <a:solidFill>
-                  <a:schemeClr val="bg1"/>
-                </a:solidFill>
-                <a:latin typeface="Arial Rounded MT Bold" panose="020F0704030504030204" pitchFamily="34" charset="0"/>
-              </a:rPr>
-              <a:t>M</a:t>
-            </a:r>
-            <a:r>
-              <a:rPr lang="zh-CN" altLang="en-US" dirty="0">
-                <a:solidFill>
-                  <a:schemeClr val="bg1"/>
-                </a:solidFill>
-                <a:latin typeface="Arial Rounded MT Bold" panose="020F0704030504030204" pitchFamily="34" charset="0"/>
-              </a:rPr>
-              <a:t>any (not all) checks </a:t>
-            </a:r>
-            <a:r>
-              <a:rPr lang="zh-CN" altLang="en-US" dirty="0">
-                <a:solidFill>
-                  <a:srgbClr val="00B0F0"/>
-                </a:solidFill>
-                <a:latin typeface="Arial Rounded MT Bold" panose="020F0704030504030204" pitchFamily="34" charset="0"/>
-              </a:rPr>
-              <a:t>can be determined at database build time</a:t>
-            </a:r>
-            <a:r>
-              <a:rPr lang="zh-CN" altLang="en-US" dirty="0">
-                <a:solidFill>
-                  <a:schemeClr val="bg1"/>
-                </a:solidFill>
-                <a:latin typeface="Arial Rounded MT Bold" panose="020F0704030504030204" pitchFamily="34" charset="0"/>
-              </a:rPr>
-              <a:t>: </a:t>
-            </a:r>
-            <a:endParaRPr lang="en-US" altLang="zh-CN" dirty="0">
-              <a:solidFill>
-                <a:schemeClr val="bg1"/>
-              </a:solidFill>
-              <a:latin typeface="Arial Rounded MT Bold" panose="020F0704030504030204" pitchFamily="34" charset="0"/>
-            </a:endParaRPr>
-          </a:p>
-          <a:p>
-            <a:r>
-              <a:rPr lang="zh-CN" altLang="en-US" dirty="0">
-                <a:solidFill>
-                  <a:schemeClr val="bg1"/>
-                </a:solidFill>
-                <a:latin typeface="Arial Rounded MT Bold" panose="020F0704030504030204" pitchFamily="34" charset="0"/>
-              </a:rPr>
-              <a:t>they are simple properties of an AST.</a:t>
-            </a:r>
-            <a:endParaRPr lang="en-US" altLang="zh-CN" dirty="0">
-              <a:solidFill>
-                <a:schemeClr val="bg1"/>
-              </a:solidFill>
-              <a:latin typeface="Arial Rounded MT Bold" panose="020F0704030504030204" pitchFamily="34" charset="0"/>
-            </a:endParaRPr>
-          </a:p>
-          <a:p>
-            <a:endParaRPr lang="en-US" altLang="zh-CN" dirty="0">
-              <a:solidFill>
-                <a:schemeClr val="bg1"/>
-              </a:solidFill>
-              <a:latin typeface="Arial Rounded MT Bold" panose="020F0704030504030204" pitchFamily="34" charset="0"/>
-            </a:endParaRPr>
-          </a:p>
-          <a:p>
-            <a:r>
-              <a:rPr lang="zh-CN" altLang="en-US" dirty="0">
-                <a:solidFill>
-                  <a:schemeClr val="bg1"/>
-                </a:solidFill>
-                <a:latin typeface="Arial Rounded MT Bold" panose="020F0704030504030204" pitchFamily="34" charset="0"/>
-              </a:rPr>
-              <a:t>For them, we add a boolean attribute to R3 tables to indicate whether a tuple’s AST satisfies that check</a:t>
-            </a:r>
-          </a:p>
-        </p:txBody>
-      </p:sp>
-      <p:sp>
-        <p:nvSpPr>
-          <p:cNvPr id="10" name="文本框 9">
-            <a:extLst>
-              <a:ext uri="{FF2B5EF4-FFF2-40B4-BE49-F238E27FC236}">
-                <a16:creationId xmlns:a16="http://schemas.microsoft.com/office/drawing/2014/main" id="{B7B4EEF8-83FF-4777-8320-974A9E90B219}"/>
-              </a:ext>
-            </a:extLst>
-          </p:cNvPr>
-          <p:cNvSpPr txBox="1"/>
-          <p:nvPr/>
-        </p:nvSpPr>
-        <p:spPr>
-          <a:xfrm>
-            <a:off x="749808" y="4189952"/>
-            <a:ext cx="9729216" cy="1477328"/>
-          </a:xfrm>
-          <a:prstGeom prst="rect">
-            <a:avLst/>
-          </a:prstGeom>
-          <a:noFill/>
-          <a:ln w="12700" cap="flat">
-            <a:noFill/>
-            <a:miter lim="400000"/>
-          </a:ln>
-          <a:effectLst/>
-          <a:sp3d/>
-        </p:spPr>
-        <p:style>
-          <a:lnRef idx="0">
-            <a:scrgbClr r="0" g="0" b="0"/>
-          </a:lnRef>
-          <a:fillRef idx="0">
-            <a:scrgbClr r="0" g="0" b="0"/>
-          </a:fillRef>
-          <a:effectRef idx="0">
-            <a:scrgbClr r="0" g="0" b="0"/>
-          </a:effectRef>
-          <a:fontRef idx="none"/>
-        </p:style>
-        <p:txBody>
-          <a:bodyPr wrap="square">
-            <a:spAutoFit/>
-          </a:bodyPr>
-          <a:lstStyle/>
-          <a:p>
-            <a:r>
-              <a:rPr lang="en-US" altLang="zh-CN" dirty="0">
-                <a:solidFill>
-                  <a:schemeClr val="bg1"/>
-                </a:solidFill>
-                <a:latin typeface="Arial Rounded MT Bold" panose="020F0704030504030204" pitchFamily="34" charset="0"/>
-              </a:rPr>
-              <a:t>The R3 database is created by AST traversal and semantic analysis:</a:t>
-            </a:r>
-          </a:p>
-          <a:p>
-            <a:endParaRPr lang="en-US" altLang="zh-CN" dirty="0">
-              <a:solidFill>
-                <a:schemeClr val="bg1"/>
-              </a:solidFill>
-              <a:latin typeface="Arial Rounded MT Bold" panose="020F0704030504030204" pitchFamily="34" charset="0"/>
-            </a:endParaRPr>
-          </a:p>
-          <a:p>
-            <a:r>
-              <a:rPr lang="en-US" altLang="zh-CN" dirty="0">
-                <a:solidFill>
-                  <a:schemeClr val="bg1"/>
-                </a:solidFill>
-                <a:latin typeface="Arial Rounded MT Bold" panose="020F0704030504030204" pitchFamily="34" charset="0"/>
-              </a:rPr>
-              <a:t>1</a:t>
-            </a:r>
-            <a:r>
-              <a:rPr lang="zh-CN" altLang="en-US" dirty="0">
-                <a:solidFill>
-                  <a:schemeClr val="bg1"/>
-                </a:solidFill>
-                <a:latin typeface="Arial Rounded MT Bold" panose="020F0704030504030204" pitchFamily="34" charset="0"/>
-              </a:rPr>
-              <a:t>、</a:t>
-            </a:r>
-            <a:r>
-              <a:rPr lang="en-US" altLang="zh-CN" dirty="0">
-                <a:solidFill>
-                  <a:schemeClr val="bg1"/>
-                </a:solidFill>
-                <a:latin typeface="Arial Rounded MT Bold" panose="020F0704030504030204" pitchFamily="34" charset="0"/>
-              </a:rPr>
-              <a:t>populates the R3 database with tuples</a:t>
-            </a:r>
-          </a:p>
-          <a:p>
-            <a:endParaRPr lang="en-US" altLang="zh-CN" dirty="0">
-              <a:solidFill>
-                <a:schemeClr val="bg1"/>
-              </a:solidFill>
-              <a:latin typeface="Arial Rounded MT Bold" panose="020F0704030504030204" pitchFamily="34" charset="0"/>
-            </a:endParaRPr>
-          </a:p>
-          <a:p>
-            <a:r>
-              <a:rPr lang="en-US" altLang="zh-CN" dirty="0">
-                <a:solidFill>
-                  <a:schemeClr val="bg1"/>
-                </a:solidFill>
-                <a:latin typeface="Arial Rounded MT Bold" panose="020F0704030504030204" pitchFamily="34" charset="0"/>
-              </a:rPr>
-              <a:t>2</a:t>
-            </a:r>
-            <a:r>
-              <a:rPr lang="zh-CN" altLang="en-US" dirty="0">
-                <a:solidFill>
-                  <a:schemeClr val="bg1"/>
-                </a:solidFill>
-                <a:latin typeface="Arial Rounded MT Bold" panose="020F0704030504030204" pitchFamily="34" charset="0"/>
-              </a:rPr>
-              <a:t>、</a:t>
-            </a:r>
-            <a:r>
-              <a:rPr lang="en-US" altLang="zh-CN" dirty="0">
-                <a:solidFill>
-                  <a:schemeClr val="bg1"/>
-                </a:solidFill>
-                <a:latin typeface="Arial Rounded MT Bold" panose="020F0704030504030204" pitchFamily="34" charset="0"/>
-              </a:rPr>
-              <a:t>assigns </a:t>
-            </a:r>
-            <a:r>
-              <a:rPr lang="en-US" altLang="zh-CN" dirty="0" err="1">
-                <a:solidFill>
-                  <a:schemeClr val="bg1"/>
-                </a:solidFill>
-                <a:latin typeface="Arial Rounded MT Bold" panose="020F0704030504030204" pitchFamily="34" charset="0"/>
-              </a:rPr>
-              <a:t>boolean</a:t>
-            </a:r>
-            <a:r>
-              <a:rPr lang="en-US" altLang="zh-CN" dirty="0">
-                <a:solidFill>
-                  <a:schemeClr val="bg1"/>
-                </a:solidFill>
-                <a:latin typeface="Arial Rounded MT Bold" panose="020F0704030504030204" pitchFamily="34" charset="0"/>
-              </a:rPr>
-              <a:t> values to these checks. </a:t>
-            </a:r>
-            <a:endParaRPr lang="zh-CN" altLang="en-US" dirty="0">
-              <a:solidFill>
-                <a:schemeClr val="bg1"/>
-              </a:solidFill>
-              <a:latin typeface="Arial Rounded MT Bold" panose="020F0704030504030204" pitchFamily="34" charset="0"/>
-            </a:endParaRPr>
-          </a:p>
-        </p:txBody>
-      </p:sp>
-    </p:spTree>
-    <p:extLst>
-      <p:ext uri="{BB962C8B-B14F-4D97-AF65-F5344CB8AC3E}">
-        <p14:creationId xmlns:p14="http://schemas.microsoft.com/office/powerpoint/2010/main" val="2257114823"/>
-      </p:ext>
-    </p:extLst>
-  </p:cSld>
-  <p:clrMapOvr>
-    <a:masterClrMapping/>
-  </p:clrMapOvr>
-</p:sld>
-</file>
-
-<file path=ppt/slides/slide9.xml><?xml version="1.0" encoding="utf-8"?>
-<p:sld xmlns:a="http://schemas.openxmlformats.org/drawingml/2006/main" xmlns:r="http://schemas.openxmlformats.org/officeDocument/2006/relationships" xmlns:p="http://schemas.openxmlformats.org/presentationml/2006/main">
-  <p:cSld>
-    <p:spTree>
-      <p:nvGrpSpPr>
-        <p:cNvPr id="1" name=""/>
-        <p:cNvGrpSpPr/>
-        <p:nvPr/>
-      </p:nvGrpSpPr>
-      <p:grpSpPr>
-        <a:xfrm>
-          <a:off x="0" y="0"/>
-          <a:ext cx="0" cy="0"/>
-          <a:chOff x="0" y="0"/>
-          <a:chExt cx="0" cy="0"/>
-        </a:xfrm>
-      </p:grpSpPr>
-      <p:sp>
-        <p:nvSpPr>
-          <p:cNvPr id="6" name="Shape 180">
-            <a:extLst>
-              <a:ext uri="{FF2B5EF4-FFF2-40B4-BE49-F238E27FC236}">
-                <a16:creationId xmlns:a16="http://schemas.microsoft.com/office/drawing/2014/main" id="{DC32B47D-DAF7-40BF-AA09-B2E572841990}"/>
-              </a:ext>
-            </a:extLst>
-          </p:cNvPr>
-          <p:cNvSpPr txBox="1">
-            <a:spLocks/>
-          </p:cNvSpPr>
-          <p:nvPr/>
-        </p:nvSpPr>
-        <p:spPr>
-          <a:xfrm>
-            <a:off x="357810" y="285662"/>
-            <a:ext cx="9310066" cy="421768"/>
-          </a:xfrm>
-          <a:prstGeom prst="rect">
-            <a:avLst/>
-          </a:prstGeom>
-        </p:spPr>
-        <p:txBody>
-          <a:bodyPr/>
-          <a:lstStyle>
-            <a:lvl1pPr marL="444500" marR="0" indent="-444500" algn="l" defTabSz="584200" latinLnBrk="0">
-              <a:lnSpc>
-                <a:spcPct val="100000"/>
-              </a:lnSpc>
-              <a:spcBef>
-                <a:spcPts val="2800"/>
-              </a:spcBef>
-              <a:spcAft>
-                <a:spcPts val="0"/>
-              </a:spcAft>
-              <a:buClr>
-                <a:schemeClr val="accent1">
-                  <a:satOff val="-4060"/>
-                </a:schemeClr>
-              </a:buClr>
-              <a:buSzPct val="104999"/>
-              <a:buFont typeface="Avenir Next"/>
-              <a:buChar char="‣"/>
-              <a:tabLst/>
-              <a:defRPr sz="3400" b="0" i="0" u="none" strike="noStrike" cap="none" spc="0" baseline="0">
-                <a:ln>
-                  <a:noFill/>
-                </a:ln>
-                <a:solidFill>
-                  <a:srgbClr val="838787"/>
-                </a:solidFill>
-                <a:uFillTx/>
-                <a:latin typeface="Avenir Next Medium"/>
-                <a:ea typeface="Avenir Next Medium"/>
-                <a:cs typeface="Avenir Next Medium"/>
-                <a:sym typeface="Avenir Next Medium"/>
-              </a:defRPr>
-            </a:lvl1pPr>
-            <a:lvl2pPr marL="889000" marR="0" indent="-444500" algn="l" defTabSz="584200" latinLnBrk="0">
-              <a:lnSpc>
-                <a:spcPct val="100000"/>
-              </a:lnSpc>
-              <a:spcBef>
-                <a:spcPts val="2800"/>
-              </a:spcBef>
-              <a:spcAft>
-                <a:spcPts val="0"/>
-              </a:spcAft>
-              <a:buClr>
-                <a:schemeClr val="accent1">
-                  <a:satOff val="-4060"/>
-                </a:schemeClr>
-              </a:buClr>
-              <a:buSzPct val="104999"/>
-              <a:buFont typeface="Avenir Next"/>
-              <a:buChar char="‣"/>
-              <a:tabLst/>
-              <a:defRPr sz="3400" b="0" i="0" u="none" strike="noStrike" cap="none" spc="0" baseline="0">
-                <a:ln>
-                  <a:noFill/>
-                </a:ln>
-                <a:solidFill>
-                  <a:srgbClr val="838787"/>
-                </a:solidFill>
-                <a:uFillTx/>
-                <a:latin typeface="Avenir Next Medium"/>
-                <a:ea typeface="Avenir Next Medium"/>
-                <a:cs typeface="Avenir Next Medium"/>
-                <a:sym typeface="Avenir Next Medium"/>
-              </a:defRPr>
-            </a:lvl2pPr>
-            <a:lvl3pPr marL="1333500" marR="0" indent="-444500" algn="l" defTabSz="584200" latinLnBrk="0">
-              <a:lnSpc>
-                <a:spcPct val="100000"/>
-              </a:lnSpc>
-              <a:spcBef>
-                <a:spcPts val="2800"/>
-              </a:spcBef>
-              <a:spcAft>
-                <a:spcPts val="0"/>
-              </a:spcAft>
-              <a:buClr>
-                <a:schemeClr val="accent1">
-                  <a:satOff val="-4060"/>
-                </a:schemeClr>
-              </a:buClr>
-              <a:buSzPct val="104999"/>
-              <a:buFont typeface="Avenir Next"/>
-              <a:buChar char="‣"/>
-              <a:tabLst/>
-              <a:defRPr sz="3400" b="0" i="0" u="none" strike="noStrike" cap="none" spc="0" baseline="0">
-                <a:ln>
-                  <a:noFill/>
-                </a:ln>
-                <a:solidFill>
-                  <a:srgbClr val="838787"/>
-                </a:solidFill>
-                <a:uFillTx/>
-                <a:latin typeface="Avenir Next Medium"/>
-                <a:ea typeface="Avenir Next Medium"/>
-                <a:cs typeface="Avenir Next Medium"/>
-                <a:sym typeface="Avenir Next Medium"/>
-              </a:defRPr>
-            </a:lvl3pPr>
-            <a:lvl4pPr marL="1778000" marR="0" indent="-444500" algn="l" defTabSz="584200" latinLnBrk="0">
-              <a:lnSpc>
-                <a:spcPct val="100000"/>
-              </a:lnSpc>
-              <a:spcBef>
-                <a:spcPts val="2800"/>
-              </a:spcBef>
-              <a:spcAft>
-                <a:spcPts val="0"/>
-              </a:spcAft>
-              <a:buClr>
-                <a:schemeClr val="accent1">
-                  <a:satOff val="-4060"/>
-                </a:schemeClr>
-              </a:buClr>
-              <a:buSzPct val="104999"/>
-              <a:buFont typeface="Avenir Next"/>
-              <a:buChar char="‣"/>
-              <a:tabLst/>
-              <a:defRPr sz="3400" b="0" i="0" u="none" strike="noStrike" cap="none" spc="0" baseline="0">
-                <a:ln>
-                  <a:noFill/>
-                </a:ln>
-                <a:solidFill>
-                  <a:srgbClr val="838787"/>
-                </a:solidFill>
-                <a:uFillTx/>
-                <a:latin typeface="Avenir Next Medium"/>
-                <a:ea typeface="Avenir Next Medium"/>
-                <a:cs typeface="Avenir Next Medium"/>
-                <a:sym typeface="Avenir Next Medium"/>
-              </a:defRPr>
-            </a:lvl4pPr>
-            <a:lvl5pPr marL="2222500" marR="0" indent="-444500" algn="l" defTabSz="584200" latinLnBrk="0">
-              <a:lnSpc>
-                <a:spcPct val="100000"/>
-              </a:lnSpc>
-              <a:spcBef>
-                <a:spcPts val="2800"/>
-              </a:spcBef>
-              <a:spcAft>
-                <a:spcPts val="0"/>
-              </a:spcAft>
-              <a:buClr>
-                <a:schemeClr val="accent1">
-                  <a:satOff val="-4060"/>
-                </a:schemeClr>
-              </a:buClr>
-              <a:buSzPct val="104999"/>
-              <a:buFont typeface="Avenir Next"/>
-              <a:buChar char="‣"/>
-              <a:tabLst/>
-              <a:defRPr sz="3400" b="0" i="0" u="none" strike="noStrike" cap="none" spc="0" baseline="0">
-                <a:ln>
-                  <a:noFill/>
-                </a:ln>
-                <a:solidFill>
-                  <a:srgbClr val="838787"/>
-                </a:solidFill>
-                <a:uFillTx/>
-                <a:latin typeface="Avenir Next Medium"/>
-                <a:ea typeface="Avenir Next Medium"/>
-                <a:cs typeface="Avenir Next Medium"/>
-                <a:sym typeface="Avenir Next Medium"/>
-              </a:defRPr>
-            </a:lvl5pPr>
-            <a:lvl6pPr marL="2667000" marR="0" indent="-444500" algn="l" defTabSz="584200" latinLnBrk="0">
-              <a:lnSpc>
-                <a:spcPct val="100000"/>
-              </a:lnSpc>
-              <a:spcBef>
-                <a:spcPts val="2800"/>
-              </a:spcBef>
-              <a:spcAft>
-                <a:spcPts val="0"/>
-              </a:spcAft>
-              <a:buClr>
-                <a:schemeClr val="accent1">
-                  <a:satOff val="-4060"/>
-                </a:schemeClr>
-              </a:buClr>
-              <a:buSzPct val="104999"/>
-              <a:buFont typeface="Avenir Next"/>
-              <a:buChar char="‣"/>
-              <a:tabLst/>
-              <a:defRPr sz="3400" b="0" i="0" u="none" strike="noStrike" cap="none" spc="0" baseline="0">
-                <a:ln>
-                  <a:noFill/>
-                </a:ln>
-                <a:solidFill>
-                  <a:srgbClr val="838787"/>
-                </a:solidFill>
-                <a:uFillTx/>
-                <a:latin typeface="Avenir Next Medium"/>
-                <a:ea typeface="Avenir Next Medium"/>
-                <a:cs typeface="Avenir Next Medium"/>
-                <a:sym typeface="Avenir Next Medium"/>
-              </a:defRPr>
-            </a:lvl6pPr>
-            <a:lvl7pPr marL="3111500" marR="0" indent="-444500" algn="l" defTabSz="584200" latinLnBrk="0">
-              <a:lnSpc>
-                <a:spcPct val="100000"/>
-              </a:lnSpc>
-              <a:spcBef>
-                <a:spcPts val="2800"/>
-              </a:spcBef>
-              <a:spcAft>
-                <a:spcPts val="0"/>
-              </a:spcAft>
-              <a:buClr>
-                <a:schemeClr val="accent1">
-                  <a:satOff val="-4060"/>
-                </a:schemeClr>
-              </a:buClr>
-              <a:buSzPct val="104999"/>
-              <a:buFont typeface="Avenir Next"/>
-              <a:buChar char="‣"/>
-              <a:tabLst/>
-              <a:defRPr sz="3400" b="0" i="0" u="none" strike="noStrike" cap="none" spc="0" baseline="0">
-                <a:ln>
-                  <a:noFill/>
-                </a:ln>
-                <a:solidFill>
-                  <a:srgbClr val="838787"/>
-                </a:solidFill>
-                <a:uFillTx/>
-                <a:latin typeface="Avenir Next Medium"/>
-                <a:ea typeface="Avenir Next Medium"/>
-                <a:cs typeface="Avenir Next Medium"/>
-                <a:sym typeface="Avenir Next Medium"/>
-              </a:defRPr>
-            </a:lvl7pPr>
-            <a:lvl8pPr marL="3556000" marR="0" indent="-444500" algn="l" defTabSz="584200" latinLnBrk="0">
-              <a:lnSpc>
-                <a:spcPct val="100000"/>
-              </a:lnSpc>
-              <a:spcBef>
-                <a:spcPts val="2800"/>
-              </a:spcBef>
-              <a:spcAft>
-                <a:spcPts val="0"/>
-              </a:spcAft>
-              <a:buClr>
-                <a:schemeClr val="accent1">
-                  <a:satOff val="-4060"/>
-                </a:schemeClr>
-              </a:buClr>
-              <a:buSzPct val="104999"/>
-              <a:buFont typeface="Avenir Next"/>
-              <a:buChar char="‣"/>
-              <a:tabLst/>
-              <a:defRPr sz="3400" b="0" i="0" u="none" strike="noStrike" cap="none" spc="0" baseline="0">
-                <a:ln>
-                  <a:noFill/>
-                </a:ln>
-                <a:solidFill>
-                  <a:srgbClr val="838787"/>
-                </a:solidFill>
-                <a:uFillTx/>
-                <a:latin typeface="Avenir Next Medium"/>
-                <a:ea typeface="Avenir Next Medium"/>
-                <a:cs typeface="Avenir Next Medium"/>
-                <a:sym typeface="Avenir Next Medium"/>
-              </a:defRPr>
-            </a:lvl8pPr>
-            <a:lvl9pPr marL="4000500" marR="0" indent="-444500" algn="l" defTabSz="584200" latinLnBrk="0">
-              <a:lnSpc>
-                <a:spcPct val="100000"/>
-              </a:lnSpc>
-              <a:spcBef>
-                <a:spcPts val="2800"/>
-              </a:spcBef>
-              <a:spcAft>
-                <a:spcPts val="0"/>
-              </a:spcAft>
-              <a:buClr>
-                <a:schemeClr val="accent1">
-                  <a:satOff val="-4060"/>
-                </a:schemeClr>
-              </a:buClr>
-              <a:buSzPct val="104999"/>
-              <a:buFont typeface="Avenir Next"/>
-              <a:buChar char="‣"/>
-              <a:tabLst/>
-              <a:defRPr sz="3400" b="0" i="0" u="none" strike="noStrike" cap="none" spc="0" baseline="0">
-                <a:ln>
-                  <a:noFill/>
-                </a:ln>
-                <a:solidFill>
-                  <a:srgbClr val="838787"/>
-                </a:solidFill>
-                <a:uFillTx/>
-                <a:latin typeface="Avenir Next Medium"/>
-                <a:ea typeface="Avenir Next Medium"/>
-                <a:cs typeface="Avenir Next Medium"/>
-                <a:sym typeface="Avenir Next Medium"/>
-              </a:defRPr>
-            </a:lvl9pPr>
-          </a:lstStyle>
-          <a:p>
-            <a:pPr marL="0" indent="0" defTabSz="410751">
-              <a:spcBef>
-                <a:spcPts val="1969"/>
-              </a:spcBef>
-              <a:buClr>
-                <a:srgbClr val="34A5DA">
-                  <a:satOff val="-4060"/>
-                </a:srgbClr>
-              </a:buClr>
-              <a:buNone/>
-            </a:pPr>
-            <a:r>
-              <a:rPr lang="en-US" altLang="zh-CN" sz="1800" b="1" kern="0" cap="all" dirty="0">
-                <a:solidFill>
-                  <a:srgbClr val="34A5DA"/>
-                </a:solidFill>
-                <a:latin typeface="等线" panose="02010600030101010101" pitchFamily="2" charset="-122"/>
-                <a:ea typeface="等线" panose="02010600030101010101" pitchFamily="2" charset="-122"/>
-                <a:sym typeface="Baskerville"/>
-              </a:rPr>
-              <a:t>R3 : Preconditions</a:t>
-            </a:r>
-          </a:p>
-          <a:p>
-            <a:pPr marL="0" indent="0" defTabSz="410751">
-              <a:spcBef>
-                <a:spcPts val="1969"/>
-              </a:spcBef>
-              <a:buClr>
-                <a:srgbClr val="34A5DA">
-                  <a:satOff val="-4060"/>
-                </a:srgbClr>
-              </a:buClr>
-              <a:buNone/>
-            </a:pPr>
-            <a:endParaRPr lang="zh-CN" altLang="en-US" sz="1800" b="1" kern="0" cap="all" dirty="0">
-              <a:solidFill>
-                <a:srgbClr val="34A5DA"/>
-              </a:solidFill>
-              <a:latin typeface="等线" panose="02010600030101010101" pitchFamily="2" charset="-122"/>
-              <a:ea typeface="等线" panose="02010600030101010101" pitchFamily="2" charset="-122"/>
-            </a:endParaRPr>
-          </a:p>
-        </p:txBody>
-      </p:sp>
-      <p:sp>
-        <p:nvSpPr>
-          <p:cNvPr id="7" name="文本框 6">
-            <a:extLst>
-              <a:ext uri="{FF2B5EF4-FFF2-40B4-BE49-F238E27FC236}">
-                <a16:creationId xmlns:a16="http://schemas.microsoft.com/office/drawing/2014/main" id="{F7AA6C85-AB4C-4D13-8F52-833A2125C803}"/>
-              </a:ext>
-            </a:extLst>
-          </p:cNvPr>
-          <p:cNvSpPr txBox="1"/>
-          <p:nvPr/>
-        </p:nvSpPr>
-        <p:spPr>
-          <a:xfrm>
-            <a:off x="159690" y="1341391"/>
-            <a:ext cx="10176078" cy="646331"/>
-          </a:xfrm>
-          <a:prstGeom prst="rect">
-            <a:avLst/>
-          </a:prstGeom>
-          <a:noFill/>
-          <a:ln w="12700" cap="flat">
-            <a:noFill/>
-            <a:miter lim="400000"/>
-          </a:ln>
-          <a:effectLst/>
-          <a:sp3d/>
-        </p:spPr>
-        <p:style>
-          <a:lnRef idx="0">
-            <a:scrgbClr r="0" g="0" b="0"/>
-          </a:lnRef>
-          <a:fillRef idx="0">
-            <a:scrgbClr r="0" g="0" b="0"/>
-          </a:fillRef>
-          <a:effectRef idx="0">
-            <a:scrgbClr r="0" g="0" b="0"/>
-          </a:effectRef>
-          <a:fontRef idx="none"/>
-        </p:style>
-        <p:txBody>
-          <a:bodyPr wrap="square">
-            <a:spAutoFit/>
-          </a:bodyPr>
-          <a:lstStyle/>
-          <a:p>
-            <a:pPr marL="342900" indent="-342900">
-              <a:buAutoNum type="arabicParenR"/>
-            </a:pPr>
-            <a:r>
-              <a:rPr lang="zh-CN" altLang="en-US" dirty="0">
-                <a:solidFill>
-                  <a:schemeClr val="bg1"/>
-                </a:solidFill>
-                <a:latin typeface="Arial Rounded MT Bold" panose="020F0704030504030204" pitchFamily="34" charset="0"/>
-              </a:rPr>
-              <a:t>Boolean Checks Made by a Single Tuple Lookup:</a:t>
-            </a:r>
-            <a:endParaRPr lang="en-US" altLang="zh-CN" dirty="0">
-              <a:solidFill>
-                <a:schemeClr val="bg1"/>
-              </a:solidFill>
-              <a:latin typeface="Arial Rounded MT Bold" panose="020F0704030504030204" pitchFamily="34" charset="0"/>
-            </a:endParaRPr>
-          </a:p>
-          <a:p>
-            <a:r>
-              <a:rPr lang="zh-CN" altLang="en-US" dirty="0">
-                <a:solidFill>
-                  <a:schemeClr val="bg1"/>
-                </a:solidFill>
-                <a:latin typeface="Arial Rounded MT Bold" panose="020F0704030504030204" pitchFamily="34" charset="0"/>
-              </a:rPr>
-              <a:t>In R3,15 preconditions are AST-harvestable at database build time as boolean values.</a:t>
-            </a:r>
-          </a:p>
-        </p:txBody>
-      </p:sp>
-      <p:sp>
-        <p:nvSpPr>
-          <p:cNvPr id="9" name="文本框 8">
-            <a:extLst>
-              <a:ext uri="{FF2B5EF4-FFF2-40B4-BE49-F238E27FC236}">
-                <a16:creationId xmlns:a16="http://schemas.microsoft.com/office/drawing/2014/main" id="{CD669FA1-6CD3-4904-85BD-490F6D1F86E9}"/>
-              </a:ext>
-            </a:extLst>
-          </p:cNvPr>
-          <p:cNvSpPr txBox="1"/>
-          <p:nvPr/>
-        </p:nvSpPr>
-        <p:spPr>
-          <a:xfrm>
-            <a:off x="159690" y="3884182"/>
-            <a:ext cx="12032310" cy="646331"/>
-          </a:xfrm>
-          <a:prstGeom prst="rect">
-            <a:avLst/>
-          </a:prstGeom>
-          <a:noFill/>
-          <a:ln w="12700" cap="flat">
-            <a:noFill/>
-            <a:miter lim="400000"/>
-          </a:ln>
-          <a:effectLst/>
-          <a:sp3d/>
-        </p:spPr>
-        <p:style>
-          <a:lnRef idx="0">
-            <a:scrgbClr r="0" g="0" b="0"/>
-          </a:lnRef>
-          <a:fillRef idx="0">
-            <a:scrgbClr r="0" g="0" b="0"/>
-          </a:fillRef>
-          <a:effectRef idx="0">
-            <a:scrgbClr r="0" g="0" b="0"/>
-          </a:effectRef>
-          <a:fontRef idx="none"/>
-        </p:style>
-        <p:txBody>
-          <a:bodyPr wrap="square">
-            <a:spAutoFit/>
-          </a:bodyPr>
-          <a:lstStyle/>
-          <a:p>
-            <a:r>
-              <a:rPr lang="zh-CN" altLang="en-US" dirty="0">
-                <a:solidFill>
-                  <a:schemeClr val="bg1"/>
-                </a:solidFill>
-                <a:latin typeface="Arial Rounded MT Bold" panose="020F0704030504030204" pitchFamily="34" charset="0"/>
-              </a:rPr>
-              <a:t>2) Checks that Require Database Search:</a:t>
-            </a:r>
-            <a:endParaRPr lang="en-US" altLang="zh-CN" dirty="0">
-              <a:solidFill>
-                <a:schemeClr val="bg1"/>
-              </a:solidFill>
-              <a:latin typeface="Arial Rounded MT Bold" panose="020F0704030504030204" pitchFamily="34" charset="0"/>
-            </a:endParaRPr>
-          </a:p>
-          <a:p>
-            <a:r>
-              <a:rPr lang="zh-CN" altLang="en-US" dirty="0">
-                <a:solidFill>
-                  <a:schemeClr val="bg1"/>
-                </a:solidFill>
-                <a:latin typeface="Arial Rounded MT Bold" panose="020F0704030504030204" pitchFamily="34" charset="0"/>
-              </a:rPr>
-              <a:t>There are several precondition checks in the JDTRE move-instance-method that require a database search</a:t>
-            </a:r>
-            <a:r>
-              <a:rPr lang="en-US" altLang="zh-CN" dirty="0">
-                <a:solidFill>
-                  <a:schemeClr val="bg1"/>
-                </a:solidFill>
-                <a:latin typeface="Arial Rounded MT Bold" panose="020F0704030504030204" pitchFamily="34" charset="0"/>
-              </a:rPr>
-              <a:t>.</a:t>
-            </a:r>
-            <a:endParaRPr lang="zh-CN" altLang="en-US" dirty="0">
-              <a:solidFill>
-                <a:schemeClr val="bg1"/>
-              </a:solidFill>
-              <a:latin typeface="Arial Rounded MT Bold" panose="020F0704030504030204" pitchFamily="34" charset="0"/>
-            </a:endParaRPr>
-          </a:p>
-        </p:txBody>
-      </p:sp>
-      <p:sp>
-        <p:nvSpPr>
-          <p:cNvPr id="11" name="文本框 10">
-            <a:extLst>
-              <a:ext uri="{FF2B5EF4-FFF2-40B4-BE49-F238E27FC236}">
-                <a16:creationId xmlns:a16="http://schemas.microsoft.com/office/drawing/2014/main" id="{20BF3A6B-617F-4D4C-923A-D5C2ABC8C32D}"/>
-              </a:ext>
-            </a:extLst>
-          </p:cNvPr>
-          <p:cNvSpPr txBox="1"/>
-          <p:nvPr/>
-        </p:nvSpPr>
-        <p:spPr>
-          <a:xfrm>
-            <a:off x="159690" y="2234558"/>
-            <a:ext cx="10447350" cy="646331"/>
-          </a:xfrm>
-          <a:prstGeom prst="rect">
-            <a:avLst/>
-          </a:prstGeom>
-          <a:noFill/>
-          <a:ln w="12700" cap="flat">
-            <a:noFill/>
-            <a:miter lim="400000"/>
-          </a:ln>
-          <a:effectLst/>
-          <a:sp3d/>
-        </p:spPr>
-        <p:style>
-          <a:lnRef idx="0">
-            <a:scrgbClr r="0" g="0" b="0"/>
-          </a:lnRef>
-          <a:fillRef idx="0">
-            <a:scrgbClr r="0" g="0" b="0"/>
-          </a:fillRef>
-          <a:effectRef idx="0">
-            <a:scrgbClr r="0" g="0" b="0"/>
-          </a:effectRef>
-          <a:fontRef idx="none"/>
-        </p:style>
-        <p:txBody>
-          <a:bodyPr wrap="square">
-            <a:spAutoFit/>
-          </a:bodyPr>
-          <a:lstStyle/>
-          <a:p>
-            <a:r>
-              <a:rPr lang="zh-CN" altLang="en-US" dirty="0">
-                <a:solidFill>
-                  <a:schemeClr val="bg1"/>
-                </a:solidFill>
-                <a:latin typeface="Arial Rounded MT Bold" panose="020F0704030504030204" pitchFamily="34" charset="0"/>
-              </a:rPr>
-              <a:t>Here is a sample:</a:t>
-            </a:r>
-            <a:endParaRPr lang="en-US" altLang="zh-CN" dirty="0">
-              <a:solidFill>
-                <a:schemeClr val="bg1"/>
-              </a:solidFill>
-              <a:latin typeface="Arial Rounded MT Bold" panose="020F0704030504030204" pitchFamily="34" charset="0"/>
-            </a:endParaRPr>
-          </a:p>
-          <a:p>
-            <a:r>
-              <a:rPr lang="en-US" altLang="zh-CN" dirty="0">
-                <a:solidFill>
-                  <a:schemeClr val="bg1"/>
-                </a:solidFill>
-                <a:latin typeface="Arial Rounded MT Bold" panose="020F0704030504030204" pitchFamily="34" charset="0"/>
-              </a:rPr>
-              <a:t>Abstract, Native, Constructor, Interface Declaring Type ,  Non-Local Type Reference …</a:t>
-            </a:r>
-            <a:endParaRPr lang="zh-CN" altLang="en-US" dirty="0">
-              <a:solidFill>
-                <a:schemeClr val="bg1"/>
-              </a:solidFill>
-              <a:latin typeface="Arial Rounded MT Bold" panose="020F0704030504030204" pitchFamily="34" charset="0"/>
-            </a:endParaRPr>
-          </a:p>
-        </p:txBody>
-      </p:sp>
-      <p:sp>
-        <p:nvSpPr>
-          <p:cNvPr id="12" name="文本框 11">
-            <a:extLst>
-              <a:ext uri="{FF2B5EF4-FFF2-40B4-BE49-F238E27FC236}">
-                <a16:creationId xmlns:a16="http://schemas.microsoft.com/office/drawing/2014/main" id="{60624DC0-78D8-4BCC-A51E-B9E00D005A17}"/>
-              </a:ext>
-            </a:extLst>
-          </p:cNvPr>
-          <p:cNvSpPr txBox="1"/>
-          <p:nvPr/>
-        </p:nvSpPr>
-        <p:spPr>
-          <a:xfrm>
-            <a:off x="159690" y="4685613"/>
-            <a:ext cx="10346766" cy="646331"/>
-          </a:xfrm>
-          <a:prstGeom prst="rect">
-            <a:avLst/>
-          </a:prstGeom>
-          <a:noFill/>
-          <a:ln w="12700" cap="flat">
-            <a:noFill/>
-            <a:miter lim="400000"/>
-          </a:ln>
-          <a:effectLst/>
-          <a:sp3d/>
-        </p:spPr>
-        <p:style>
-          <a:lnRef idx="0">
-            <a:scrgbClr r="0" g="0" b="0"/>
-          </a:lnRef>
-          <a:fillRef idx="0">
-            <a:scrgbClr r="0" g="0" b="0"/>
-          </a:fillRef>
-          <a:effectRef idx="0">
-            <a:scrgbClr r="0" g="0" b="0"/>
-          </a:effectRef>
-          <a:fontRef idx="none"/>
-        </p:style>
-        <p:txBody>
-          <a:bodyPr wrap="square">
-            <a:spAutoFit/>
-          </a:bodyPr>
-          <a:lstStyle/>
-          <a:p>
-            <a:r>
-              <a:rPr lang="zh-CN" altLang="en-US" dirty="0">
-                <a:solidFill>
-                  <a:schemeClr val="bg1"/>
-                </a:solidFill>
-                <a:latin typeface="Arial Rounded MT Bold" panose="020F0704030504030204" pitchFamily="34" charset="0"/>
-              </a:rPr>
-              <a:t>Here is a sample:</a:t>
-            </a:r>
-            <a:endParaRPr lang="en-US" altLang="zh-CN" dirty="0">
-              <a:solidFill>
-                <a:schemeClr val="bg1"/>
-              </a:solidFill>
-              <a:latin typeface="Arial Rounded MT Bold" panose="020F0704030504030204" pitchFamily="34" charset="0"/>
-            </a:endParaRPr>
-          </a:p>
-          <a:p>
-            <a:r>
-              <a:rPr lang="en-US" altLang="zh-CN" dirty="0">
-                <a:solidFill>
-                  <a:schemeClr val="bg1"/>
-                </a:solidFill>
-                <a:latin typeface="Arial Rounded MT Bold" panose="020F0704030504030204" pitchFamily="34" charset="0"/>
-              </a:rPr>
-              <a:t>Accessibility, Conflicting Method, Duplicate Type </a:t>
-            </a:r>
-            <a:r>
-              <a:rPr lang="en-US" altLang="zh-CN" dirty="0" err="1">
-                <a:solidFill>
-                  <a:schemeClr val="bg1"/>
-                </a:solidFill>
-                <a:latin typeface="Arial Rounded MT Bold" panose="020F0704030504030204" pitchFamily="34" charset="0"/>
-              </a:rPr>
-              <a:t>Paramete</a:t>
-            </a:r>
-            <a:r>
-              <a:rPr lang="en-US" altLang="zh-CN" dirty="0">
-                <a:solidFill>
-                  <a:schemeClr val="bg1"/>
-                </a:solidFill>
-                <a:latin typeface="Arial Rounded MT Bold" panose="020F0704030504030204" pitchFamily="34" charset="0"/>
-              </a:rPr>
-              <a:t>, Conflicting Target Name … </a:t>
-            </a:r>
-            <a:endParaRPr lang="zh-CN" altLang="en-US" dirty="0">
-              <a:solidFill>
-                <a:schemeClr val="bg1"/>
-              </a:solidFill>
-              <a:latin typeface="Arial Rounded MT Bold" panose="020F0704030504030204" pitchFamily="34" charset="0"/>
-            </a:endParaRPr>
-          </a:p>
-        </p:txBody>
-      </p:sp>
-    </p:spTree>
-    <p:extLst>
-      <p:ext uri="{BB962C8B-B14F-4D97-AF65-F5344CB8AC3E}">
-        <p14:creationId xmlns:p14="http://schemas.microsoft.com/office/powerpoint/2010/main" val="152587100"/>
       </p:ext>
     </p:extLst>
   </p:cSld>
